--- a/docs/apresentacao/Slide_TI_FrontEnd.pptx
+++ b/docs/apresentacao/Slide_TI_FrontEnd.pptx
@@ -2,27 +2,26 @@
 <file path=ppt/presentation.xml><?xml version="1.0" encoding="utf-8"?>
 <p:presentation xmlns:a="http://schemas.openxmlformats.org/drawingml/2006/main" xmlns:r="http://schemas.openxmlformats.org/officeDocument/2006/relationships" xmlns:p="http://schemas.openxmlformats.org/presentationml/2006/main" saveSubsetFonts="1">
   <p:sldMasterIdLst>
-    <p:sldMasterId id="2147483648" r:id="rId1"/>
-    <p:sldMasterId id="2147483660" r:id="rId2"/>
-    <p:sldMasterId id="2147483672" r:id="rId3"/>
+    <p:sldMasterId id="2147483660" r:id="rId1"/>
+    <p:sldMasterId id="2147483672" r:id="rId2"/>
   </p:sldMasterIdLst>
   <p:notesMasterIdLst>
-    <p:notesMasterId r:id="rId14"/>
+    <p:notesMasterId r:id="rId13"/>
   </p:notesMasterIdLst>
   <p:handoutMasterIdLst>
-    <p:handoutMasterId r:id="rId15"/>
+    <p:handoutMasterId r:id="rId14"/>
   </p:handoutMasterIdLst>
   <p:sldIdLst>
-    <p:sldId id="256" r:id="rId4"/>
-    <p:sldId id="257" r:id="rId5"/>
-    <p:sldId id="258" r:id="rId6"/>
-    <p:sldId id="264" r:id="rId7"/>
-    <p:sldId id="265" r:id="rId8"/>
-    <p:sldId id="259" r:id="rId9"/>
-    <p:sldId id="260" r:id="rId10"/>
-    <p:sldId id="261" r:id="rId11"/>
-    <p:sldId id="262" r:id="rId12"/>
-    <p:sldId id="263" r:id="rId13"/>
+    <p:sldId id="263" r:id="rId3"/>
+    <p:sldId id="257" r:id="rId4"/>
+    <p:sldId id="258" r:id="rId5"/>
+    <p:sldId id="264" r:id="rId6"/>
+    <p:sldId id="265" r:id="rId7"/>
+    <p:sldId id="259" r:id="rId8"/>
+    <p:sldId id="260" r:id="rId9"/>
+    <p:sldId id="261" r:id="rId10"/>
+    <p:sldId id="262" r:id="rId11"/>
+    <p:sldId id="266" r:id="rId12"/>
   </p:sldIdLst>
   <p:sldSz cx="12192000" cy="6858000"/>
   <p:notesSz cx="7772400" cy="10058400"/>
@@ -123,7 +122,7 @@
   </p:defaultTextStyle>
   <p:extLst>
     <p:ext uri="{EFAFB233-063F-42B5-8137-9DF3F51BA10A}">
-      <p15:sldGuideLst xmlns:p15="http://schemas.microsoft.com/office/powerpoint/2012/main">
+      <p15:sldGuideLst xmlns:p15="http://schemas.microsoft.com/office/powerpoint/2012/main" xmlns="">
         <p15:guide id="1" orient="horz" pos="2160">
           <p15:clr>
             <a:srgbClr val="A4A3A4"/>
@@ -565,6 +564,21 @@
               <a:defRPr sz="1400"/>
             </a:pPr>
             <a:fld id="{C83E6A1D-0928-4D96-9EA2-005C5D84ACD4}" type="slidenum">
+              <a:rPr/>
+              <a:pPr marL="0" marR="0" lvl="0" indent="0" algn="r" rtl="0" hangingPunct="0">
+                <a:lnSpc>
+                  <a:spcPct val="100000"/>
+                </a:lnSpc>
+                <a:spcBef>
+                  <a:spcPts val="0"/>
+                </a:spcBef>
+                <a:spcAft>
+                  <a:spcPts val="0"/>
+                </a:spcAft>
+                <a:buNone/>
+                <a:tabLst/>
+                <a:defRPr sz="1400"/>
+              </a:pPr>
               <a:t>‹nº›</a:t>
             </a:fld>
             <a:endParaRPr lang="en-US" sz="1400" b="0" i="0" u="none" strike="noStrike" kern="1200" cap="none">
@@ -581,7 +595,7 @@
     </p:spTree>
     <p:extLst>
       <p:ext uri="{BB962C8B-B14F-4D97-AF65-F5344CB8AC3E}">
-        <p14:creationId xmlns:p14="http://schemas.microsoft.com/office/powerpoint/2010/main" val="2103848617"/>
+        <p14:creationId xmlns:p14="http://schemas.microsoft.com/office/powerpoint/2010/main" xmlns="" val="2103848617"/>
       </p:ext>
     </p:extLst>
   </p:cSld>
@@ -832,6 +846,8 @@
           <a:p>
             <a:pPr lvl="0"/>
             <a:fld id="{C521D4C3-334A-457A-9800-E010B3E117F9}" type="slidenum">
+              <a:rPr/>
+              <a:pPr lvl="0"/>
               <a:t>‹nº›</a:t>
             </a:fld>
             <a:endParaRPr lang="en-US"/>
@@ -841,7 +857,7 @@
     </p:spTree>
     <p:extLst>
       <p:ext uri="{BB962C8B-B14F-4D97-AF65-F5344CB8AC3E}">
-        <p14:creationId xmlns:p14="http://schemas.microsoft.com/office/powerpoint/2010/main" val="1960968776"/>
+        <p14:creationId xmlns:p14="http://schemas.microsoft.com/office/powerpoint/2010/main" xmlns="" val="1960968776"/>
       </p:ext>
     </p:extLst>
   </p:cSld>
@@ -1012,7 +1028,7 @@
     </p:spTree>
     <p:extLst>
       <p:ext uri="{BB962C8B-B14F-4D97-AF65-F5344CB8AC3E}">
-        <p14:creationId xmlns:p14="http://schemas.microsoft.com/office/powerpoint/2010/main" val="1184027509"/>
+        <p14:creationId xmlns:p14="http://schemas.microsoft.com/office/powerpoint/2010/main" xmlns="" val="4003719090"/>
       </p:ext>
     </p:extLst>
   </p:cSld>
@@ -1087,7 +1103,7 @@
     </p:spTree>
     <p:extLst>
       <p:ext uri="{BB962C8B-B14F-4D97-AF65-F5344CB8AC3E}">
-        <p14:creationId xmlns:p14="http://schemas.microsoft.com/office/powerpoint/2010/main" val="4003719090"/>
+        <p14:creationId xmlns:p14="http://schemas.microsoft.com/office/powerpoint/2010/main" xmlns="" val="1831649095"/>
       </p:ext>
     </p:extLst>
   </p:cSld>
@@ -1162,7 +1178,7 @@
     </p:spTree>
     <p:extLst>
       <p:ext uri="{BB962C8B-B14F-4D97-AF65-F5344CB8AC3E}">
-        <p14:creationId xmlns:p14="http://schemas.microsoft.com/office/powerpoint/2010/main" val="985770920"/>
+        <p14:creationId xmlns:p14="http://schemas.microsoft.com/office/powerpoint/2010/main" xmlns="" val="985770920"/>
       </p:ext>
     </p:extLst>
   </p:cSld>
@@ -1237,7 +1253,7 @@
     </p:spTree>
     <p:extLst>
       <p:ext uri="{BB962C8B-B14F-4D97-AF65-F5344CB8AC3E}">
-        <p14:creationId xmlns:p14="http://schemas.microsoft.com/office/powerpoint/2010/main" val="1941945087"/>
+        <p14:creationId xmlns:p14="http://schemas.microsoft.com/office/powerpoint/2010/main" xmlns="" val="1941945087"/>
       </p:ext>
     </p:extLst>
   </p:cSld>
@@ -1312,7 +1328,7 @@
     </p:spTree>
     <p:extLst>
       <p:ext uri="{BB962C8B-B14F-4D97-AF65-F5344CB8AC3E}">
-        <p14:creationId xmlns:p14="http://schemas.microsoft.com/office/powerpoint/2010/main" val="2540358228"/>
+        <p14:creationId xmlns:p14="http://schemas.microsoft.com/office/powerpoint/2010/main" xmlns="" val="2540358228"/>
       </p:ext>
     </p:extLst>
   </p:cSld>
@@ -1387,7 +1403,7 @@
     </p:spTree>
     <p:extLst>
       <p:ext uri="{BB962C8B-B14F-4D97-AF65-F5344CB8AC3E}">
-        <p14:creationId xmlns:p14="http://schemas.microsoft.com/office/powerpoint/2010/main" val="3785187401"/>
+        <p14:creationId xmlns:p14="http://schemas.microsoft.com/office/powerpoint/2010/main" xmlns="" val="3785187401"/>
       </p:ext>
     </p:extLst>
   </p:cSld>
@@ -1455,14 +1471,14 @@
           <a:bodyPr vert="horz"/>
           <a:lstStyle/>
           <a:p>
-            <a:endParaRPr lang="en-US"/>
+            <a:endParaRPr lang="en-US" dirty="0"/>
           </a:p>
         </p:txBody>
       </p:sp>
     </p:spTree>
     <p:extLst>
       <p:ext uri="{BB962C8B-B14F-4D97-AF65-F5344CB8AC3E}">
-        <p14:creationId xmlns:p14="http://schemas.microsoft.com/office/powerpoint/2010/main" val="3251095858"/>
+        <p14:creationId xmlns:p14="http://schemas.microsoft.com/office/powerpoint/2010/main" xmlns="" val="3251095858"/>
       </p:ext>
     </p:extLst>
   </p:cSld>
@@ -1537,7 +1553,7 @@
     </p:spTree>
     <p:extLst>
       <p:ext uri="{BB962C8B-B14F-4D97-AF65-F5344CB8AC3E}">
-        <p14:creationId xmlns:p14="http://schemas.microsoft.com/office/powerpoint/2010/main" val="1831649095"/>
+        <p14:creationId xmlns:p14="http://schemas.microsoft.com/office/powerpoint/2010/main" xmlns="" val="1831649095"/>
       </p:ext>
     </p:extLst>
   </p:cSld>
@@ -1612,7 +1628,7 @@
     </p:spTree>
     <p:extLst>
       <p:ext uri="{BB962C8B-B14F-4D97-AF65-F5344CB8AC3E}">
-        <p14:creationId xmlns:p14="http://schemas.microsoft.com/office/powerpoint/2010/main" val="1190199802"/>
+        <p14:creationId xmlns:p14="http://schemas.microsoft.com/office/powerpoint/2010/main" xmlns="" val="1190199802"/>
       </p:ext>
     </p:extLst>
   </p:cSld>
@@ -1687,7 +1703,7 @@
     </p:spTree>
     <p:extLst>
       <p:ext uri="{BB962C8B-B14F-4D97-AF65-F5344CB8AC3E}">
-        <p14:creationId xmlns:p14="http://schemas.microsoft.com/office/powerpoint/2010/main" val="3407063107"/>
+        <p14:creationId xmlns:p14="http://schemas.microsoft.com/office/powerpoint/2010/main" xmlns="" val="3407063107"/>
       </p:ext>
     </p:extLst>
   </p:cSld>
@@ -1876,10 +1892,7 @@
           <a:bodyPr/>
           <a:lstStyle/>
           <a:p>
-            <a:fld id="{2D7B4112-132D-427F-853F-D83B376E39B9}" type="datetimeFigureOut">
-              <a:rPr lang="pt-BR" smtClean="0"/>
-              <a:t>14/04/2023</a:t>
-            </a:fld>
+            <a:pPr lvl="0"/>
             <a:endParaRPr lang="pt-BR"/>
           </a:p>
         </p:txBody>
@@ -1899,7 +1912,8 @@
           <a:bodyPr/>
           <a:lstStyle/>
           <a:p>
-            <a:endParaRPr lang="pt-BR"/>
+            <a:pPr lvl="0"/>
+            <a:endParaRPr lang="en-US"/>
           </a:p>
         </p:txBody>
       </p:sp>
@@ -1918,7 +1932,10 @@
           <a:bodyPr/>
           <a:lstStyle/>
           <a:p>
-            <a:fld id="{DCA80A83-E6AD-46C7-832C-2E51AC5AD372}" type="slidenum">
+            <a:pPr lvl="0"/>
+            <a:fld id="{91C9F44A-ADF4-47A0-BA5F-E1A91BAFC3C5}" type="slidenum">
+              <a:rPr/>
+              <a:pPr lvl="0"/>
               <a:t>‹nº›</a:t>
             </a:fld>
             <a:endParaRPr lang="pt-BR"/>
@@ -1930,6 +1947,7 @@
   <p:clrMapOvr>
     <a:masterClrMapping/>
   </p:clrMapOvr>
+  <p:transition/>
 </p:sldLayout>
 </file>
 
@@ -2040,10 +2058,7 @@
           <a:bodyPr/>
           <a:lstStyle/>
           <a:p>
-            <a:fld id="{2D7B4112-132D-427F-853F-D83B376E39B9}" type="datetimeFigureOut">
-              <a:rPr lang="pt-BR" smtClean="0"/>
-              <a:t>14/04/2023</a:t>
-            </a:fld>
+            <a:pPr lvl="0"/>
             <a:endParaRPr lang="pt-BR"/>
           </a:p>
         </p:txBody>
@@ -2063,7 +2078,8 @@
           <a:bodyPr/>
           <a:lstStyle/>
           <a:p>
-            <a:endParaRPr lang="pt-BR"/>
+            <a:pPr lvl="0"/>
+            <a:endParaRPr lang="en-US"/>
           </a:p>
         </p:txBody>
       </p:sp>
@@ -2082,7 +2098,10 @@
           <a:bodyPr/>
           <a:lstStyle/>
           <a:p>
-            <a:fld id="{B7828838-4459-4594-A128-C95C81F46120}" type="slidenum">
+            <a:pPr lvl="0"/>
+            <a:fld id="{55539061-7399-4158-B5F7-C8150B6D6252}" type="slidenum">
+              <a:rPr/>
+              <a:pPr lvl="0"/>
               <a:t>‹nº›</a:t>
             </a:fld>
             <a:endParaRPr lang="pt-BR"/>
@@ -2094,6 +2113,7 @@
   <p:clrMapOvr>
     <a:masterClrMapping/>
   </p:clrMapOvr>
+  <p:transition/>
 </p:sldLayout>
 </file>
 
@@ -2126,8 +2146,8 @@
         </p:nvSpPr>
         <p:spPr>
           <a:xfrm>
-            <a:off x="8839200" y="274638"/>
-            <a:ext cx="2743200" cy="5851525"/>
+            <a:off x="8315325" y="585788"/>
+            <a:ext cx="2428875" cy="5722937"/>
           </a:xfrm>
         </p:spPr>
         <p:txBody>
@@ -2154,8 +2174,8 @@
         </p:nvSpPr>
         <p:spPr>
           <a:xfrm>
-            <a:off x="609600" y="274638"/>
-            <a:ext cx="8077200" cy="5851525"/>
+            <a:off x="1023938" y="585788"/>
+            <a:ext cx="7138987" cy="5722937"/>
           </a:xfrm>
         </p:spPr>
         <p:txBody>
@@ -2214,10 +2234,7 @@
           <a:bodyPr/>
           <a:lstStyle/>
           <a:p>
-            <a:fld id="{2D7B4112-132D-427F-853F-D83B376E39B9}" type="datetimeFigureOut">
-              <a:rPr lang="pt-BR" smtClean="0"/>
-              <a:t>14/04/2023</a:t>
-            </a:fld>
+            <a:pPr lvl="0"/>
             <a:endParaRPr lang="pt-BR"/>
           </a:p>
         </p:txBody>
@@ -2237,7 +2254,8 @@
           <a:bodyPr/>
           <a:lstStyle/>
           <a:p>
-            <a:endParaRPr lang="pt-BR"/>
+            <a:pPr lvl="0"/>
+            <a:endParaRPr lang="en-US"/>
           </a:p>
         </p:txBody>
       </p:sp>
@@ -2256,7 +2274,10 @@
           <a:bodyPr/>
           <a:lstStyle/>
           <a:p>
-            <a:fld id="{898C8027-FE9E-497A-A111-E72584B11A58}" type="slidenum">
+            <a:pPr lvl="0"/>
+            <a:fld id="{A7F328E4-6ACC-4698-8F70-A419AB5437FC}" type="slidenum">
+              <a:rPr/>
+              <a:pPr lvl="0"/>
               <a:t>‹nº›</a:t>
             </a:fld>
             <a:endParaRPr lang="pt-BR"/>
@@ -2268,6 +2289,7 @@
   <p:clrMapOvr>
     <a:masterClrMapping/>
   </p:clrMapOvr>
+  <p:transition/>
 </p:sldLayout>
 </file>
 
@@ -2491,7 +2513,9 @@
           <a:lstStyle/>
           <a:p>
             <a:pPr lvl="0"/>
-            <a:fld id="{91C9F44A-ADF4-47A0-BA5F-E1A91BAFC3C5}" type="slidenum">
+            <a:fld id="{4A314852-734F-4B82-9811-936F4E4A9D90}" type="slidenum">
+              <a:rPr/>
+              <a:pPr lvl="0"/>
               <a:t>‹nº›</a:t>
             </a:fld>
             <a:endParaRPr lang="pt-BR"/>
@@ -2655,7 +2679,9 @@
           <a:lstStyle/>
           <a:p>
             <a:pPr lvl="0"/>
-            <a:fld id="{7FC348A6-AA02-407F-B80B-95CDD6D7629A}" type="slidenum">
+            <a:fld id="{053142F2-8299-47A0-B39F-02EF94CB1622}" type="slidenum">
+              <a:rPr/>
+              <a:pPr lvl="0"/>
               <a:t>‹nº›</a:t>
             </a:fld>
             <a:endParaRPr lang="pt-BR"/>
@@ -2895,7 +2921,9 @@
           <a:lstStyle/>
           <a:p>
             <a:pPr lvl="0"/>
-            <a:fld id="{5B5B172C-7B95-4981-BB5F-1FAA10EE224C}" type="slidenum">
+            <a:fld id="{5F2EFABE-0DD2-40DD-83E8-02297EE6F883}" type="slidenum">
+              <a:rPr/>
+              <a:pPr lvl="0"/>
               <a:t>‹nº›</a:t>
             </a:fld>
             <a:endParaRPr lang="pt-BR"/>
@@ -2963,8 +2991,8 @@
         </p:nvSpPr>
         <p:spPr>
           <a:xfrm>
-            <a:off x="1023938" y="2286000"/>
-            <a:ext cx="4783137" cy="4022725"/>
+            <a:off x="0" y="0"/>
+            <a:ext cx="6018213" cy="4572000"/>
           </a:xfrm>
         </p:spPr>
         <p:txBody>
@@ -3048,8 +3076,8 @@
         </p:nvSpPr>
         <p:spPr>
           <a:xfrm>
-            <a:off x="5959475" y="2286000"/>
-            <a:ext cx="4784725" cy="4022725"/>
+            <a:off x="6170613" y="0"/>
+            <a:ext cx="6018212" cy="4572000"/>
           </a:xfrm>
         </p:spPr>
         <p:txBody>
@@ -3177,7 +3205,9 @@
           <a:lstStyle/>
           <a:p>
             <a:pPr lvl="0"/>
-            <a:fld id="{14F9B55F-D09B-47AE-B2E2-3FE92B255C88}" type="slidenum">
+            <a:fld id="{06A4B096-C460-4540-A227-6C682EF5495D}" type="slidenum">
+              <a:rPr/>
+              <a:pPr lvl="0"/>
               <a:t>‹nº›</a:t>
             </a:fld>
             <a:endParaRPr lang="pt-BR"/>
@@ -3598,7 +3628,9 @@
           <a:lstStyle/>
           <a:p>
             <a:pPr lvl="0"/>
-            <a:fld id="{9A94EFBA-B309-4C06-81D9-995A90568CA4}" type="slidenum">
+            <a:fld id="{B64B50DB-0B66-4DEF-BAA5-868E6B73BC19}" type="slidenum">
+              <a:rPr/>
+              <a:pPr lvl="0"/>
               <a:t>‹nº›</a:t>
             </a:fld>
             <a:endParaRPr lang="pt-BR"/>
@@ -3710,7 +3742,9 @@
           <a:lstStyle/>
           <a:p>
             <a:pPr lvl="0"/>
-            <a:fld id="{044D1D54-35CB-4466-AC6B-3ABC3CC766E8}" type="slidenum">
+            <a:fld id="{F7D30986-A957-4E00-A033-3EF051156626}" type="slidenum">
+              <a:rPr/>
+              <a:pPr lvl="0"/>
               <a:t>‹nº›</a:t>
             </a:fld>
             <a:endParaRPr lang="pt-BR"/>
@@ -3799,7 +3833,9 @@
           <a:lstStyle/>
           <a:p>
             <a:pPr lvl="0"/>
-            <a:fld id="{CF273D47-91E1-4596-977B-ABBC63009EF4}" type="slidenum">
+            <a:fld id="{AFC4CD38-A2EC-4111-906A-6C6CAFBB8173}" type="slidenum">
+              <a:rPr/>
+              <a:pPr lvl="0"/>
               <a:t>‹nº›</a:t>
             </a:fld>
             <a:endParaRPr lang="pt-BR"/>
@@ -4071,7 +4107,9 @@
           <a:lstStyle/>
           <a:p>
             <a:pPr lvl="0"/>
-            <a:fld id="{20F03347-85D1-49D8-849F-244EFDC6C249}" type="slidenum">
+            <a:fld id="{F64E5F52-61B2-4F31-B142-294781AD6315}" type="slidenum">
+              <a:rPr/>
+              <a:pPr lvl="0"/>
               <a:t>‹nº›</a:t>
             </a:fld>
             <a:endParaRPr lang="pt-BR"/>
@@ -4194,10 +4232,7 @@
           <a:bodyPr/>
           <a:lstStyle/>
           <a:p>
-            <a:fld id="{2D7B4112-132D-427F-853F-D83B376E39B9}" type="datetimeFigureOut">
-              <a:rPr lang="pt-BR" smtClean="0"/>
-              <a:t>14/04/2023</a:t>
-            </a:fld>
+            <a:pPr lvl="0"/>
             <a:endParaRPr lang="pt-BR"/>
           </a:p>
         </p:txBody>
@@ -4217,7 +4252,8 @@
           <a:bodyPr/>
           <a:lstStyle/>
           <a:p>
-            <a:endParaRPr lang="pt-BR"/>
+            <a:pPr lvl="0"/>
+            <a:endParaRPr lang="en-US"/>
           </a:p>
         </p:txBody>
       </p:sp>
@@ -4236,7 +4272,10 @@
           <a:bodyPr/>
           <a:lstStyle/>
           <a:p>
-            <a:fld id="{F61B1ED9-B64E-4E2A-ABFE-10BAA3D84D1C}" type="slidenum">
+            <a:pPr lvl="0"/>
+            <a:fld id="{7FC348A6-AA02-407F-B80B-95CDD6D7629A}" type="slidenum">
+              <a:rPr/>
+              <a:pPr lvl="0"/>
               <a:t>‹nº›</a:t>
             </a:fld>
             <a:endParaRPr lang="pt-BR"/>
@@ -4248,6 +4287,7 @@
   <p:clrMapOvr>
     <a:masterClrMapping/>
   </p:clrMapOvr>
+  <p:transition/>
 </p:sldLayout>
 </file>
 
@@ -4482,7 +4522,9 @@
           <a:lstStyle/>
           <a:p>
             <a:pPr lvl="0"/>
-            <a:fld id="{78202F4C-9ADC-44FC-ADCE-2E95C085961E}" type="slidenum">
+            <a:fld id="{C41D0BA0-E124-41EC-9323-959DBA0D8572}" type="slidenum">
+              <a:rPr/>
+              <a:pPr lvl="0"/>
               <a:t>‹nº›</a:t>
             </a:fld>
             <a:endParaRPr lang="pt-BR"/>
@@ -4646,7 +4688,9 @@
           <a:lstStyle/>
           <a:p>
             <a:pPr lvl="0"/>
-            <a:fld id="{55539061-7399-4158-B5F7-C8150B6D6252}" type="slidenum">
+            <a:fld id="{1AA41B73-7F98-46AC-BFF7-35A714620778}" type="slidenum">
+              <a:rPr/>
+              <a:pPr lvl="0"/>
               <a:t>‹nº›</a:t>
             </a:fld>
             <a:endParaRPr lang="pt-BR"/>
@@ -4691,8 +4735,8 @@
         </p:nvSpPr>
         <p:spPr>
           <a:xfrm>
-            <a:off x="8315325" y="585788"/>
-            <a:ext cx="2428875" cy="5722937"/>
+            <a:off x="9142413" y="0"/>
+            <a:ext cx="3046412" cy="6423025"/>
           </a:xfrm>
         </p:spPr>
         <p:txBody>
@@ -4719,8 +4763,8 @@
         </p:nvSpPr>
         <p:spPr>
           <a:xfrm>
-            <a:off x="1023938" y="585788"/>
-            <a:ext cx="7138987" cy="5722937"/>
+            <a:off x="0" y="0"/>
+            <a:ext cx="8990013" cy="6423025"/>
           </a:xfrm>
         </p:spPr>
         <p:txBody>
@@ -4820,7 +4864,9 @@
           <a:lstStyle/>
           <a:p>
             <a:pPr lvl="0"/>
-            <a:fld id="{A7F328E4-6ACC-4698-8F70-A419AB5437FC}" type="slidenum">
+            <a:fld id="{DF7B51FE-94AB-4E79-A918-A8E4B3FD93A9}" type="slidenum">
+              <a:rPr/>
+              <a:pPr lvl="0"/>
               <a:t>‹nº›</a:t>
             </a:fld>
             <a:endParaRPr lang="pt-BR"/>
@@ -4836,407 +4882,7 @@
 </p:sldLayout>
 </file>
 
-<file path=ppt/slideLayouts/slideLayout23.xml><?xml version="1.0" encoding="utf-8"?>
-<p:sldLayout xmlns:a="http://schemas.openxmlformats.org/drawingml/2006/main" xmlns:r="http://schemas.openxmlformats.org/officeDocument/2006/relationships" xmlns:p="http://schemas.openxmlformats.org/presentationml/2006/main" type="title" preserve="1">
-  <p:cSld name="Slide de título">
-    <p:spTree>
-      <p:nvGrpSpPr>
-        <p:cNvPr id="1" name=""/>
-        <p:cNvGrpSpPr/>
-        <p:nvPr/>
-      </p:nvGrpSpPr>
-      <p:grpSpPr>
-        <a:xfrm>
-          <a:off x="0" y="0"/>
-          <a:ext cx="0" cy="0"/>
-          <a:chOff x="0" y="0"/>
-          <a:chExt cx="0" cy="0"/>
-        </a:xfrm>
-      </p:grpSpPr>
-      <p:sp>
-        <p:nvSpPr>
-          <p:cNvPr id="2" name="Título 1"/>
-          <p:cNvSpPr>
-            <a:spLocks noGrp="1"/>
-          </p:cNvSpPr>
-          <p:nvPr>
-            <p:ph type="ctrTitle"/>
-          </p:nvPr>
-        </p:nvSpPr>
-        <p:spPr>
-          <a:xfrm>
-            <a:off x="914400" y="2130425"/>
-            <a:ext cx="10363200" cy="1470025"/>
-          </a:xfrm>
-        </p:spPr>
-        <p:txBody>
-          <a:bodyPr/>
-          <a:lstStyle/>
-          <a:p>
-            <a:r>
-              <a:rPr lang="pt-BR" smtClean="0"/>
-              <a:t>Clique para editar o estilo do título mestre</a:t>
-            </a:r>
-            <a:endParaRPr lang="pt-BR"/>
-          </a:p>
-        </p:txBody>
-      </p:sp>
-      <p:sp>
-        <p:nvSpPr>
-          <p:cNvPr id="3" name="Subtítulo 2"/>
-          <p:cNvSpPr>
-            <a:spLocks noGrp="1"/>
-          </p:cNvSpPr>
-          <p:nvPr>
-            <p:ph type="subTitle" idx="1"/>
-          </p:nvPr>
-        </p:nvSpPr>
-        <p:spPr>
-          <a:xfrm>
-            <a:off x="1828800" y="3886200"/>
-            <a:ext cx="8534400" cy="1752600"/>
-          </a:xfrm>
-        </p:spPr>
-        <p:txBody>
-          <a:bodyPr/>
-          <a:lstStyle>
-            <a:lvl1pPr marL="0" indent="0" algn="ctr">
-              <a:buNone/>
-              <a:defRPr>
-                <a:solidFill>
-                  <a:schemeClr val="tx1">
-                    <a:tint val="75000"/>
-                  </a:schemeClr>
-                </a:solidFill>
-              </a:defRPr>
-            </a:lvl1pPr>
-            <a:lvl2pPr marL="457200" indent="0" algn="ctr">
-              <a:buNone/>
-              <a:defRPr>
-                <a:solidFill>
-                  <a:schemeClr val="tx1">
-                    <a:tint val="75000"/>
-                  </a:schemeClr>
-                </a:solidFill>
-              </a:defRPr>
-            </a:lvl2pPr>
-            <a:lvl3pPr marL="914400" indent="0" algn="ctr">
-              <a:buNone/>
-              <a:defRPr>
-                <a:solidFill>
-                  <a:schemeClr val="tx1">
-                    <a:tint val="75000"/>
-                  </a:schemeClr>
-                </a:solidFill>
-              </a:defRPr>
-            </a:lvl3pPr>
-            <a:lvl4pPr marL="1371600" indent="0" algn="ctr">
-              <a:buNone/>
-              <a:defRPr>
-                <a:solidFill>
-                  <a:schemeClr val="tx1">
-                    <a:tint val="75000"/>
-                  </a:schemeClr>
-                </a:solidFill>
-              </a:defRPr>
-            </a:lvl4pPr>
-            <a:lvl5pPr marL="1828800" indent="0" algn="ctr">
-              <a:buNone/>
-              <a:defRPr>
-                <a:solidFill>
-                  <a:schemeClr val="tx1">
-                    <a:tint val="75000"/>
-                  </a:schemeClr>
-                </a:solidFill>
-              </a:defRPr>
-            </a:lvl5pPr>
-            <a:lvl6pPr marL="2286000" indent="0" algn="ctr">
-              <a:buNone/>
-              <a:defRPr>
-                <a:solidFill>
-                  <a:schemeClr val="tx1">
-                    <a:tint val="75000"/>
-                  </a:schemeClr>
-                </a:solidFill>
-              </a:defRPr>
-            </a:lvl6pPr>
-            <a:lvl7pPr marL="2743200" indent="0" algn="ctr">
-              <a:buNone/>
-              <a:defRPr>
-                <a:solidFill>
-                  <a:schemeClr val="tx1">
-                    <a:tint val="75000"/>
-                  </a:schemeClr>
-                </a:solidFill>
-              </a:defRPr>
-            </a:lvl7pPr>
-            <a:lvl8pPr marL="3200400" indent="0" algn="ctr">
-              <a:buNone/>
-              <a:defRPr>
-                <a:solidFill>
-                  <a:schemeClr val="tx1">
-                    <a:tint val="75000"/>
-                  </a:schemeClr>
-                </a:solidFill>
-              </a:defRPr>
-            </a:lvl8pPr>
-            <a:lvl9pPr marL="3657600" indent="0" algn="ctr">
-              <a:buNone/>
-              <a:defRPr>
-                <a:solidFill>
-                  <a:schemeClr val="tx1">
-                    <a:tint val="75000"/>
-                  </a:schemeClr>
-                </a:solidFill>
-              </a:defRPr>
-            </a:lvl9pPr>
-          </a:lstStyle>
-          <a:p>
-            <a:r>
-              <a:rPr lang="pt-BR" smtClean="0"/>
-              <a:t>Clique para editar o estilo do subtítulo mestre</a:t>
-            </a:r>
-            <a:endParaRPr lang="pt-BR"/>
-          </a:p>
-        </p:txBody>
-      </p:sp>
-      <p:sp>
-        <p:nvSpPr>
-          <p:cNvPr id="4" name="Espaço Reservado para Data 3"/>
-          <p:cNvSpPr>
-            <a:spLocks noGrp="1"/>
-          </p:cNvSpPr>
-          <p:nvPr>
-            <p:ph type="dt" sz="half" idx="10"/>
-          </p:nvPr>
-        </p:nvSpPr>
-        <p:spPr/>
-        <p:txBody>
-          <a:bodyPr/>
-          <a:lstStyle/>
-          <a:p>
-            <a:pPr lvl="0"/>
-            <a:endParaRPr lang="pt-BR"/>
-          </a:p>
-        </p:txBody>
-      </p:sp>
-      <p:sp>
-        <p:nvSpPr>
-          <p:cNvPr id="5" name="Espaço Reservado para Rodapé 4"/>
-          <p:cNvSpPr>
-            <a:spLocks noGrp="1"/>
-          </p:cNvSpPr>
-          <p:nvPr>
-            <p:ph type="ftr" sz="quarter" idx="11"/>
-          </p:nvPr>
-        </p:nvSpPr>
-        <p:spPr/>
-        <p:txBody>
-          <a:bodyPr/>
-          <a:lstStyle/>
-          <a:p>
-            <a:pPr lvl="0"/>
-            <a:endParaRPr lang="en-US"/>
-          </a:p>
-        </p:txBody>
-      </p:sp>
-      <p:sp>
-        <p:nvSpPr>
-          <p:cNvPr id="6" name="Espaço Reservado para Número de Slide 5"/>
-          <p:cNvSpPr>
-            <a:spLocks noGrp="1"/>
-          </p:cNvSpPr>
-          <p:nvPr>
-            <p:ph type="sldNum" sz="quarter" idx="12"/>
-          </p:nvPr>
-        </p:nvSpPr>
-        <p:spPr/>
-        <p:txBody>
-          <a:bodyPr/>
-          <a:lstStyle/>
-          <a:p>
-            <a:pPr lvl="0"/>
-            <a:fld id="{4A314852-734F-4B82-9811-936F4E4A9D90}" type="slidenum">
-              <a:t>‹nº›</a:t>
-            </a:fld>
-            <a:endParaRPr lang="pt-BR"/>
-          </a:p>
-        </p:txBody>
-      </p:sp>
-    </p:spTree>
-  </p:cSld>
-  <p:clrMapOvr>
-    <a:masterClrMapping/>
-  </p:clrMapOvr>
-  <p:transition/>
-</p:sldLayout>
-</file>
-
-<file path=ppt/slideLayouts/slideLayout24.xml><?xml version="1.0" encoding="utf-8"?>
-<p:sldLayout xmlns:a="http://schemas.openxmlformats.org/drawingml/2006/main" xmlns:r="http://schemas.openxmlformats.org/officeDocument/2006/relationships" xmlns:p="http://schemas.openxmlformats.org/presentationml/2006/main" type="obj" preserve="1">
-  <p:cSld name="Título e conteúdo">
-    <p:spTree>
-      <p:nvGrpSpPr>
-        <p:cNvPr id="1" name=""/>
-        <p:cNvGrpSpPr/>
-        <p:nvPr/>
-      </p:nvGrpSpPr>
-      <p:grpSpPr>
-        <a:xfrm>
-          <a:off x="0" y="0"/>
-          <a:ext cx="0" cy="0"/>
-          <a:chOff x="0" y="0"/>
-          <a:chExt cx="0" cy="0"/>
-        </a:xfrm>
-      </p:grpSpPr>
-      <p:sp>
-        <p:nvSpPr>
-          <p:cNvPr id="2" name="Título 1"/>
-          <p:cNvSpPr>
-            <a:spLocks noGrp="1"/>
-          </p:cNvSpPr>
-          <p:nvPr>
-            <p:ph type="title"/>
-          </p:nvPr>
-        </p:nvSpPr>
-        <p:spPr/>
-        <p:txBody>
-          <a:bodyPr/>
-          <a:lstStyle/>
-          <a:p>
-            <a:r>
-              <a:rPr lang="pt-BR" smtClean="0"/>
-              <a:t>Clique para editar o estilo do título mestre</a:t>
-            </a:r>
-            <a:endParaRPr lang="pt-BR"/>
-          </a:p>
-        </p:txBody>
-      </p:sp>
-      <p:sp>
-        <p:nvSpPr>
-          <p:cNvPr id="3" name="Espaço Reservado para Conteúdo 2"/>
-          <p:cNvSpPr>
-            <a:spLocks noGrp="1"/>
-          </p:cNvSpPr>
-          <p:nvPr>
-            <p:ph idx="1"/>
-          </p:nvPr>
-        </p:nvSpPr>
-        <p:spPr/>
-        <p:txBody>
-          <a:bodyPr/>
-          <a:lstStyle/>
-          <a:p>
-            <a:pPr lvl="0"/>
-            <a:r>
-              <a:rPr lang="pt-BR" smtClean="0"/>
-              <a:t>Clique para editar os estilos do texto mestre</a:t>
-            </a:r>
-          </a:p>
-          <a:p>
-            <a:pPr lvl="1"/>
-            <a:r>
-              <a:rPr lang="pt-BR" smtClean="0"/>
-              <a:t>Segundo nível</a:t>
-            </a:r>
-          </a:p>
-          <a:p>
-            <a:pPr lvl="2"/>
-            <a:r>
-              <a:rPr lang="pt-BR" smtClean="0"/>
-              <a:t>Terceiro nível</a:t>
-            </a:r>
-          </a:p>
-          <a:p>
-            <a:pPr lvl="3"/>
-            <a:r>
-              <a:rPr lang="pt-BR" smtClean="0"/>
-              <a:t>Quarto nível</a:t>
-            </a:r>
-          </a:p>
-          <a:p>
-            <a:pPr lvl="4"/>
-            <a:r>
-              <a:rPr lang="pt-BR" smtClean="0"/>
-              <a:t>Quinto nível</a:t>
-            </a:r>
-            <a:endParaRPr lang="pt-BR"/>
-          </a:p>
-        </p:txBody>
-      </p:sp>
-      <p:sp>
-        <p:nvSpPr>
-          <p:cNvPr id="4" name="Espaço Reservado para Data 3"/>
-          <p:cNvSpPr>
-            <a:spLocks noGrp="1"/>
-          </p:cNvSpPr>
-          <p:nvPr>
-            <p:ph type="dt" sz="half" idx="10"/>
-          </p:nvPr>
-        </p:nvSpPr>
-        <p:spPr/>
-        <p:txBody>
-          <a:bodyPr/>
-          <a:lstStyle/>
-          <a:p>
-            <a:pPr lvl="0"/>
-            <a:endParaRPr lang="pt-BR"/>
-          </a:p>
-        </p:txBody>
-      </p:sp>
-      <p:sp>
-        <p:nvSpPr>
-          <p:cNvPr id="5" name="Espaço Reservado para Rodapé 4"/>
-          <p:cNvSpPr>
-            <a:spLocks noGrp="1"/>
-          </p:cNvSpPr>
-          <p:nvPr>
-            <p:ph type="ftr" sz="quarter" idx="11"/>
-          </p:nvPr>
-        </p:nvSpPr>
-        <p:spPr/>
-        <p:txBody>
-          <a:bodyPr/>
-          <a:lstStyle/>
-          <a:p>
-            <a:pPr lvl="0"/>
-            <a:endParaRPr lang="en-US"/>
-          </a:p>
-        </p:txBody>
-      </p:sp>
-      <p:sp>
-        <p:nvSpPr>
-          <p:cNvPr id="6" name="Espaço Reservado para Número de Slide 5"/>
-          <p:cNvSpPr>
-            <a:spLocks noGrp="1"/>
-          </p:cNvSpPr>
-          <p:nvPr>
-            <p:ph type="sldNum" sz="quarter" idx="12"/>
-          </p:nvPr>
-        </p:nvSpPr>
-        <p:spPr/>
-        <p:txBody>
-          <a:bodyPr/>
-          <a:lstStyle/>
-          <a:p>
-            <a:pPr lvl="0"/>
-            <a:fld id="{053142F2-8299-47A0-B39F-02EF94CB1622}" type="slidenum">
-              <a:t>‹nº›</a:t>
-            </a:fld>
-            <a:endParaRPr lang="pt-BR"/>
-          </a:p>
-        </p:txBody>
-      </p:sp>
-    </p:spTree>
-  </p:cSld>
-  <p:clrMapOvr>
-    <a:masterClrMapping/>
-  </p:clrMapOvr>
-  <p:transition/>
-</p:sldLayout>
-</file>
-
-<file path=ppt/slideLayouts/slideLayout25.xml><?xml version="1.0" encoding="utf-8"?>
+<file path=ppt/slideLayouts/slideLayout3.xml><?xml version="1.0" encoding="utf-8"?>
 <p:sldLayout xmlns:a="http://schemas.openxmlformats.org/drawingml/2006/main" xmlns:r="http://schemas.openxmlformats.org/officeDocument/2006/relationships" xmlns:p="http://schemas.openxmlformats.org/presentationml/2006/main" type="secHead" preserve="1">
   <p:cSld name="Cabeçalho da Seção">
     <p:spTree>
@@ -5460,7 +5106,9 @@
           <a:lstStyle/>
           <a:p>
             <a:pPr lvl="0"/>
-            <a:fld id="{5F2EFABE-0DD2-40DD-83E8-02297EE6F883}" type="slidenum">
+            <a:fld id="{5B5B172C-7B95-4981-BB5F-1FAA10EE224C}" type="slidenum">
+              <a:rPr/>
+              <a:pPr lvl="0"/>
               <a:t>‹nº›</a:t>
             </a:fld>
             <a:endParaRPr lang="pt-BR"/>
@@ -5476,7 +5124,7 @@
 </p:sldLayout>
 </file>
 
-<file path=ppt/slideLayouts/slideLayout26.xml><?xml version="1.0" encoding="utf-8"?>
+<file path=ppt/slideLayouts/slideLayout4.xml><?xml version="1.0" encoding="utf-8"?>
 <p:sldLayout xmlns:a="http://schemas.openxmlformats.org/drawingml/2006/main" xmlns:r="http://schemas.openxmlformats.org/officeDocument/2006/relationships" xmlns:p="http://schemas.openxmlformats.org/presentationml/2006/main" type="twoObj" preserve="1">
   <p:cSld name="Duas Partes de Conteúdo">
     <p:spTree>
@@ -5528,8 +5176,8 @@
         </p:nvSpPr>
         <p:spPr>
           <a:xfrm>
-            <a:off x="0" y="0"/>
-            <a:ext cx="6018213" cy="4572000"/>
+            <a:off x="1023938" y="2286000"/>
+            <a:ext cx="4783137" cy="4022725"/>
           </a:xfrm>
         </p:spPr>
         <p:txBody>
@@ -5613,8 +5261,8 @@
         </p:nvSpPr>
         <p:spPr>
           <a:xfrm>
-            <a:off x="6170613" y="0"/>
-            <a:ext cx="6018212" cy="4572000"/>
+            <a:off x="5959475" y="2286000"/>
+            <a:ext cx="4784725" cy="4022725"/>
           </a:xfrm>
         </p:spPr>
         <p:txBody>
@@ -5742,7 +5390,9 @@
           <a:lstStyle/>
           <a:p>
             <a:pPr lvl="0"/>
-            <a:fld id="{06A4B096-C460-4540-A227-6C682EF5495D}" type="slidenum">
+            <a:fld id="{14F9B55F-D09B-47AE-B2E2-3FE92B255C88}" type="slidenum">
+              <a:rPr/>
+              <a:pPr lvl="0"/>
               <a:t>‹nº›</a:t>
             </a:fld>
             <a:endParaRPr lang="pt-BR"/>
@@ -5758,7 +5408,7 @@
 </p:sldLayout>
 </file>
 
-<file path=ppt/slideLayouts/slideLayout27.xml><?xml version="1.0" encoding="utf-8"?>
+<file path=ppt/slideLayouts/slideLayout5.xml><?xml version="1.0" encoding="utf-8"?>
 <p:sldLayout xmlns:a="http://schemas.openxmlformats.org/drawingml/2006/main" xmlns:r="http://schemas.openxmlformats.org/officeDocument/2006/relationships" xmlns:p="http://schemas.openxmlformats.org/presentationml/2006/main" type="twoTxTwoObj" preserve="1">
   <p:cSld name="Comparação">
     <p:spTree>
@@ -6163,7 +5813,9 @@
           <a:lstStyle/>
           <a:p>
             <a:pPr lvl="0"/>
-            <a:fld id="{B64B50DB-0B66-4DEF-BAA5-868E6B73BC19}" type="slidenum">
+            <a:fld id="{9A94EFBA-B309-4C06-81D9-995A90568CA4}" type="slidenum">
+              <a:rPr/>
+              <a:pPr lvl="0"/>
               <a:t>‹nº›</a:t>
             </a:fld>
             <a:endParaRPr lang="pt-BR"/>
@@ -6179,7 +5831,7 @@
 </p:sldLayout>
 </file>
 
-<file path=ppt/slideLayouts/slideLayout28.xml><?xml version="1.0" encoding="utf-8"?>
+<file path=ppt/slideLayouts/slideLayout6.xml><?xml version="1.0" encoding="utf-8"?>
 <p:sldLayout xmlns:a="http://schemas.openxmlformats.org/drawingml/2006/main" xmlns:r="http://schemas.openxmlformats.org/officeDocument/2006/relationships" xmlns:p="http://schemas.openxmlformats.org/presentationml/2006/main" type="titleOnly" preserve="1">
   <p:cSld name="Somente título">
     <p:spTree>
@@ -6275,7 +5927,9 @@
           <a:lstStyle/>
           <a:p>
             <a:pPr lvl="0"/>
-            <a:fld id="{F7D30986-A957-4E00-A033-3EF051156626}" type="slidenum">
+            <a:fld id="{044D1D54-35CB-4466-AC6B-3ABC3CC766E8}" type="slidenum">
+              <a:rPr/>
+              <a:pPr lvl="0"/>
               <a:t>‹nº›</a:t>
             </a:fld>
             <a:endParaRPr lang="pt-BR"/>
@@ -6291,7 +5945,7 @@
 </p:sldLayout>
 </file>
 
-<file path=ppt/slideLayouts/slideLayout29.xml><?xml version="1.0" encoding="utf-8"?>
+<file path=ppt/slideLayouts/slideLayout7.xml><?xml version="1.0" encoding="utf-8"?>
 <p:sldLayout xmlns:a="http://schemas.openxmlformats.org/drawingml/2006/main" xmlns:r="http://schemas.openxmlformats.org/officeDocument/2006/relationships" xmlns:p="http://schemas.openxmlformats.org/presentationml/2006/main" type="blank" preserve="1">
   <p:cSld name="Em branco">
     <p:spTree>
@@ -6364,7 +6018,9 @@
           <a:lstStyle/>
           <a:p>
             <a:pPr lvl="0"/>
-            <a:fld id="{AFC4CD38-A2EC-4111-906A-6C6CAFBB8173}" type="slidenum">
+            <a:fld id="{CF273D47-91E1-4596-977B-ABBC63009EF4}" type="slidenum">
+              <a:rPr/>
+              <a:pPr lvl="0"/>
               <a:t>‹nº›</a:t>
             </a:fld>
             <a:endParaRPr lang="pt-BR"/>
@@ -6381,247 +6037,7 @@
 </p:sldLayout>
 </file>
 
-<file path=ppt/slideLayouts/slideLayout3.xml><?xml version="1.0" encoding="utf-8"?>
-<p:sldLayout xmlns:a="http://schemas.openxmlformats.org/drawingml/2006/main" xmlns:r="http://schemas.openxmlformats.org/officeDocument/2006/relationships" xmlns:p="http://schemas.openxmlformats.org/presentationml/2006/main" type="secHead" preserve="1">
-  <p:cSld name="Cabeçalho da Seção">
-    <p:spTree>
-      <p:nvGrpSpPr>
-        <p:cNvPr id="1" name=""/>
-        <p:cNvGrpSpPr/>
-        <p:nvPr/>
-      </p:nvGrpSpPr>
-      <p:grpSpPr>
-        <a:xfrm>
-          <a:off x="0" y="0"/>
-          <a:ext cx="0" cy="0"/>
-          <a:chOff x="0" y="0"/>
-          <a:chExt cx="0" cy="0"/>
-        </a:xfrm>
-      </p:grpSpPr>
-      <p:sp>
-        <p:nvSpPr>
-          <p:cNvPr id="2" name="Título 1"/>
-          <p:cNvSpPr>
-            <a:spLocks noGrp="1"/>
-          </p:cNvSpPr>
-          <p:nvPr>
-            <p:ph type="title"/>
-          </p:nvPr>
-        </p:nvSpPr>
-        <p:spPr>
-          <a:xfrm>
-            <a:off x="963613" y="4406900"/>
-            <a:ext cx="10363200" cy="1362075"/>
-          </a:xfrm>
-        </p:spPr>
-        <p:txBody>
-          <a:bodyPr anchor="t"/>
-          <a:lstStyle>
-            <a:lvl1pPr algn="l">
-              <a:defRPr sz="4000" b="1" cap="all"/>
-            </a:lvl1pPr>
-          </a:lstStyle>
-          <a:p>
-            <a:r>
-              <a:rPr lang="pt-BR" smtClean="0"/>
-              <a:t>Clique para editar o estilo do título mestre</a:t>
-            </a:r>
-            <a:endParaRPr lang="pt-BR"/>
-          </a:p>
-        </p:txBody>
-      </p:sp>
-      <p:sp>
-        <p:nvSpPr>
-          <p:cNvPr id="3" name="Espaço Reservado para Texto 2"/>
-          <p:cNvSpPr>
-            <a:spLocks noGrp="1"/>
-          </p:cNvSpPr>
-          <p:nvPr>
-            <p:ph type="body" idx="1"/>
-          </p:nvPr>
-        </p:nvSpPr>
-        <p:spPr>
-          <a:xfrm>
-            <a:off x="963613" y="2906713"/>
-            <a:ext cx="10363200" cy="1500187"/>
-          </a:xfrm>
-        </p:spPr>
-        <p:txBody>
-          <a:bodyPr anchor="b"/>
-          <a:lstStyle>
-            <a:lvl1pPr marL="0" indent="0">
-              <a:buNone/>
-              <a:defRPr sz="2000">
-                <a:solidFill>
-                  <a:schemeClr val="tx1">
-                    <a:tint val="75000"/>
-                  </a:schemeClr>
-                </a:solidFill>
-              </a:defRPr>
-            </a:lvl1pPr>
-            <a:lvl2pPr marL="457200" indent="0">
-              <a:buNone/>
-              <a:defRPr sz="1800">
-                <a:solidFill>
-                  <a:schemeClr val="tx1">
-                    <a:tint val="75000"/>
-                  </a:schemeClr>
-                </a:solidFill>
-              </a:defRPr>
-            </a:lvl2pPr>
-            <a:lvl3pPr marL="914400" indent="0">
-              <a:buNone/>
-              <a:defRPr sz="1600">
-                <a:solidFill>
-                  <a:schemeClr val="tx1">
-                    <a:tint val="75000"/>
-                  </a:schemeClr>
-                </a:solidFill>
-              </a:defRPr>
-            </a:lvl3pPr>
-            <a:lvl4pPr marL="1371600" indent="0">
-              <a:buNone/>
-              <a:defRPr sz="1400">
-                <a:solidFill>
-                  <a:schemeClr val="tx1">
-                    <a:tint val="75000"/>
-                  </a:schemeClr>
-                </a:solidFill>
-              </a:defRPr>
-            </a:lvl4pPr>
-            <a:lvl5pPr marL="1828800" indent="0">
-              <a:buNone/>
-              <a:defRPr sz="1400">
-                <a:solidFill>
-                  <a:schemeClr val="tx1">
-                    <a:tint val="75000"/>
-                  </a:schemeClr>
-                </a:solidFill>
-              </a:defRPr>
-            </a:lvl5pPr>
-            <a:lvl6pPr marL="2286000" indent="0">
-              <a:buNone/>
-              <a:defRPr sz="1400">
-                <a:solidFill>
-                  <a:schemeClr val="tx1">
-                    <a:tint val="75000"/>
-                  </a:schemeClr>
-                </a:solidFill>
-              </a:defRPr>
-            </a:lvl6pPr>
-            <a:lvl7pPr marL="2743200" indent="0">
-              <a:buNone/>
-              <a:defRPr sz="1400">
-                <a:solidFill>
-                  <a:schemeClr val="tx1">
-                    <a:tint val="75000"/>
-                  </a:schemeClr>
-                </a:solidFill>
-              </a:defRPr>
-            </a:lvl7pPr>
-            <a:lvl8pPr marL="3200400" indent="0">
-              <a:buNone/>
-              <a:defRPr sz="1400">
-                <a:solidFill>
-                  <a:schemeClr val="tx1">
-                    <a:tint val="75000"/>
-                  </a:schemeClr>
-                </a:solidFill>
-              </a:defRPr>
-            </a:lvl8pPr>
-            <a:lvl9pPr marL="3657600" indent="0">
-              <a:buNone/>
-              <a:defRPr sz="1400">
-                <a:solidFill>
-                  <a:schemeClr val="tx1">
-                    <a:tint val="75000"/>
-                  </a:schemeClr>
-                </a:solidFill>
-              </a:defRPr>
-            </a:lvl9pPr>
-          </a:lstStyle>
-          <a:p>
-            <a:pPr lvl="0"/>
-            <a:r>
-              <a:rPr lang="pt-BR" smtClean="0"/>
-              <a:t>Clique para editar os estilos do texto mestre</a:t>
-            </a:r>
-          </a:p>
-        </p:txBody>
-      </p:sp>
-      <p:sp>
-        <p:nvSpPr>
-          <p:cNvPr id="4" name="Espaço Reservado para Data 3"/>
-          <p:cNvSpPr>
-            <a:spLocks noGrp="1"/>
-          </p:cNvSpPr>
-          <p:nvPr>
-            <p:ph type="dt" sz="half" idx="10"/>
-          </p:nvPr>
-        </p:nvSpPr>
-        <p:spPr/>
-        <p:txBody>
-          <a:bodyPr/>
-          <a:lstStyle/>
-          <a:p>
-            <a:fld id="{2D7B4112-132D-427F-853F-D83B376E39B9}" type="datetimeFigureOut">
-              <a:rPr lang="pt-BR" smtClean="0"/>
-              <a:t>14/04/2023</a:t>
-            </a:fld>
-            <a:endParaRPr lang="pt-BR"/>
-          </a:p>
-        </p:txBody>
-      </p:sp>
-      <p:sp>
-        <p:nvSpPr>
-          <p:cNvPr id="5" name="Espaço Reservado para Rodapé 4"/>
-          <p:cNvSpPr>
-            <a:spLocks noGrp="1"/>
-          </p:cNvSpPr>
-          <p:nvPr>
-            <p:ph type="ftr" sz="quarter" idx="11"/>
-          </p:nvPr>
-        </p:nvSpPr>
-        <p:spPr/>
-        <p:txBody>
-          <a:bodyPr/>
-          <a:lstStyle/>
-          <a:p>
-            <a:endParaRPr lang="pt-BR"/>
-          </a:p>
-        </p:txBody>
-      </p:sp>
-      <p:sp>
-        <p:nvSpPr>
-          <p:cNvPr id="6" name="Espaço Reservado para Número de Slide 5"/>
-          <p:cNvSpPr>
-            <a:spLocks noGrp="1"/>
-          </p:cNvSpPr>
-          <p:nvPr>
-            <p:ph type="sldNum" sz="quarter" idx="12"/>
-          </p:nvPr>
-        </p:nvSpPr>
-        <p:spPr/>
-        <p:txBody>
-          <a:bodyPr/>
-          <a:lstStyle/>
-          <a:p>
-            <a:fld id="{A0B63664-CAD1-47A4-B748-48ECD529BA53}" type="slidenum">
-              <a:t>‹nº›</a:t>
-            </a:fld>
-            <a:endParaRPr lang="pt-BR"/>
-          </a:p>
-        </p:txBody>
-      </p:sp>
-    </p:spTree>
-  </p:cSld>
-  <p:clrMapOvr>
-    <a:masterClrMapping/>
-  </p:clrMapOvr>
-</p:sldLayout>
-</file>
-
-<file path=ppt/slideLayouts/slideLayout30.xml><?xml version="1.0" encoding="utf-8"?>
+<file path=ppt/slideLayouts/slideLayout8.xml><?xml version="1.0" encoding="utf-8"?>
 <p:sldLayout xmlns:a="http://schemas.openxmlformats.org/drawingml/2006/main" xmlns:r="http://schemas.openxmlformats.org/officeDocument/2006/relationships" xmlns:p="http://schemas.openxmlformats.org/presentationml/2006/main" type="objTx" preserve="1">
   <p:cSld name="Conteúdo com Legenda">
     <p:spTree>
@@ -6876,7 +6292,9 @@
           <a:lstStyle/>
           <a:p>
             <a:pPr lvl="0"/>
-            <a:fld id="{F64E5F52-61B2-4F31-B142-294781AD6315}" type="slidenum">
+            <a:fld id="{20F03347-85D1-49D8-849F-244EFDC6C249}" type="slidenum">
+              <a:rPr/>
+              <a:pPr lvl="0"/>
               <a:t>‹nº›</a:t>
             </a:fld>
             <a:endParaRPr lang="pt-BR"/>
@@ -6889,1762 +6307,6 @@
     <a:masterClrMapping/>
   </p:clrMapOvr>
   <p:transition/>
-</p:sldLayout>
-</file>
-
-<file path=ppt/slideLayouts/slideLayout31.xml><?xml version="1.0" encoding="utf-8"?>
-<p:sldLayout xmlns:a="http://schemas.openxmlformats.org/drawingml/2006/main" xmlns:r="http://schemas.openxmlformats.org/officeDocument/2006/relationships" xmlns:p="http://schemas.openxmlformats.org/presentationml/2006/main" type="picTx" preserve="1">
-  <p:cSld name="Imagem com Legenda">
-    <p:spTree>
-      <p:nvGrpSpPr>
-        <p:cNvPr id="1" name=""/>
-        <p:cNvGrpSpPr/>
-        <p:nvPr/>
-      </p:nvGrpSpPr>
-      <p:grpSpPr>
-        <a:xfrm>
-          <a:off x="0" y="0"/>
-          <a:ext cx="0" cy="0"/>
-          <a:chOff x="0" y="0"/>
-          <a:chExt cx="0" cy="0"/>
-        </a:xfrm>
-      </p:grpSpPr>
-      <p:sp>
-        <p:nvSpPr>
-          <p:cNvPr id="2" name="Título 1"/>
-          <p:cNvSpPr>
-            <a:spLocks noGrp="1"/>
-          </p:cNvSpPr>
-          <p:nvPr>
-            <p:ph type="title"/>
-          </p:nvPr>
-        </p:nvSpPr>
-        <p:spPr>
-          <a:xfrm>
-            <a:off x="2389188" y="4800600"/>
-            <a:ext cx="7315200" cy="566738"/>
-          </a:xfrm>
-        </p:spPr>
-        <p:txBody>
-          <a:bodyPr anchor="b"/>
-          <a:lstStyle>
-            <a:lvl1pPr algn="l">
-              <a:defRPr sz="2000" b="1"/>
-            </a:lvl1pPr>
-          </a:lstStyle>
-          <a:p>
-            <a:r>
-              <a:rPr lang="pt-BR" smtClean="0"/>
-              <a:t>Clique para editar o estilo do título mestre</a:t>
-            </a:r>
-            <a:endParaRPr lang="pt-BR"/>
-          </a:p>
-        </p:txBody>
-      </p:sp>
-      <p:sp>
-        <p:nvSpPr>
-          <p:cNvPr id="3" name="Espaço Reservado para Imagem 2"/>
-          <p:cNvSpPr>
-            <a:spLocks noGrp="1"/>
-          </p:cNvSpPr>
-          <p:nvPr>
-            <p:ph type="pic" idx="1"/>
-          </p:nvPr>
-        </p:nvSpPr>
-        <p:spPr>
-          <a:xfrm>
-            <a:off x="2389188" y="612775"/>
-            <a:ext cx="7315200" cy="4114800"/>
-          </a:xfrm>
-        </p:spPr>
-        <p:txBody>
-          <a:bodyPr/>
-          <a:lstStyle>
-            <a:lvl1pPr marL="0" indent="0">
-              <a:buNone/>
-              <a:defRPr sz="3200"/>
-            </a:lvl1pPr>
-            <a:lvl2pPr marL="457200" indent="0">
-              <a:buNone/>
-              <a:defRPr sz="2800"/>
-            </a:lvl2pPr>
-            <a:lvl3pPr marL="914400" indent="0">
-              <a:buNone/>
-              <a:defRPr sz="2400"/>
-            </a:lvl3pPr>
-            <a:lvl4pPr marL="1371600" indent="0">
-              <a:buNone/>
-              <a:defRPr sz="2000"/>
-            </a:lvl4pPr>
-            <a:lvl5pPr marL="1828800" indent="0">
-              <a:buNone/>
-              <a:defRPr sz="2000"/>
-            </a:lvl5pPr>
-            <a:lvl6pPr marL="2286000" indent="0">
-              <a:buNone/>
-              <a:defRPr sz="2000"/>
-            </a:lvl6pPr>
-            <a:lvl7pPr marL="2743200" indent="0">
-              <a:buNone/>
-              <a:defRPr sz="2000"/>
-            </a:lvl7pPr>
-            <a:lvl8pPr marL="3200400" indent="0">
-              <a:buNone/>
-              <a:defRPr sz="2000"/>
-            </a:lvl8pPr>
-            <a:lvl9pPr marL="3657600" indent="0">
-              <a:buNone/>
-              <a:defRPr sz="2000"/>
-            </a:lvl9pPr>
-          </a:lstStyle>
-          <a:p>
-            <a:endParaRPr lang="pt-BR"/>
-          </a:p>
-        </p:txBody>
-      </p:sp>
-      <p:sp>
-        <p:nvSpPr>
-          <p:cNvPr id="4" name="Espaço Reservado para Texto 3"/>
-          <p:cNvSpPr>
-            <a:spLocks noGrp="1"/>
-          </p:cNvSpPr>
-          <p:nvPr>
-            <p:ph type="body" sz="half" idx="2"/>
-          </p:nvPr>
-        </p:nvSpPr>
-        <p:spPr>
-          <a:xfrm>
-            <a:off x="2389188" y="5367338"/>
-            <a:ext cx="7315200" cy="804862"/>
-          </a:xfrm>
-        </p:spPr>
-        <p:txBody>
-          <a:bodyPr/>
-          <a:lstStyle>
-            <a:lvl1pPr marL="0" indent="0">
-              <a:buNone/>
-              <a:defRPr sz="1400"/>
-            </a:lvl1pPr>
-            <a:lvl2pPr marL="457200" indent="0">
-              <a:buNone/>
-              <a:defRPr sz="1200"/>
-            </a:lvl2pPr>
-            <a:lvl3pPr marL="914400" indent="0">
-              <a:buNone/>
-              <a:defRPr sz="1000"/>
-            </a:lvl3pPr>
-            <a:lvl4pPr marL="1371600" indent="0">
-              <a:buNone/>
-              <a:defRPr sz="900"/>
-            </a:lvl4pPr>
-            <a:lvl5pPr marL="1828800" indent="0">
-              <a:buNone/>
-              <a:defRPr sz="900"/>
-            </a:lvl5pPr>
-            <a:lvl6pPr marL="2286000" indent="0">
-              <a:buNone/>
-              <a:defRPr sz="900"/>
-            </a:lvl6pPr>
-            <a:lvl7pPr marL="2743200" indent="0">
-              <a:buNone/>
-              <a:defRPr sz="900"/>
-            </a:lvl7pPr>
-            <a:lvl8pPr marL="3200400" indent="0">
-              <a:buNone/>
-              <a:defRPr sz="900"/>
-            </a:lvl8pPr>
-            <a:lvl9pPr marL="3657600" indent="0">
-              <a:buNone/>
-              <a:defRPr sz="900"/>
-            </a:lvl9pPr>
-          </a:lstStyle>
-          <a:p>
-            <a:pPr lvl="0"/>
-            <a:r>
-              <a:rPr lang="pt-BR" smtClean="0"/>
-              <a:t>Clique para editar os estilos do texto mestre</a:t>
-            </a:r>
-          </a:p>
-        </p:txBody>
-      </p:sp>
-      <p:sp>
-        <p:nvSpPr>
-          <p:cNvPr id="5" name="Espaço Reservado para Data 4"/>
-          <p:cNvSpPr>
-            <a:spLocks noGrp="1"/>
-          </p:cNvSpPr>
-          <p:nvPr>
-            <p:ph type="dt" sz="half" idx="10"/>
-          </p:nvPr>
-        </p:nvSpPr>
-        <p:spPr/>
-        <p:txBody>
-          <a:bodyPr/>
-          <a:lstStyle/>
-          <a:p>
-            <a:pPr lvl="0"/>
-            <a:endParaRPr lang="pt-BR"/>
-          </a:p>
-        </p:txBody>
-      </p:sp>
-      <p:sp>
-        <p:nvSpPr>
-          <p:cNvPr id="6" name="Espaço Reservado para Rodapé 5"/>
-          <p:cNvSpPr>
-            <a:spLocks noGrp="1"/>
-          </p:cNvSpPr>
-          <p:nvPr>
-            <p:ph type="ftr" sz="quarter" idx="11"/>
-          </p:nvPr>
-        </p:nvSpPr>
-        <p:spPr/>
-        <p:txBody>
-          <a:bodyPr/>
-          <a:lstStyle/>
-          <a:p>
-            <a:pPr lvl="0"/>
-            <a:endParaRPr lang="en-US"/>
-          </a:p>
-        </p:txBody>
-      </p:sp>
-      <p:sp>
-        <p:nvSpPr>
-          <p:cNvPr id="7" name="Espaço Reservado para Número de Slide 6"/>
-          <p:cNvSpPr>
-            <a:spLocks noGrp="1"/>
-          </p:cNvSpPr>
-          <p:nvPr>
-            <p:ph type="sldNum" sz="quarter" idx="12"/>
-          </p:nvPr>
-        </p:nvSpPr>
-        <p:spPr/>
-        <p:txBody>
-          <a:bodyPr/>
-          <a:lstStyle/>
-          <a:p>
-            <a:pPr lvl="0"/>
-            <a:fld id="{C41D0BA0-E124-41EC-9323-959DBA0D8572}" type="slidenum">
-              <a:t>‹nº›</a:t>
-            </a:fld>
-            <a:endParaRPr lang="pt-BR"/>
-          </a:p>
-        </p:txBody>
-      </p:sp>
-    </p:spTree>
-  </p:cSld>
-  <p:clrMapOvr>
-    <a:masterClrMapping/>
-  </p:clrMapOvr>
-  <p:transition/>
-</p:sldLayout>
-</file>
-
-<file path=ppt/slideLayouts/slideLayout32.xml><?xml version="1.0" encoding="utf-8"?>
-<p:sldLayout xmlns:a="http://schemas.openxmlformats.org/drawingml/2006/main" xmlns:r="http://schemas.openxmlformats.org/officeDocument/2006/relationships" xmlns:p="http://schemas.openxmlformats.org/presentationml/2006/main" type="vertTx" preserve="1">
-  <p:cSld name="Título e texto vertical">
-    <p:spTree>
-      <p:nvGrpSpPr>
-        <p:cNvPr id="1" name=""/>
-        <p:cNvGrpSpPr/>
-        <p:nvPr/>
-      </p:nvGrpSpPr>
-      <p:grpSpPr>
-        <a:xfrm>
-          <a:off x="0" y="0"/>
-          <a:ext cx="0" cy="0"/>
-          <a:chOff x="0" y="0"/>
-          <a:chExt cx="0" cy="0"/>
-        </a:xfrm>
-      </p:grpSpPr>
-      <p:sp>
-        <p:nvSpPr>
-          <p:cNvPr id="2" name="Título 1"/>
-          <p:cNvSpPr>
-            <a:spLocks noGrp="1"/>
-          </p:cNvSpPr>
-          <p:nvPr>
-            <p:ph type="title"/>
-          </p:nvPr>
-        </p:nvSpPr>
-        <p:spPr/>
-        <p:txBody>
-          <a:bodyPr/>
-          <a:lstStyle/>
-          <a:p>
-            <a:r>
-              <a:rPr lang="pt-BR" smtClean="0"/>
-              <a:t>Clique para editar o estilo do título mestre</a:t>
-            </a:r>
-            <a:endParaRPr lang="pt-BR"/>
-          </a:p>
-        </p:txBody>
-      </p:sp>
-      <p:sp>
-        <p:nvSpPr>
-          <p:cNvPr id="3" name="Espaço Reservado para Texto Vertical 2"/>
-          <p:cNvSpPr>
-            <a:spLocks noGrp="1"/>
-          </p:cNvSpPr>
-          <p:nvPr>
-            <p:ph type="body" orient="vert" idx="1"/>
-          </p:nvPr>
-        </p:nvSpPr>
-        <p:spPr/>
-        <p:txBody>
-          <a:bodyPr vert="eaVert"/>
-          <a:lstStyle/>
-          <a:p>
-            <a:pPr lvl="0"/>
-            <a:r>
-              <a:rPr lang="pt-BR" smtClean="0"/>
-              <a:t>Clique para editar os estilos do texto mestre</a:t>
-            </a:r>
-          </a:p>
-          <a:p>
-            <a:pPr lvl="1"/>
-            <a:r>
-              <a:rPr lang="pt-BR" smtClean="0"/>
-              <a:t>Segundo nível</a:t>
-            </a:r>
-          </a:p>
-          <a:p>
-            <a:pPr lvl="2"/>
-            <a:r>
-              <a:rPr lang="pt-BR" smtClean="0"/>
-              <a:t>Terceiro nível</a:t>
-            </a:r>
-          </a:p>
-          <a:p>
-            <a:pPr lvl="3"/>
-            <a:r>
-              <a:rPr lang="pt-BR" smtClean="0"/>
-              <a:t>Quarto nível</a:t>
-            </a:r>
-          </a:p>
-          <a:p>
-            <a:pPr lvl="4"/>
-            <a:r>
-              <a:rPr lang="pt-BR" smtClean="0"/>
-              <a:t>Quinto nível</a:t>
-            </a:r>
-            <a:endParaRPr lang="pt-BR"/>
-          </a:p>
-        </p:txBody>
-      </p:sp>
-      <p:sp>
-        <p:nvSpPr>
-          <p:cNvPr id="4" name="Espaço Reservado para Data 3"/>
-          <p:cNvSpPr>
-            <a:spLocks noGrp="1"/>
-          </p:cNvSpPr>
-          <p:nvPr>
-            <p:ph type="dt" sz="half" idx="10"/>
-          </p:nvPr>
-        </p:nvSpPr>
-        <p:spPr/>
-        <p:txBody>
-          <a:bodyPr/>
-          <a:lstStyle/>
-          <a:p>
-            <a:pPr lvl="0"/>
-            <a:endParaRPr lang="pt-BR"/>
-          </a:p>
-        </p:txBody>
-      </p:sp>
-      <p:sp>
-        <p:nvSpPr>
-          <p:cNvPr id="5" name="Espaço Reservado para Rodapé 4"/>
-          <p:cNvSpPr>
-            <a:spLocks noGrp="1"/>
-          </p:cNvSpPr>
-          <p:nvPr>
-            <p:ph type="ftr" sz="quarter" idx="11"/>
-          </p:nvPr>
-        </p:nvSpPr>
-        <p:spPr/>
-        <p:txBody>
-          <a:bodyPr/>
-          <a:lstStyle/>
-          <a:p>
-            <a:pPr lvl="0"/>
-            <a:endParaRPr lang="en-US"/>
-          </a:p>
-        </p:txBody>
-      </p:sp>
-      <p:sp>
-        <p:nvSpPr>
-          <p:cNvPr id="6" name="Espaço Reservado para Número de Slide 5"/>
-          <p:cNvSpPr>
-            <a:spLocks noGrp="1"/>
-          </p:cNvSpPr>
-          <p:nvPr>
-            <p:ph type="sldNum" sz="quarter" idx="12"/>
-          </p:nvPr>
-        </p:nvSpPr>
-        <p:spPr/>
-        <p:txBody>
-          <a:bodyPr/>
-          <a:lstStyle/>
-          <a:p>
-            <a:pPr lvl="0"/>
-            <a:fld id="{1AA41B73-7F98-46AC-BFF7-35A714620778}" type="slidenum">
-              <a:t>‹nº›</a:t>
-            </a:fld>
-            <a:endParaRPr lang="pt-BR"/>
-          </a:p>
-        </p:txBody>
-      </p:sp>
-    </p:spTree>
-  </p:cSld>
-  <p:clrMapOvr>
-    <a:masterClrMapping/>
-  </p:clrMapOvr>
-  <p:transition/>
-</p:sldLayout>
-</file>
-
-<file path=ppt/slideLayouts/slideLayout33.xml><?xml version="1.0" encoding="utf-8"?>
-<p:sldLayout xmlns:a="http://schemas.openxmlformats.org/drawingml/2006/main" xmlns:r="http://schemas.openxmlformats.org/officeDocument/2006/relationships" xmlns:p="http://schemas.openxmlformats.org/presentationml/2006/main" type="vertTitleAndTx" preserve="1">
-  <p:cSld name="Título e texto verticais">
-    <p:spTree>
-      <p:nvGrpSpPr>
-        <p:cNvPr id="1" name=""/>
-        <p:cNvGrpSpPr/>
-        <p:nvPr/>
-      </p:nvGrpSpPr>
-      <p:grpSpPr>
-        <a:xfrm>
-          <a:off x="0" y="0"/>
-          <a:ext cx="0" cy="0"/>
-          <a:chOff x="0" y="0"/>
-          <a:chExt cx="0" cy="0"/>
-        </a:xfrm>
-      </p:grpSpPr>
-      <p:sp>
-        <p:nvSpPr>
-          <p:cNvPr id="2" name="Título Vertical 1"/>
-          <p:cNvSpPr>
-            <a:spLocks noGrp="1"/>
-          </p:cNvSpPr>
-          <p:nvPr>
-            <p:ph type="title" orient="vert"/>
-          </p:nvPr>
-        </p:nvSpPr>
-        <p:spPr>
-          <a:xfrm>
-            <a:off x="9142413" y="0"/>
-            <a:ext cx="3046412" cy="6423025"/>
-          </a:xfrm>
-        </p:spPr>
-        <p:txBody>
-          <a:bodyPr vert="eaVert"/>
-          <a:lstStyle/>
-          <a:p>
-            <a:r>
-              <a:rPr lang="pt-BR" smtClean="0"/>
-              <a:t>Clique para editar o estilo do título mestre</a:t>
-            </a:r>
-            <a:endParaRPr lang="pt-BR"/>
-          </a:p>
-        </p:txBody>
-      </p:sp>
-      <p:sp>
-        <p:nvSpPr>
-          <p:cNvPr id="3" name="Espaço Reservado para Texto Vertical 2"/>
-          <p:cNvSpPr>
-            <a:spLocks noGrp="1"/>
-          </p:cNvSpPr>
-          <p:nvPr>
-            <p:ph type="body" orient="vert" idx="1"/>
-          </p:nvPr>
-        </p:nvSpPr>
-        <p:spPr>
-          <a:xfrm>
-            <a:off x="0" y="0"/>
-            <a:ext cx="8990013" cy="6423025"/>
-          </a:xfrm>
-        </p:spPr>
-        <p:txBody>
-          <a:bodyPr vert="eaVert"/>
-          <a:lstStyle/>
-          <a:p>
-            <a:pPr lvl="0"/>
-            <a:r>
-              <a:rPr lang="pt-BR" smtClean="0"/>
-              <a:t>Clique para editar os estilos do texto mestre</a:t>
-            </a:r>
-          </a:p>
-          <a:p>
-            <a:pPr lvl="1"/>
-            <a:r>
-              <a:rPr lang="pt-BR" smtClean="0"/>
-              <a:t>Segundo nível</a:t>
-            </a:r>
-          </a:p>
-          <a:p>
-            <a:pPr lvl="2"/>
-            <a:r>
-              <a:rPr lang="pt-BR" smtClean="0"/>
-              <a:t>Terceiro nível</a:t>
-            </a:r>
-          </a:p>
-          <a:p>
-            <a:pPr lvl="3"/>
-            <a:r>
-              <a:rPr lang="pt-BR" smtClean="0"/>
-              <a:t>Quarto nível</a:t>
-            </a:r>
-          </a:p>
-          <a:p>
-            <a:pPr lvl="4"/>
-            <a:r>
-              <a:rPr lang="pt-BR" smtClean="0"/>
-              <a:t>Quinto nível</a:t>
-            </a:r>
-            <a:endParaRPr lang="pt-BR"/>
-          </a:p>
-        </p:txBody>
-      </p:sp>
-      <p:sp>
-        <p:nvSpPr>
-          <p:cNvPr id="4" name="Espaço Reservado para Data 3"/>
-          <p:cNvSpPr>
-            <a:spLocks noGrp="1"/>
-          </p:cNvSpPr>
-          <p:nvPr>
-            <p:ph type="dt" sz="half" idx="10"/>
-          </p:nvPr>
-        </p:nvSpPr>
-        <p:spPr/>
-        <p:txBody>
-          <a:bodyPr/>
-          <a:lstStyle/>
-          <a:p>
-            <a:pPr lvl="0"/>
-            <a:endParaRPr lang="pt-BR"/>
-          </a:p>
-        </p:txBody>
-      </p:sp>
-      <p:sp>
-        <p:nvSpPr>
-          <p:cNvPr id="5" name="Espaço Reservado para Rodapé 4"/>
-          <p:cNvSpPr>
-            <a:spLocks noGrp="1"/>
-          </p:cNvSpPr>
-          <p:nvPr>
-            <p:ph type="ftr" sz="quarter" idx="11"/>
-          </p:nvPr>
-        </p:nvSpPr>
-        <p:spPr/>
-        <p:txBody>
-          <a:bodyPr/>
-          <a:lstStyle/>
-          <a:p>
-            <a:pPr lvl="0"/>
-            <a:endParaRPr lang="en-US"/>
-          </a:p>
-        </p:txBody>
-      </p:sp>
-      <p:sp>
-        <p:nvSpPr>
-          <p:cNvPr id="6" name="Espaço Reservado para Número de Slide 5"/>
-          <p:cNvSpPr>
-            <a:spLocks noGrp="1"/>
-          </p:cNvSpPr>
-          <p:nvPr>
-            <p:ph type="sldNum" sz="quarter" idx="12"/>
-          </p:nvPr>
-        </p:nvSpPr>
-        <p:spPr/>
-        <p:txBody>
-          <a:bodyPr/>
-          <a:lstStyle/>
-          <a:p>
-            <a:pPr lvl="0"/>
-            <a:fld id="{DF7B51FE-94AB-4E79-A918-A8E4B3FD93A9}" type="slidenum">
-              <a:t>‹nº›</a:t>
-            </a:fld>
-            <a:endParaRPr lang="pt-BR"/>
-          </a:p>
-        </p:txBody>
-      </p:sp>
-    </p:spTree>
-  </p:cSld>
-  <p:clrMapOvr>
-    <a:masterClrMapping/>
-  </p:clrMapOvr>
-  <p:transition/>
-</p:sldLayout>
-</file>
-
-<file path=ppt/slideLayouts/slideLayout4.xml><?xml version="1.0" encoding="utf-8"?>
-<p:sldLayout xmlns:a="http://schemas.openxmlformats.org/drawingml/2006/main" xmlns:r="http://schemas.openxmlformats.org/officeDocument/2006/relationships" xmlns:p="http://schemas.openxmlformats.org/presentationml/2006/main" type="twoObj" preserve="1">
-  <p:cSld name="Duas Partes de Conteúdo">
-    <p:spTree>
-      <p:nvGrpSpPr>
-        <p:cNvPr id="1" name=""/>
-        <p:cNvGrpSpPr/>
-        <p:nvPr/>
-      </p:nvGrpSpPr>
-      <p:grpSpPr>
-        <a:xfrm>
-          <a:off x="0" y="0"/>
-          <a:ext cx="0" cy="0"/>
-          <a:chOff x="0" y="0"/>
-          <a:chExt cx="0" cy="0"/>
-        </a:xfrm>
-      </p:grpSpPr>
-      <p:sp>
-        <p:nvSpPr>
-          <p:cNvPr id="2" name="Título 1"/>
-          <p:cNvSpPr>
-            <a:spLocks noGrp="1"/>
-          </p:cNvSpPr>
-          <p:nvPr>
-            <p:ph type="title"/>
-          </p:nvPr>
-        </p:nvSpPr>
-        <p:spPr/>
-        <p:txBody>
-          <a:bodyPr/>
-          <a:lstStyle/>
-          <a:p>
-            <a:r>
-              <a:rPr lang="pt-BR" smtClean="0"/>
-              <a:t>Clique para editar o estilo do título mestre</a:t>
-            </a:r>
-            <a:endParaRPr lang="pt-BR"/>
-          </a:p>
-        </p:txBody>
-      </p:sp>
-      <p:sp>
-        <p:nvSpPr>
-          <p:cNvPr id="3" name="Espaço Reservado para Conteúdo 2"/>
-          <p:cNvSpPr>
-            <a:spLocks noGrp="1"/>
-          </p:cNvSpPr>
-          <p:nvPr>
-            <p:ph sz="half" idx="1"/>
-          </p:nvPr>
-        </p:nvSpPr>
-        <p:spPr>
-          <a:xfrm>
-            <a:off x="609600" y="1600200"/>
-            <a:ext cx="5410200" cy="4525963"/>
-          </a:xfrm>
-        </p:spPr>
-        <p:txBody>
-          <a:bodyPr/>
-          <a:lstStyle>
-            <a:lvl1pPr>
-              <a:defRPr sz="2800"/>
-            </a:lvl1pPr>
-            <a:lvl2pPr>
-              <a:defRPr sz="2400"/>
-            </a:lvl2pPr>
-            <a:lvl3pPr>
-              <a:defRPr sz="2000"/>
-            </a:lvl3pPr>
-            <a:lvl4pPr>
-              <a:defRPr sz="1800"/>
-            </a:lvl4pPr>
-            <a:lvl5pPr>
-              <a:defRPr sz="1800"/>
-            </a:lvl5pPr>
-            <a:lvl6pPr>
-              <a:defRPr sz="1800"/>
-            </a:lvl6pPr>
-            <a:lvl7pPr>
-              <a:defRPr sz="1800"/>
-            </a:lvl7pPr>
-            <a:lvl8pPr>
-              <a:defRPr sz="1800"/>
-            </a:lvl8pPr>
-            <a:lvl9pPr>
-              <a:defRPr sz="1800"/>
-            </a:lvl9pPr>
-          </a:lstStyle>
-          <a:p>
-            <a:pPr lvl="0"/>
-            <a:r>
-              <a:rPr lang="pt-BR" smtClean="0"/>
-              <a:t>Clique para editar os estilos do texto mestre</a:t>
-            </a:r>
-          </a:p>
-          <a:p>
-            <a:pPr lvl="1"/>
-            <a:r>
-              <a:rPr lang="pt-BR" smtClean="0"/>
-              <a:t>Segundo nível</a:t>
-            </a:r>
-          </a:p>
-          <a:p>
-            <a:pPr lvl="2"/>
-            <a:r>
-              <a:rPr lang="pt-BR" smtClean="0"/>
-              <a:t>Terceiro nível</a:t>
-            </a:r>
-          </a:p>
-          <a:p>
-            <a:pPr lvl="3"/>
-            <a:r>
-              <a:rPr lang="pt-BR" smtClean="0"/>
-              <a:t>Quarto nível</a:t>
-            </a:r>
-          </a:p>
-          <a:p>
-            <a:pPr lvl="4"/>
-            <a:r>
-              <a:rPr lang="pt-BR" smtClean="0"/>
-              <a:t>Quinto nível</a:t>
-            </a:r>
-            <a:endParaRPr lang="pt-BR"/>
-          </a:p>
-        </p:txBody>
-      </p:sp>
-      <p:sp>
-        <p:nvSpPr>
-          <p:cNvPr id="4" name="Espaço Reservado para Conteúdo 3"/>
-          <p:cNvSpPr>
-            <a:spLocks noGrp="1"/>
-          </p:cNvSpPr>
-          <p:nvPr>
-            <p:ph sz="half" idx="2"/>
-          </p:nvPr>
-        </p:nvSpPr>
-        <p:spPr>
-          <a:xfrm>
-            <a:off x="6172200" y="1600200"/>
-            <a:ext cx="5410200" cy="4525963"/>
-          </a:xfrm>
-        </p:spPr>
-        <p:txBody>
-          <a:bodyPr/>
-          <a:lstStyle>
-            <a:lvl1pPr>
-              <a:defRPr sz="2800"/>
-            </a:lvl1pPr>
-            <a:lvl2pPr>
-              <a:defRPr sz="2400"/>
-            </a:lvl2pPr>
-            <a:lvl3pPr>
-              <a:defRPr sz="2000"/>
-            </a:lvl3pPr>
-            <a:lvl4pPr>
-              <a:defRPr sz="1800"/>
-            </a:lvl4pPr>
-            <a:lvl5pPr>
-              <a:defRPr sz="1800"/>
-            </a:lvl5pPr>
-            <a:lvl6pPr>
-              <a:defRPr sz="1800"/>
-            </a:lvl6pPr>
-            <a:lvl7pPr>
-              <a:defRPr sz="1800"/>
-            </a:lvl7pPr>
-            <a:lvl8pPr>
-              <a:defRPr sz="1800"/>
-            </a:lvl8pPr>
-            <a:lvl9pPr>
-              <a:defRPr sz="1800"/>
-            </a:lvl9pPr>
-          </a:lstStyle>
-          <a:p>
-            <a:pPr lvl="0"/>
-            <a:r>
-              <a:rPr lang="pt-BR" smtClean="0"/>
-              <a:t>Clique para editar os estilos do texto mestre</a:t>
-            </a:r>
-          </a:p>
-          <a:p>
-            <a:pPr lvl="1"/>
-            <a:r>
-              <a:rPr lang="pt-BR" smtClean="0"/>
-              <a:t>Segundo nível</a:t>
-            </a:r>
-          </a:p>
-          <a:p>
-            <a:pPr lvl="2"/>
-            <a:r>
-              <a:rPr lang="pt-BR" smtClean="0"/>
-              <a:t>Terceiro nível</a:t>
-            </a:r>
-          </a:p>
-          <a:p>
-            <a:pPr lvl="3"/>
-            <a:r>
-              <a:rPr lang="pt-BR" smtClean="0"/>
-              <a:t>Quarto nível</a:t>
-            </a:r>
-          </a:p>
-          <a:p>
-            <a:pPr lvl="4"/>
-            <a:r>
-              <a:rPr lang="pt-BR" smtClean="0"/>
-              <a:t>Quinto nível</a:t>
-            </a:r>
-            <a:endParaRPr lang="pt-BR"/>
-          </a:p>
-        </p:txBody>
-      </p:sp>
-      <p:sp>
-        <p:nvSpPr>
-          <p:cNvPr id="5" name="Espaço Reservado para Data 4"/>
-          <p:cNvSpPr>
-            <a:spLocks noGrp="1"/>
-          </p:cNvSpPr>
-          <p:nvPr>
-            <p:ph type="dt" sz="half" idx="10"/>
-          </p:nvPr>
-        </p:nvSpPr>
-        <p:spPr/>
-        <p:txBody>
-          <a:bodyPr/>
-          <a:lstStyle/>
-          <a:p>
-            <a:fld id="{2D7B4112-132D-427F-853F-D83B376E39B9}" type="datetimeFigureOut">
-              <a:rPr lang="pt-BR" smtClean="0"/>
-              <a:t>14/04/2023</a:t>
-            </a:fld>
-            <a:endParaRPr lang="pt-BR"/>
-          </a:p>
-        </p:txBody>
-      </p:sp>
-      <p:sp>
-        <p:nvSpPr>
-          <p:cNvPr id="6" name="Espaço Reservado para Rodapé 5"/>
-          <p:cNvSpPr>
-            <a:spLocks noGrp="1"/>
-          </p:cNvSpPr>
-          <p:nvPr>
-            <p:ph type="ftr" sz="quarter" idx="11"/>
-          </p:nvPr>
-        </p:nvSpPr>
-        <p:spPr/>
-        <p:txBody>
-          <a:bodyPr/>
-          <a:lstStyle/>
-          <a:p>
-            <a:endParaRPr lang="pt-BR"/>
-          </a:p>
-        </p:txBody>
-      </p:sp>
-      <p:sp>
-        <p:nvSpPr>
-          <p:cNvPr id="7" name="Espaço Reservado para Número de Slide 6"/>
-          <p:cNvSpPr>
-            <a:spLocks noGrp="1"/>
-          </p:cNvSpPr>
-          <p:nvPr>
-            <p:ph type="sldNum" sz="quarter" idx="12"/>
-          </p:nvPr>
-        </p:nvSpPr>
-        <p:spPr/>
-        <p:txBody>
-          <a:bodyPr/>
-          <a:lstStyle/>
-          <a:p>
-            <a:fld id="{C2D5B8B3-F64D-415D-A850-A875818CF37E}" type="slidenum">
-              <a:t>‹nº›</a:t>
-            </a:fld>
-            <a:endParaRPr lang="pt-BR"/>
-          </a:p>
-        </p:txBody>
-      </p:sp>
-    </p:spTree>
-  </p:cSld>
-  <p:clrMapOvr>
-    <a:masterClrMapping/>
-  </p:clrMapOvr>
-</p:sldLayout>
-</file>
-
-<file path=ppt/slideLayouts/slideLayout5.xml><?xml version="1.0" encoding="utf-8"?>
-<p:sldLayout xmlns:a="http://schemas.openxmlformats.org/drawingml/2006/main" xmlns:r="http://schemas.openxmlformats.org/officeDocument/2006/relationships" xmlns:p="http://schemas.openxmlformats.org/presentationml/2006/main" type="twoTxTwoObj" preserve="1">
-  <p:cSld name="Comparação">
-    <p:spTree>
-      <p:nvGrpSpPr>
-        <p:cNvPr id="1" name=""/>
-        <p:cNvGrpSpPr/>
-        <p:nvPr/>
-      </p:nvGrpSpPr>
-      <p:grpSpPr>
-        <a:xfrm>
-          <a:off x="0" y="0"/>
-          <a:ext cx="0" cy="0"/>
-          <a:chOff x="0" y="0"/>
-          <a:chExt cx="0" cy="0"/>
-        </a:xfrm>
-      </p:grpSpPr>
-      <p:sp>
-        <p:nvSpPr>
-          <p:cNvPr id="2" name="Título 1"/>
-          <p:cNvSpPr>
-            <a:spLocks noGrp="1"/>
-          </p:cNvSpPr>
-          <p:nvPr>
-            <p:ph type="title"/>
-          </p:nvPr>
-        </p:nvSpPr>
-        <p:spPr/>
-        <p:txBody>
-          <a:bodyPr/>
-          <a:lstStyle>
-            <a:lvl1pPr>
-              <a:defRPr/>
-            </a:lvl1pPr>
-          </a:lstStyle>
-          <a:p>
-            <a:r>
-              <a:rPr lang="pt-BR" smtClean="0"/>
-              <a:t>Clique para editar o estilo do título mestre</a:t>
-            </a:r>
-            <a:endParaRPr lang="pt-BR"/>
-          </a:p>
-        </p:txBody>
-      </p:sp>
-      <p:sp>
-        <p:nvSpPr>
-          <p:cNvPr id="3" name="Espaço Reservado para Texto 2"/>
-          <p:cNvSpPr>
-            <a:spLocks noGrp="1"/>
-          </p:cNvSpPr>
-          <p:nvPr>
-            <p:ph type="body" idx="1"/>
-          </p:nvPr>
-        </p:nvSpPr>
-        <p:spPr>
-          <a:xfrm>
-            <a:off x="609600" y="1535113"/>
-            <a:ext cx="5386388" cy="639762"/>
-          </a:xfrm>
-        </p:spPr>
-        <p:txBody>
-          <a:bodyPr anchor="b"/>
-          <a:lstStyle>
-            <a:lvl1pPr marL="0" indent="0">
-              <a:buNone/>
-              <a:defRPr sz="2400" b="1"/>
-            </a:lvl1pPr>
-            <a:lvl2pPr marL="457200" indent="0">
-              <a:buNone/>
-              <a:defRPr sz="2000" b="1"/>
-            </a:lvl2pPr>
-            <a:lvl3pPr marL="914400" indent="0">
-              <a:buNone/>
-              <a:defRPr sz="1800" b="1"/>
-            </a:lvl3pPr>
-            <a:lvl4pPr marL="1371600" indent="0">
-              <a:buNone/>
-              <a:defRPr sz="1600" b="1"/>
-            </a:lvl4pPr>
-            <a:lvl5pPr marL="1828800" indent="0">
-              <a:buNone/>
-              <a:defRPr sz="1600" b="1"/>
-            </a:lvl5pPr>
-            <a:lvl6pPr marL="2286000" indent="0">
-              <a:buNone/>
-              <a:defRPr sz="1600" b="1"/>
-            </a:lvl6pPr>
-            <a:lvl7pPr marL="2743200" indent="0">
-              <a:buNone/>
-              <a:defRPr sz="1600" b="1"/>
-            </a:lvl7pPr>
-            <a:lvl8pPr marL="3200400" indent="0">
-              <a:buNone/>
-              <a:defRPr sz="1600" b="1"/>
-            </a:lvl8pPr>
-            <a:lvl9pPr marL="3657600" indent="0">
-              <a:buNone/>
-              <a:defRPr sz="1600" b="1"/>
-            </a:lvl9pPr>
-          </a:lstStyle>
-          <a:p>
-            <a:pPr lvl="0"/>
-            <a:r>
-              <a:rPr lang="pt-BR" smtClean="0"/>
-              <a:t>Clique para editar os estilos do texto mestre</a:t>
-            </a:r>
-          </a:p>
-        </p:txBody>
-      </p:sp>
-      <p:sp>
-        <p:nvSpPr>
-          <p:cNvPr id="4" name="Espaço Reservado para Conteúdo 3"/>
-          <p:cNvSpPr>
-            <a:spLocks noGrp="1"/>
-          </p:cNvSpPr>
-          <p:nvPr>
-            <p:ph sz="half" idx="2"/>
-          </p:nvPr>
-        </p:nvSpPr>
-        <p:spPr>
-          <a:xfrm>
-            <a:off x="609600" y="2174875"/>
-            <a:ext cx="5386388" cy="3951288"/>
-          </a:xfrm>
-        </p:spPr>
-        <p:txBody>
-          <a:bodyPr/>
-          <a:lstStyle>
-            <a:lvl1pPr>
-              <a:defRPr sz="2400"/>
-            </a:lvl1pPr>
-            <a:lvl2pPr>
-              <a:defRPr sz="2000"/>
-            </a:lvl2pPr>
-            <a:lvl3pPr>
-              <a:defRPr sz="1800"/>
-            </a:lvl3pPr>
-            <a:lvl4pPr>
-              <a:defRPr sz="1600"/>
-            </a:lvl4pPr>
-            <a:lvl5pPr>
-              <a:defRPr sz="1600"/>
-            </a:lvl5pPr>
-            <a:lvl6pPr>
-              <a:defRPr sz="1600"/>
-            </a:lvl6pPr>
-            <a:lvl7pPr>
-              <a:defRPr sz="1600"/>
-            </a:lvl7pPr>
-            <a:lvl8pPr>
-              <a:defRPr sz="1600"/>
-            </a:lvl8pPr>
-            <a:lvl9pPr>
-              <a:defRPr sz="1600"/>
-            </a:lvl9pPr>
-          </a:lstStyle>
-          <a:p>
-            <a:pPr lvl="0"/>
-            <a:r>
-              <a:rPr lang="pt-BR" smtClean="0"/>
-              <a:t>Clique para editar os estilos do texto mestre</a:t>
-            </a:r>
-          </a:p>
-          <a:p>
-            <a:pPr lvl="1"/>
-            <a:r>
-              <a:rPr lang="pt-BR" smtClean="0"/>
-              <a:t>Segundo nível</a:t>
-            </a:r>
-          </a:p>
-          <a:p>
-            <a:pPr lvl="2"/>
-            <a:r>
-              <a:rPr lang="pt-BR" smtClean="0"/>
-              <a:t>Terceiro nível</a:t>
-            </a:r>
-          </a:p>
-          <a:p>
-            <a:pPr lvl="3"/>
-            <a:r>
-              <a:rPr lang="pt-BR" smtClean="0"/>
-              <a:t>Quarto nível</a:t>
-            </a:r>
-          </a:p>
-          <a:p>
-            <a:pPr lvl="4"/>
-            <a:r>
-              <a:rPr lang="pt-BR" smtClean="0"/>
-              <a:t>Quinto nível</a:t>
-            </a:r>
-            <a:endParaRPr lang="pt-BR"/>
-          </a:p>
-        </p:txBody>
-      </p:sp>
-      <p:sp>
-        <p:nvSpPr>
-          <p:cNvPr id="5" name="Espaço Reservado para Texto 4"/>
-          <p:cNvSpPr>
-            <a:spLocks noGrp="1"/>
-          </p:cNvSpPr>
-          <p:nvPr>
-            <p:ph type="body" sz="quarter" idx="3"/>
-          </p:nvPr>
-        </p:nvSpPr>
-        <p:spPr>
-          <a:xfrm>
-            <a:off x="6192838" y="1535113"/>
-            <a:ext cx="5389562" cy="639762"/>
-          </a:xfrm>
-        </p:spPr>
-        <p:txBody>
-          <a:bodyPr anchor="b"/>
-          <a:lstStyle>
-            <a:lvl1pPr marL="0" indent="0">
-              <a:buNone/>
-              <a:defRPr sz="2400" b="1"/>
-            </a:lvl1pPr>
-            <a:lvl2pPr marL="457200" indent="0">
-              <a:buNone/>
-              <a:defRPr sz="2000" b="1"/>
-            </a:lvl2pPr>
-            <a:lvl3pPr marL="914400" indent="0">
-              <a:buNone/>
-              <a:defRPr sz="1800" b="1"/>
-            </a:lvl3pPr>
-            <a:lvl4pPr marL="1371600" indent="0">
-              <a:buNone/>
-              <a:defRPr sz="1600" b="1"/>
-            </a:lvl4pPr>
-            <a:lvl5pPr marL="1828800" indent="0">
-              <a:buNone/>
-              <a:defRPr sz="1600" b="1"/>
-            </a:lvl5pPr>
-            <a:lvl6pPr marL="2286000" indent="0">
-              <a:buNone/>
-              <a:defRPr sz="1600" b="1"/>
-            </a:lvl6pPr>
-            <a:lvl7pPr marL="2743200" indent="0">
-              <a:buNone/>
-              <a:defRPr sz="1600" b="1"/>
-            </a:lvl7pPr>
-            <a:lvl8pPr marL="3200400" indent="0">
-              <a:buNone/>
-              <a:defRPr sz="1600" b="1"/>
-            </a:lvl8pPr>
-            <a:lvl9pPr marL="3657600" indent="0">
-              <a:buNone/>
-              <a:defRPr sz="1600" b="1"/>
-            </a:lvl9pPr>
-          </a:lstStyle>
-          <a:p>
-            <a:pPr lvl="0"/>
-            <a:r>
-              <a:rPr lang="pt-BR" smtClean="0"/>
-              <a:t>Clique para editar os estilos do texto mestre</a:t>
-            </a:r>
-          </a:p>
-        </p:txBody>
-      </p:sp>
-      <p:sp>
-        <p:nvSpPr>
-          <p:cNvPr id="6" name="Espaço Reservado para Conteúdo 5"/>
-          <p:cNvSpPr>
-            <a:spLocks noGrp="1"/>
-          </p:cNvSpPr>
-          <p:nvPr>
-            <p:ph sz="quarter" idx="4"/>
-          </p:nvPr>
-        </p:nvSpPr>
-        <p:spPr>
-          <a:xfrm>
-            <a:off x="6192838" y="2174875"/>
-            <a:ext cx="5389562" cy="3951288"/>
-          </a:xfrm>
-        </p:spPr>
-        <p:txBody>
-          <a:bodyPr/>
-          <a:lstStyle>
-            <a:lvl1pPr>
-              <a:defRPr sz="2400"/>
-            </a:lvl1pPr>
-            <a:lvl2pPr>
-              <a:defRPr sz="2000"/>
-            </a:lvl2pPr>
-            <a:lvl3pPr>
-              <a:defRPr sz="1800"/>
-            </a:lvl3pPr>
-            <a:lvl4pPr>
-              <a:defRPr sz="1600"/>
-            </a:lvl4pPr>
-            <a:lvl5pPr>
-              <a:defRPr sz="1600"/>
-            </a:lvl5pPr>
-            <a:lvl6pPr>
-              <a:defRPr sz="1600"/>
-            </a:lvl6pPr>
-            <a:lvl7pPr>
-              <a:defRPr sz="1600"/>
-            </a:lvl7pPr>
-            <a:lvl8pPr>
-              <a:defRPr sz="1600"/>
-            </a:lvl8pPr>
-            <a:lvl9pPr>
-              <a:defRPr sz="1600"/>
-            </a:lvl9pPr>
-          </a:lstStyle>
-          <a:p>
-            <a:pPr lvl="0"/>
-            <a:r>
-              <a:rPr lang="pt-BR" smtClean="0"/>
-              <a:t>Clique para editar os estilos do texto mestre</a:t>
-            </a:r>
-          </a:p>
-          <a:p>
-            <a:pPr lvl="1"/>
-            <a:r>
-              <a:rPr lang="pt-BR" smtClean="0"/>
-              <a:t>Segundo nível</a:t>
-            </a:r>
-          </a:p>
-          <a:p>
-            <a:pPr lvl="2"/>
-            <a:r>
-              <a:rPr lang="pt-BR" smtClean="0"/>
-              <a:t>Terceiro nível</a:t>
-            </a:r>
-          </a:p>
-          <a:p>
-            <a:pPr lvl="3"/>
-            <a:r>
-              <a:rPr lang="pt-BR" smtClean="0"/>
-              <a:t>Quarto nível</a:t>
-            </a:r>
-          </a:p>
-          <a:p>
-            <a:pPr lvl="4"/>
-            <a:r>
-              <a:rPr lang="pt-BR" smtClean="0"/>
-              <a:t>Quinto nível</a:t>
-            </a:r>
-            <a:endParaRPr lang="pt-BR"/>
-          </a:p>
-        </p:txBody>
-      </p:sp>
-      <p:sp>
-        <p:nvSpPr>
-          <p:cNvPr id="7" name="Espaço Reservado para Data 6"/>
-          <p:cNvSpPr>
-            <a:spLocks noGrp="1"/>
-          </p:cNvSpPr>
-          <p:nvPr>
-            <p:ph type="dt" sz="half" idx="10"/>
-          </p:nvPr>
-        </p:nvSpPr>
-        <p:spPr/>
-        <p:txBody>
-          <a:bodyPr/>
-          <a:lstStyle/>
-          <a:p>
-            <a:fld id="{2D7B4112-132D-427F-853F-D83B376E39B9}" type="datetimeFigureOut">
-              <a:rPr lang="pt-BR" smtClean="0"/>
-              <a:t>14/04/2023</a:t>
-            </a:fld>
-            <a:endParaRPr lang="pt-BR"/>
-          </a:p>
-        </p:txBody>
-      </p:sp>
-      <p:sp>
-        <p:nvSpPr>
-          <p:cNvPr id="8" name="Espaço Reservado para Rodapé 7"/>
-          <p:cNvSpPr>
-            <a:spLocks noGrp="1"/>
-          </p:cNvSpPr>
-          <p:nvPr>
-            <p:ph type="ftr" sz="quarter" idx="11"/>
-          </p:nvPr>
-        </p:nvSpPr>
-        <p:spPr/>
-        <p:txBody>
-          <a:bodyPr/>
-          <a:lstStyle/>
-          <a:p>
-            <a:endParaRPr lang="pt-BR"/>
-          </a:p>
-        </p:txBody>
-      </p:sp>
-      <p:sp>
-        <p:nvSpPr>
-          <p:cNvPr id="9" name="Espaço Reservado para Número de Slide 8"/>
-          <p:cNvSpPr>
-            <a:spLocks noGrp="1"/>
-          </p:cNvSpPr>
-          <p:nvPr>
-            <p:ph type="sldNum" sz="quarter" idx="12"/>
-          </p:nvPr>
-        </p:nvSpPr>
-        <p:spPr/>
-        <p:txBody>
-          <a:bodyPr/>
-          <a:lstStyle/>
-          <a:p>
-            <a:fld id="{B2A200BD-9715-498F-9F03-C6371A4B0CE1}" type="slidenum">
-              <a:t>‹nº›</a:t>
-            </a:fld>
-            <a:endParaRPr lang="pt-BR"/>
-          </a:p>
-        </p:txBody>
-      </p:sp>
-    </p:spTree>
-  </p:cSld>
-  <p:clrMapOvr>
-    <a:masterClrMapping/>
-  </p:clrMapOvr>
-</p:sldLayout>
-</file>
-
-<file path=ppt/slideLayouts/slideLayout6.xml><?xml version="1.0" encoding="utf-8"?>
-<p:sldLayout xmlns:a="http://schemas.openxmlformats.org/drawingml/2006/main" xmlns:r="http://schemas.openxmlformats.org/officeDocument/2006/relationships" xmlns:p="http://schemas.openxmlformats.org/presentationml/2006/main" type="titleOnly" preserve="1">
-  <p:cSld name="Somente título">
-    <p:spTree>
-      <p:nvGrpSpPr>
-        <p:cNvPr id="1" name=""/>
-        <p:cNvGrpSpPr/>
-        <p:nvPr/>
-      </p:nvGrpSpPr>
-      <p:grpSpPr>
-        <a:xfrm>
-          <a:off x="0" y="0"/>
-          <a:ext cx="0" cy="0"/>
-          <a:chOff x="0" y="0"/>
-          <a:chExt cx="0" cy="0"/>
-        </a:xfrm>
-      </p:grpSpPr>
-      <p:sp>
-        <p:nvSpPr>
-          <p:cNvPr id="2" name="Título 1"/>
-          <p:cNvSpPr>
-            <a:spLocks noGrp="1"/>
-          </p:cNvSpPr>
-          <p:nvPr>
-            <p:ph type="title"/>
-          </p:nvPr>
-        </p:nvSpPr>
-        <p:spPr/>
-        <p:txBody>
-          <a:bodyPr/>
-          <a:lstStyle/>
-          <a:p>
-            <a:r>
-              <a:rPr lang="pt-BR" smtClean="0"/>
-              <a:t>Clique para editar o estilo do título mestre</a:t>
-            </a:r>
-            <a:endParaRPr lang="pt-BR"/>
-          </a:p>
-        </p:txBody>
-      </p:sp>
-      <p:sp>
-        <p:nvSpPr>
-          <p:cNvPr id="3" name="Espaço Reservado para Data 2"/>
-          <p:cNvSpPr>
-            <a:spLocks noGrp="1"/>
-          </p:cNvSpPr>
-          <p:nvPr>
-            <p:ph type="dt" sz="half" idx="10"/>
-          </p:nvPr>
-        </p:nvSpPr>
-        <p:spPr/>
-        <p:txBody>
-          <a:bodyPr/>
-          <a:lstStyle/>
-          <a:p>
-            <a:fld id="{2D7B4112-132D-427F-853F-D83B376E39B9}" type="datetimeFigureOut">
-              <a:rPr lang="pt-BR" smtClean="0"/>
-              <a:t>14/04/2023</a:t>
-            </a:fld>
-            <a:endParaRPr lang="pt-BR"/>
-          </a:p>
-        </p:txBody>
-      </p:sp>
-      <p:sp>
-        <p:nvSpPr>
-          <p:cNvPr id="4" name="Espaço Reservado para Rodapé 3"/>
-          <p:cNvSpPr>
-            <a:spLocks noGrp="1"/>
-          </p:cNvSpPr>
-          <p:nvPr>
-            <p:ph type="ftr" sz="quarter" idx="11"/>
-          </p:nvPr>
-        </p:nvSpPr>
-        <p:spPr/>
-        <p:txBody>
-          <a:bodyPr/>
-          <a:lstStyle/>
-          <a:p>
-            <a:endParaRPr lang="pt-BR"/>
-          </a:p>
-        </p:txBody>
-      </p:sp>
-      <p:sp>
-        <p:nvSpPr>
-          <p:cNvPr id="5" name="Espaço Reservado para Número de Slide 4"/>
-          <p:cNvSpPr>
-            <a:spLocks noGrp="1"/>
-          </p:cNvSpPr>
-          <p:nvPr>
-            <p:ph type="sldNum" sz="quarter" idx="12"/>
-          </p:nvPr>
-        </p:nvSpPr>
-        <p:spPr/>
-        <p:txBody>
-          <a:bodyPr/>
-          <a:lstStyle/>
-          <a:p>
-            <a:fld id="{B73EDDCF-63CE-4471-864B-DAB237392657}" type="slidenum">
-              <a:t>‹nº›</a:t>
-            </a:fld>
-            <a:endParaRPr lang="pt-BR"/>
-          </a:p>
-        </p:txBody>
-      </p:sp>
-    </p:spTree>
-  </p:cSld>
-  <p:clrMapOvr>
-    <a:masterClrMapping/>
-  </p:clrMapOvr>
-</p:sldLayout>
-</file>
-
-<file path=ppt/slideLayouts/slideLayout7.xml><?xml version="1.0" encoding="utf-8"?>
-<p:sldLayout xmlns:a="http://schemas.openxmlformats.org/drawingml/2006/main" xmlns:r="http://schemas.openxmlformats.org/officeDocument/2006/relationships" xmlns:p="http://schemas.openxmlformats.org/presentationml/2006/main" type="blank" preserve="1">
-  <p:cSld name="Em branco">
-    <p:spTree>
-      <p:nvGrpSpPr>
-        <p:cNvPr id="1" name=""/>
-        <p:cNvGrpSpPr/>
-        <p:nvPr/>
-      </p:nvGrpSpPr>
-      <p:grpSpPr>
-        <a:xfrm>
-          <a:off x="0" y="0"/>
-          <a:ext cx="0" cy="0"/>
-          <a:chOff x="0" y="0"/>
-          <a:chExt cx="0" cy="0"/>
-        </a:xfrm>
-      </p:grpSpPr>
-      <p:sp>
-        <p:nvSpPr>
-          <p:cNvPr id="2" name="Espaço Reservado para Data 1"/>
-          <p:cNvSpPr>
-            <a:spLocks noGrp="1"/>
-          </p:cNvSpPr>
-          <p:nvPr>
-            <p:ph type="dt" sz="half" idx="10"/>
-          </p:nvPr>
-        </p:nvSpPr>
-        <p:spPr/>
-        <p:txBody>
-          <a:bodyPr/>
-          <a:lstStyle/>
-          <a:p>
-            <a:fld id="{2D7B4112-132D-427F-853F-D83B376E39B9}" type="datetimeFigureOut">
-              <a:rPr lang="pt-BR" smtClean="0"/>
-              <a:t>14/04/2023</a:t>
-            </a:fld>
-            <a:endParaRPr lang="pt-BR"/>
-          </a:p>
-        </p:txBody>
-      </p:sp>
-      <p:sp>
-        <p:nvSpPr>
-          <p:cNvPr id="3" name="Espaço Reservado para Rodapé 2"/>
-          <p:cNvSpPr>
-            <a:spLocks noGrp="1"/>
-          </p:cNvSpPr>
-          <p:nvPr>
-            <p:ph type="ftr" sz="quarter" idx="11"/>
-          </p:nvPr>
-        </p:nvSpPr>
-        <p:spPr/>
-        <p:txBody>
-          <a:bodyPr/>
-          <a:lstStyle/>
-          <a:p>
-            <a:endParaRPr lang="pt-BR"/>
-          </a:p>
-        </p:txBody>
-      </p:sp>
-      <p:sp>
-        <p:nvSpPr>
-          <p:cNvPr id="4" name="Espaço Reservado para Número de Slide 3"/>
-          <p:cNvSpPr>
-            <a:spLocks noGrp="1"/>
-          </p:cNvSpPr>
-          <p:nvPr>
-            <p:ph type="sldNum" sz="quarter" idx="12"/>
-          </p:nvPr>
-        </p:nvSpPr>
-        <p:spPr/>
-        <p:txBody>
-          <a:bodyPr/>
-          <a:lstStyle/>
-          <a:p>
-            <a:fld id="{F1FB8C41-4CDB-4198-A8D3-A1352C87685A}" type="slidenum">
-              <a:t>‹nº›</a:t>
-            </a:fld>
-            <a:endParaRPr lang="pt-BR"/>
-          </a:p>
-        </p:txBody>
-      </p:sp>
-    </p:spTree>
-  </p:cSld>
-  <p:clrMapOvr>
-    <a:masterClrMapping/>
-  </p:clrMapOvr>
-  <p:hf sldNum="0" hdr="0" ftr="0" dt="0"/>
-</p:sldLayout>
-</file>
-
-<file path=ppt/slideLayouts/slideLayout8.xml><?xml version="1.0" encoding="utf-8"?>
-<p:sldLayout xmlns:a="http://schemas.openxmlformats.org/drawingml/2006/main" xmlns:r="http://schemas.openxmlformats.org/officeDocument/2006/relationships" xmlns:p="http://schemas.openxmlformats.org/presentationml/2006/main" type="objTx" preserve="1">
-  <p:cSld name="Conteúdo com Legenda">
-    <p:spTree>
-      <p:nvGrpSpPr>
-        <p:cNvPr id="1" name=""/>
-        <p:cNvGrpSpPr/>
-        <p:nvPr/>
-      </p:nvGrpSpPr>
-      <p:grpSpPr>
-        <a:xfrm>
-          <a:off x="0" y="0"/>
-          <a:ext cx="0" cy="0"/>
-          <a:chOff x="0" y="0"/>
-          <a:chExt cx="0" cy="0"/>
-        </a:xfrm>
-      </p:grpSpPr>
-      <p:sp>
-        <p:nvSpPr>
-          <p:cNvPr id="2" name="Título 1"/>
-          <p:cNvSpPr>
-            <a:spLocks noGrp="1"/>
-          </p:cNvSpPr>
-          <p:nvPr>
-            <p:ph type="title"/>
-          </p:nvPr>
-        </p:nvSpPr>
-        <p:spPr>
-          <a:xfrm>
-            <a:off x="609600" y="273050"/>
-            <a:ext cx="4011613" cy="1162050"/>
-          </a:xfrm>
-        </p:spPr>
-        <p:txBody>
-          <a:bodyPr anchor="b"/>
-          <a:lstStyle>
-            <a:lvl1pPr algn="l">
-              <a:defRPr sz="2000" b="1"/>
-            </a:lvl1pPr>
-          </a:lstStyle>
-          <a:p>
-            <a:r>
-              <a:rPr lang="pt-BR" smtClean="0"/>
-              <a:t>Clique para editar o estilo do título mestre</a:t>
-            </a:r>
-            <a:endParaRPr lang="pt-BR"/>
-          </a:p>
-        </p:txBody>
-      </p:sp>
-      <p:sp>
-        <p:nvSpPr>
-          <p:cNvPr id="3" name="Espaço Reservado para Conteúdo 2"/>
-          <p:cNvSpPr>
-            <a:spLocks noGrp="1"/>
-          </p:cNvSpPr>
-          <p:nvPr>
-            <p:ph idx="1"/>
-          </p:nvPr>
-        </p:nvSpPr>
-        <p:spPr>
-          <a:xfrm>
-            <a:off x="4767263" y="273050"/>
-            <a:ext cx="6815137" cy="5853113"/>
-          </a:xfrm>
-        </p:spPr>
-        <p:txBody>
-          <a:bodyPr/>
-          <a:lstStyle>
-            <a:lvl1pPr>
-              <a:defRPr sz="3200"/>
-            </a:lvl1pPr>
-            <a:lvl2pPr>
-              <a:defRPr sz="2800"/>
-            </a:lvl2pPr>
-            <a:lvl3pPr>
-              <a:defRPr sz="2400"/>
-            </a:lvl3pPr>
-            <a:lvl4pPr>
-              <a:defRPr sz="2000"/>
-            </a:lvl4pPr>
-            <a:lvl5pPr>
-              <a:defRPr sz="2000"/>
-            </a:lvl5pPr>
-            <a:lvl6pPr>
-              <a:defRPr sz="2000"/>
-            </a:lvl6pPr>
-            <a:lvl7pPr>
-              <a:defRPr sz="2000"/>
-            </a:lvl7pPr>
-            <a:lvl8pPr>
-              <a:defRPr sz="2000"/>
-            </a:lvl8pPr>
-            <a:lvl9pPr>
-              <a:defRPr sz="2000"/>
-            </a:lvl9pPr>
-          </a:lstStyle>
-          <a:p>
-            <a:pPr lvl="0"/>
-            <a:r>
-              <a:rPr lang="pt-BR" smtClean="0"/>
-              <a:t>Clique para editar os estilos do texto mestre</a:t>
-            </a:r>
-          </a:p>
-          <a:p>
-            <a:pPr lvl="1"/>
-            <a:r>
-              <a:rPr lang="pt-BR" smtClean="0"/>
-              <a:t>Segundo nível</a:t>
-            </a:r>
-          </a:p>
-          <a:p>
-            <a:pPr lvl="2"/>
-            <a:r>
-              <a:rPr lang="pt-BR" smtClean="0"/>
-              <a:t>Terceiro nível</a:t>
-            </a:r>
-          </a:p>
-          <a:p>
-            <a:pPr lvl="3"/>
-            <a:r>
-              <a:rPr lang="pt-BR" smtClean="0"/>
-              <a:t>Quarto nível</a:t>
-            </a:r>
-          </a:p>
-          <a:p>
-            <a:pPr lvl="4"/>
-            <a:r>
-              <a:rPr lang="pt-BR" smtClean="0"/>
-              <a:t>Quinto nível</a:t>
-            </a:r>
-            <a:endParaRPr lang="pt-BR"/>
-          </a:p>
-        </p:txBody>
-      </p:sp>
-      <p:sp>
-        <p:nvSpPr>
-          <p:cNvPr id="4" name="Espaço Reservado para Texto 3"/>
-          <p:cNvSpPr>
-            <a:spLocks noGrp="1"/>
-          </p:cNvSpPr>
-          <p:nvPr>
-            <p:ph type="body" sz="half" idx="2"/>
-          </p:nvPr>
-        </p:nvSpPr>
-        <p:spPr>
-          <a:xfrm>
-            <a:off x="609600" y="1435100"/>
-            <a:ext cx="4011613" cy="4691063"/>
-          </a:xfrm>
-        </p:spPr>
-        <p:txBody>
-          <a:bodyPr/>
-          <a:lstStyle>
-            <a:lvl1pPr marL="0" indent="0">
-              <a:buNone/>
-              <a:defRPr sz="1400"/>
-            </a:lvl1pPr>
-            <a:lvl2pPr marL="457200" indent="0">
-              <a:buNone/>
-              <a:defRPr sz="1200"/>
-            </a:lvl2pPr>
-            <a:lvl3pPr marL="914400" indent="0">
-              <a:buNone/>
-              <a:defRPr sz="1000"/>
-            </a:lvl3pPr>
-            <a:lvl4pPr marL="1371600" indent="0">
-              <a:buNone/>
-              <a:defRPr sz="900"/>
-            </a:lvl4pPr>
-            <a:lvl5pPr marL="1828800" indent="0">
-              <a:buNone/>
-              <a:defRPr sz="900"/>
-            </a:lvl5pPr>
-            <a:lvl6pPr marL="2286000" indent="0">
-              <a:buNone/>
-              <a:defRPr sz="900"/>
-            </a:lvl6pPr>
-            <a:lvl7pPr marL="2743200" indent="0">
-              <a:buNone/>
-              <a:defRPr sz="900"/>
-            </a:lvl7pPr>
-            <a:lvl8pPr marL="3200400" indent="0">
-              <a:buNone/>
-              <a:defRPr sz="900"/>
-            </a:lvl8pPr>
-            <a:lvl9pPr marL="3657600" indent="0">
-              <a:buNone/>
-              <a:defRPr sz="900"/>
-            </a:lvl9pPr>
-          </a:lstStyle>
-          <a:p>
-            <a:pPr lvl="0"/>
-            <a:r>
-              <a:rPr lang="pt-BR" smtClean="0"/>
-              <a:t>Clique para editar os estilos do texto mestre</a:t>
-            </a:r>
-          </a:p>
-        </p:txBody>
-      </p:sp>
-      <p:sp>
-        <p:nvSpPr>
-          <p:cNvPr id="5" name="Espaço Reservado para Data 4"/>
-          <p:cNvSpPr>
-            <a:spLocks noGrp="1"/>
-          </p:cNvSpPr>
-          <p:nvPr>
-            <p:ph type="dt" sz="half" idx="10"/>
-          </p:nvPr>
-        </p:nvSpPr>
-        <p:spPr/>
-        <p:txBody>
-          <a:bodyPr/>
-          <a:lstStyle/>
-          <a:p>
-            <a:fld id="{2D7B4112-132D-427F-853F-D83B376E39B9}" type="datetimeFigureOut">
-              <a:rPr lang="pt-BR" smtClean="0"/>
-              <a:t>14/04/2023</a:t>
-            </a:fld>
-            <a:endParaRPr lang="pt-BR"/>
-          </a:p>
-        </p:txBody>
-      </p:sp>
-      <p:sp>
-        <p:nvSpPr>
-          <p:cNvPr id="6" name="Espaço Reservado para Rodapé 5"/>
-          <p:cNvSpPr>
-            <a:spLocks noGrp="1"/>
-          </p:cNvSpPr>
-          <p:nvPr>
-            <p:ph type="ftr" sz="quarter" idx="11"/>
-          </p:nvPr>
-        </p:nvSpPr>
-        <p:spPr/>
-        <p:txBody>
-          <a:bodyPr/>
-          <a:lstStyle/>
-          <a:p>
-            <a:endParaRPr lang="pt-BR"/>
-          </a:p>
-        </p:txBody>
-      </p:sp>
-      <p:sp>
-        <p:nvSpPr>
-          <p:cNvPr id="7" name="Espaço Reservado para Número de Slide 6"/>
-          <p:cNvSpPr>
-            <a:spLocks noGrp="1"/>
-          </p:cNvSpPr>
-          <p:nvPr>
-            <p:ph type="sldNum" sz="quarter" idx="12"/>
-          </p:nvPr>
-        </p:nvSpPr>
-        <p:spPr/>
-        <p:txBody>
-          <a:bodyPr/>
-          <a:lstStyle/>
-          <a:p>
-            <a:fld id="{F28DEEF8-BA17-4BBC-8426-C1419829363A}" type="slidenum">
-              <a:t>‹nº›</a:t>
-            </a:fld>
-            <a:endParaRPr lang="pt-BR"/>
-          </a:p>
-        </p:txBody>
-      </p:sp>
-    </p:spTree>
-  </p:cSld>
-  <p:clrMapOvr>
-    <a:masterClrMapping/>
-  </p:clrMapOvr>
 </p:sldLayout>
 </file>
 
@@ -8838,10 +6500,7 @@
           <a:bodyPr/>
           <a:lstStyle/>
           <a:p>
-            <a:fld id="{2D7B4112-132D-427F-853F-D83B376E39B9}" type="datetimeFigureOut">
-              <a:rPr lang="pt-BR" smtClean="0"/>
-              <a:t>14/04/2023</a:t>
-            </a:fld>
+            <a:pPr lvl="0"/>
             <a:endParaRPr lang="pt-BR"/>
           </a:p>
         </p:txBody>
@@ -8861,7 +6520,8 @@
           <a:bodyPr/>
           <a:lstStyle/>
           <a:p>
-            <a:endParaRPr lang="pt-BR"/>
+            <a:pPr lvl="0"/>
+            <a:endParaRPr lang="en-US"/>
           </a:p>
         </p:txBody>
       </p:sp>
@@ -8880,7 +6540,10 @@
           <a:bodyPr/>
           <a:lstStyle/>
           <a:p>
-            <a:fld id="{33776875-FF5E-4894-89F7-D12090A997E4}" type="slidenum">
+            <a:pPr lvl="0"/>
+            <a:fld id="{78202F4C-9ADC-44FC-ADCE-2E95C085961E}" type="slidenum">
+              <a:rPr/>
+              <a:pPr lvl="0"/>
               <a:t>‹nº›</a:t>
             </a:fld>
             <a:endParaRPr lang="pt-BR"/>
@@ -8892,269 +6555,11 @@
   <p:clrMapOvr>
     <a:masterClrMapping/>
   </p:clrMapOvr>
+  <p:transition/>
 </p:sldLayout>
 </file>
 
 <file path=ppt/slideMasters/slideMaster1.xml><?xml version="1.0" encoding="utf-8"?>
-<p:sldMaster xmlns:a="http://schemas.openxmlformats.org/drawingml/2006/main" xmlns:r="http://schemas.openxmlformats.org/officeDocument/2006/relationships" xmlns:p="http://schemas.openxmlformats.org/presentationml/2006/main">
-  <p:cSld>
-    <p:bg>
-      <p:bgRef idx="1001">
-        <a:schemeClr val="bg1"/>
-      </p:bgRef>
-    </p:bg>
-    <p:spTree>
-      <p:nvGrpSpPr>
-        <p:cNvPr id="1" name=""/>
-        <p:cNvGrpSpPr/>
-        <p:nvPr/>
-      </p:nvGrpSpPr>
-      <p:grpSpPr>
-        <a:xfrm>
-          <a:off x="0" y="0"/>
-          <a:ext cx="0" cy="0"/>
-          <a:chOff x="0" y="0"/>
-          <a:chExt cx="0" cy="0"/>
-        </a:xfrm>
-      </p:grpSpPr>
-      <p:sp>
-        <p:nvSpPr>
-          <p:cNvPr id="2" name="Espaço Reservado para Título 1"/>
-          <p:cNvSpPr>
-            <a:spLocks noGrp="1"/>
-          </p:cNvSpPr>
-          <p:nvPr>
-            <p:ph type="title"/>
-          </p:nvPr>
-        </p:nvSpPr>
-        <p:spPr>
-          <a:xfrm>
-            <a:off x="609600" y="274638"/>
-            <a:ext cx="10972800" cy="1143000"/>
-          </a:xfrm>
-          <a:prstGeom prst="rect">
-            <a:avLst/>
-          </a:prstGeom>
-        </p:spPr>
-        <p:txBody>
-          <a:bodyPr vert="horz" lIns="91440" tIns="45720" rIns="91440" bIns="45720" rtlCol="0" anchor="ctr">
-            <a:normAutofit/>
-          </a:bodyPr>
-          <a:lstStyle/>
-          <a:p>
-            <a:r>
-              <a:rPr lang="pt-BR" smtClean="0"/>
-              <a:t>Clique para editar o estilo do título mestre</a:t>
-            </a:r>
-            <a:endParaRPr lang="pt-BR"/>
-          </a:p>
-        </p:txBody>
-      </p:sp>
-      <p:sp>
-        <p:nvSpPr>
-          <p:cNvPr id="3" name="Espaço Reservado para Texto 2"/>
-          <p:cNvSpPr>
-            <a:spLocks noGrp="1"/>
-          </p:cNvSpPr>
-          <p:nvPr>
-            <p:ph type="body" idx="1"/>
-          </p:nvPr>
-        </p:nvSpPr>
-        <p:spPr>
-          <a:xfrm>
-            <a:off x="609600" y="1600200"/>
-            <a:ext cx="10972800" cy="4525963"/>
-          </a:xfrm>
-          <a:prstGeom prst="rect">
-            <a:avLst/>
-          </a:prstGeom>
-        </p:spPr>
-        <p:txBody>
-          <a:bodyPr vert="horz" lIns="91440" tIns="45720" rIns="91440" bIns="45720" rtlCol="0">
-            <a:normAutofit/>
-          </a:bodyPr>
-          <a:lstStyle/>
-          <a:p>
-            <a:pPr lvl="0"/>
-            <a:r>
-              <a:rPr lang="pt-BR" smtClean="0"/>
-              <a:t>Clique para editar os estilos do texto mestre</a:t>
-            </a:r>
-          </a:p>
-          <a:p>
-            <a:pPr lvl="1"/>
-            <a:r>
-              <a:rPr lang="pt-BR" smtClean="0"/>
-              <a:t>Segundo nível</a:t>
-            </a:r>
-          </a:p>
-          <a:p>
-            <a:pPr lvl="2"/>
-            <a:r>
-              <a:rPr lang="pt-BR" smtClean="0"/>
-              <a:t>Terceiro nível</a:t>
-            </a:r>
-          </a:p>
-          <a:p>
-            <a:pPr lvl="3"/>
-            <a:r>
-              <a:rPr lang="pt-BR" smtClean="0"/>
-              <a:t>Quarto nível</a:t>
-            </a:r>
-          </a:p>
-          <a:p>
-            <a:pPr lvl="4"/>
-            <a:r>
-              <a:rPr lang="pt-BR" smtClean="0"/>
-              <a:t>Quinto nível</a:t>
-            </a:r>
-            <a:endParaRPr lang="pt-BR"/>
-          </a:p>
-        </p:txBody>
-      </p:sp>
-      <p:sp>
-        <p:nvSpPr>
-          <p:cNvPr id="4" name="Espaço Reservado para Data 3"/>
-          <p:cNvSpPr>
-            <a:spLocks noGrp="1"/>
-          </p:cNvSpPr>
-          <p:nvPr>
-            <p:ph type="dt" sz="half" idx="2"/>
-          </p:nvPr>
-        </p:nvSpPr>
-        <p:spPr>
-          <a:xfrm>
-            <a:off x="609600" y="6356350"/>
-            <a:ext cx="2844800" cy="365125"/>
-          </a:xfrm>
-          <a:prstGeom prst="rect">
-            <a:avLst/>
-          </a:prstGeom>
-        </p:spPr>
-        <p:txBody>
-          <a:bodyPr vert="horz" lIns="91440" tIns="45720" rIns="91440" bIns="45720" rtlCol="0" anchor="ctr"/>
-          <a:lstStyle>
-            <a:lvl1pPr algn="l">
-              <a:defRPr sz="1200">
-                <a:solidFill>
-                  <a:schemeClr val="tx1">
-                    <a:tint val="75000"/>
-                  </a:schemeClr>
-                </a:solidFill>
-              </a:defRPr>
-            </a:lvl1pPr>
-          </a:lstStyle>
-          <a:p>
-            <a:fld id="{2D7B4112-132D-427F-853F-D83B376E39B9}" type="datetimeFigureOut">
-              <a:rPr lang="pt-BR" smtClean="0"/>
-              <a:t>14/04/2023</a:t>
-            </a:fld>
-            <a:endParaRPr lang="pt-BR"/>
-          </a:p>
-        </p:txBody>
-      </p:sp>
-      <p:sp>
-        <p:nvSpPr>
-          <p:cNvPr id="5" name="Espaço Reservado para Rodapé 4"/>
-          <p:cNvSpPr>
-            <a:spLocks noGrp="1"/>
-          </p:cNvSpPr>
-          <p:nvPr>
-            <p:ph type="ftr" sz="quarter" idx="3"/>
-          </p:nvPr>
-        </p:nvSpPr>
-        <p:spPr>
-          <a:xfrm>
-            <a:off x="4165600" y="6356350"/>
-            <a:ext cx="3860800" cy="365125"/>
-          </a:xfrm>
-          <a:prstGeom prst="rect">
-            <a:avLst/>
-          </a:prstGeom>
-        </p:spPr>
-        <p:txBody>
-          <a:bodyPr vert="horz" lIns="91440" tIns="45720" rIns="91440" bIns="45720" rtlCol="0" anchor="ctr"/>
-          <a:lstStyle>
-            <a:lvl1pPr algn="ctr">
-              <a:defRPr sz="1200">
-                <a:solidFill>
-                  <a:schemeClr val="tx1">
-                    <a:tint val="75000"/>
-                  </a:schemeClr>
-                </a:solidFill>
-              </a:defRPr>
-            </a:lvl1pPr>
-          </a:lstStyle>
-          <a:p>
-            <a:endParaRPr lang="pt-BR"/>
-          </a:p>
-        </p:txBody>
-      </p:sp>
-      <p:sp>
-        <p:nvSpPr>
-          <p:cNvPr id="6" name="Espaço Reservado para Número de Slide 5"/>
-          <p:cNvSpPr>
-            <a:spLocks noGrp="1"/>
-          </p:cNvSpPr>
-          <p:nvPr>
-            <p:ph type="sldNum" sz="quarter" idx="4"/>
-          </p:nvPr>
-        </p:nvSpPr>
-        <p:spPr>
-          <a:xfrm>
-            <a:off x="8737600" y="6356350"/>
-            <a:ext cx="2844800" cy="365125"/>
-          </a:xfrm>
-          <a:prstGeom prst="rect">
-            <a:avLst/>
-          </a:prstGeom>
-        </p:spPr>
-        <p:txBody>
-          <a:bodyPr vert="horz" lIns="91440" tIns="45720" rIns="91440" bIns="45720" rtlCol="0" anchor="ctr"/>
-          <a:lstStyle>
-            <a:lvl1pPr algn="r">
-              <a:defRPr sz="1200">
-                <a:solidFill>
-                  <a:schemeClr val="tx1">
-                    <a:tint val="75000"/>
-                  </a:schemeClr>
-                </a:solidFill>
-              </a:defRPr>
-            </a:lvl1pPr>
-          </a:lstStyle>
-          <a:p>
-            <a:fld id="{93B22309-7154-44A4-940A-CEB82D394F78}" type="slidenum">
-              <a:t>‹nº›</a:t>
-            </a:fld>
-            <a:endParaRPr lang="pt-BR"/>
-          </a:p>
-        </p:txBody>
-      </p:sp>
-    </p:spTree>
-  </p:cSld>
-  <p:clrMap bg1="lt1" tx1="dk1" bg2="lt2" tx2="dk2" accent1="accent1" accent2="accent2" accent3="accent3" accent4="accent4" accent5="accent5" accent6="accent6" hlink="hlink" folHlink="folHlink"/>
-  <p:sldLayoutIdLst>
-    <p:sldLayoutId id="2147483649" r:id="rId1"/>
-    <p:sldLayoutId id="2147483650" r:id="rId2"/>
-    <p:sldLayoutId id="2147483651" r:id="rId3"/>
-    <p:sldLayoutId id="2147483652" r:id="rId4"/>
-    <p:sldLayoutId id="2147483653" r:id="rId5"/>
-    <p:sldLayoutId id="2147483654" r:id="rId6"/>
-    <p:sldLayoutId id="2147483655" r:id="rId7"/>
-    <p:sldLayoutId id="2147483656" r:id="rId8"/>
-    <p:sldLayoutId id="2147483657" r:id="rId9"/>
-    <p:sldLayoutId id="2147483658" r:id="rId10"/>
-    <p:sldLayoutId id="2147483659" r:id="rId11"/>
-  </p:sldLayoutIdLst>
-  <p:txStyles>
-    <p:titleStyle/>
-    <p:bodyStyle/>
-    <p:otherStyle/>
-  </p:txStyles>
-</p:sldMaster>
-</file>
-
-<file path=ppt/slideMasters/slideMaster2.xml><?xml version="1.0" encoding="utf-8"?>
 <p:sldMaster xmlns:a="http://schemas.openxmlformats.org/drawingml/2006/main" xmlns:r="http://schemas.openxmlformats.org/officeDocument/2006/relationships" xmlns:p="http://schemas.openxmlformats.org/presentationml/2006/main">
   <p:cSld>
     <p:bg>
@@ -9887,6 +7292,8 @@
           <a:p>
             <a:pPr lvl="0"/>
             <a:fld id="{8C3DA0FB-0214-458C-8CF9-8954A184F82C}" type="slidenum">
+              <a:rPr/>
+              <a:pPr lvl="0"/>
               <a:t>‹nº›</a:t>
             </a:fld>
             <a:endParaRPr lang="pt-BR"/>
@@ -10094,7 +7501,7 @@
 </p:sldMaster>
 </file>
 
-<file path=ppt/slideMasters/slideMaster3.xml><?xml version="1.0" encoding="utf-8"?>
+<file path=ppt/slideMasters/slideMaster2.xml><?xml version="1.0" encoding="utf-8"?>
 <p:sldMaster xmlns:a="http://schemas.openxmlformats.org/drawingml/2006/main" xmlns:r="http://schemas.openxmlformats.org/officeDocument/2006/relationships" xmlns:p="http://schemas.openxmlformats.org/presentationml/2006/main">
   <p:cSld>
     <p:bg>
@@ -11137,6 +8544,8 @@
           <a:p>
             <a:pPr lvl="0"/>
             <a:fld id="{8653DAC6-3DD2-43FE-847B-2664B2AAA77A}" type="slidenum">
+              <a:rPr/>
+              <a:pPr lvl="0"/>
               <a:t>‹nº›</a:t>
             </a:fld>
             <a:endParaRPr lang="pt-BR"/>
@@ -11328,437 +8737,6 @@
 
 <file path=ppt/slides/slide1.xml><?xml version="1.0" encoding="utf-8"?>
 <p:sld xmlns:a="http://schemas.openxmlformats.org/drawingml/2006/main" xmlns:r="http://schemas.openxmlformats.org/officeDocument/2006/relationships" xmlns:p="http://schemas.openxmlformats.org/presentationml/2006/main">
-  <p:cSld name="Projeto XPTO">
-    <p:spTree>
-      <p:nvGrpSpPr>
-        <p:cNvPr id="1" name=""/>
-        <p:cNvGrpSpPr/>
-        <p:nvPr/>
-      </p:nvGrpSpPr>
-      <p:grpSpPr>
-        <a:xfrm>
-          <a:off x="0" y="0"/>
-          <a:ext cx="0" cy="0"/>
-          <a:chOff x="0" y="0"/>
-          <a:chExt cx="0" cy="0"/>
-        </a:xfrm>
-      </p:grpSpPr>
-      <p:sp>
-        <p:nvSpPr>
-          <p:cNvPr id="2" name="Título 1"/>
-          <p:cNvSpPr txBox="1">
-            <a:spLocks noGrp="1"/>
-          </p:cNvSpPr>
-          <p:nvPr>
-            <p:ph type="title" idx="4294967295"/>
-          </p:nvPr>
-        </p:nvSpPr>
-        <p:spPr>
-          <a:xfrm>
-            <a:off x="228600" y="4960079"/>
-            <a:ext cx="7772039" cy="1462680"/>
-          </a:xfrm>
-          <a:noFill/>
-          <a:ln>
-            <a:noFill/>
-          </a:ln>
-        </p:spPr>
-        <p:txBody>
-          <a:bodyPr wrap="square"/>
-          <a:lstStyle>
-            <a:defPPr lvl="0">
-              <a:buSzPct val="45000"/>
-              <a:buFont typeface="StarSymbol"/>
-              <a:buNone/>
-            </a:defPPr>
-            <a:lvl1pPr lvl="0">
-              <a:buSzPct val="45000"/>
-              <a:buFont typeface="StarSymbol"/>
-              <a:buChar char="●"/>
-            </a:lvl1pPr>
-            <a:lvl2pPr lvl="1">
-              <a:buSzPct val="45000"/>
-              <a:buFont typeface="StarSymbol"/>
-              <a:buChar char="●"/>
-            </a:lvl2pPr>
-            <a:lvl3pPr lvl="2">
-              <a:buSzPct val="45000"/>
-              <a:buFont typeface="StarSymbol"/>
-              <a:buChar char="●"/>
-            </a:lvl3pPr>
-            <a:lvl4pPr lvl="3">
-              <a:buSzPct val="45000"/>
-              <a:buFont typeface="StarSymbol"/>
-              <a:buChar char="●"/>
-            </a:lvl4pPr>
-            <a:lvl5pPr lvl="4">
-              <a:buSzPct val="45000"/>
-              <a:buFont typeface="StarSymbol"/>
-              <a:buChar char="●"/>
-            </a:lvl5pPr>
-            <a:lvl6pPr lvl="5">
-              <a:buSzPct val="45000"/>
-              <a:buFont typeface="StarSymbol"/>
-              <a:buChar char="●"/>
-            </a:lvl6pPr>
-            <a:lvl7pPr lvl="6">
-              <a:buSzPct val="45000"/>
-              <a:buFont typeface="StarSymbol"/>
-              <a:buChar char="●"/>
-            </a:lvl7pPr>
-            <a:lvl8pPr lvl="7">
-              <a:buSzPct val="45000"/>
-              <a:buFont typeface="StarSymbol"/>
-              <a:buChar char="●"/>
-            </a:lvl8pPr>
-            <a:lvl9pPr lvl="8">
-              <a:buSzPct val="45000"/>
-              <a:buFont typeface="StarSymbol"/>
-              <a:buChar char="●"/>
-            </a:lvl9pPr>
-          </a:lstStyle>
-          <a:p>
-            <a:pPr lvl="0" algn="r" rtl="0">
-              <a:lnSpc>
-                <a:spcPct val="80000"/>
-              </a:lnSpc>
-              <a:buNone/>
-            </a:pPr>
-            <a:r>
-              <a:rPr lang="pt-BR" sz="5000" kern="1200" cap="all" spc="201" dirty="0" smtClean="0">
-                <a:solidFill>
-                  <a:srgbClr val="0D0D0D"/>
-                </a:solidFill>
-                <a:highlight>
-                  <a:scrgbClr r="0" g="0" b="0">
-                    <a:alpha val="0"/>
-                  </a:scrgbClr>
-                </a:highlight>
-                <a:latin typeface="Tw Cen MT Condensed"/>
-                <a:ea typeface="Microsoft YaHei" pitchFamily="2"/>
-                <a:cs typeface="Arial" pitchFamily="2"/>
-              </a:rPr>
-              <a:t>Projeto RHYTHMICITY</a:t>
-            </a:r>
-            <a:endParaRPr lang="pt-BR" sz="5000" kern="1200" cap="all" spc="201" dirty="0">
-              <a:solidFill>
-                <a:srgbClr val="0D0D0D"/>
-              </a:solidFill>
-              <a:highlight>
-                <a:scrgbClr r="0" g="0" b="0">
-                  <a:alpha val="0"/>
-                </a:scrgbClr>
-              </a:highlight>
-              <a:latin typeface="Tw Cen MT Condensed"/>
-              <a:ea typeface="Microsoft YaHei" pitchFamily="2"/>
-              <a:cs typeface="Arial" pitchFamily="2"/>
-            </a:endParaRPr>
-          </a:p>
-        </p:txBody>
-      </p:sp>
-      <p:sp>
-        <p:nvSpPr>
-          <p:cNvPr id="3" name="Subtítulo 2"/>
-          <p:cNvSpPr txBox="1">
-            <a:spLocks noGrp="1"/>
-          </p:cNvSpPr>
-          <p:nvPr>
-            <p:ph type="subTitle" idx="4294967295"/>
-          </p:nvPr>
-        </p:nvSpPr>
-        <p:spPr>
-          <a:xfrm>
-            <a:off x="8610480" y="4960079"/>
-            <a:ext cx="3200040" cy="1462680"/>
-          </a:xfrm>
-          <a:noFill/>
-          <a:ln>
-            <a:noFill/>
-          </a:ln>
-        </p:spPr>
-        <p:txBody>
-          <a:bodyPr wrap="square" anchor="ctr">
-            <a:normAutofit fontScale="92500" lnSpcReduction="10000"/>
-          </a:bodyPr>
-          <a:lstStyle>
-            <a:defPPr lvl="0">
-              <a:buSzPct val="45000"/>
-              <a:buFont typeface="StarSymbol"/>
-              <a:buNone/>
-            </a:defPPr>
-            <a:lvl1pPr lvl="0">
-              <a:buSzPct val="45000"/>
-              <a:buFont typeface="StarSymbol"/>
-              <a:buChar char="●"/>
-            </a:lvl1pPr>
-            <a:lvl2pPr lvl="1">
-              <a:buSzPct val="45000"/>
-              <a:buFont typeface="StarSymbol"/>
-              <a:buChar char="●"/>
-            </a:lvl2pPr>
-            <a:lvl3pPr lvl="2">
-              <a:buSzPct val="45000"/>
-              <a:buFont typeface="StarSymbol"/>
-              <a:buChar char="●"/>
-            </a:lvl3pPr>
-            <a:lvl4pPr lvl="3">
-              <a:buSzPct val="45000"/>
-              <a:buFont typeface="StarSymbol"/>
-              <a:buChar char="●"/>
-            </a:lvl4pPr>
-            <a:lvl5pPr lvl="4">
-              <a:buSzPct val="45000"/>
-              <a:buFont typeface="StarSymbol"/>
-              <a:buChar char="●"/>
-            </a:lvl5pPr>
-            <a:lvl6pPr lvl="5">
-              <a:buSzPct val="45000"/>
-              <a:buFont typeface="StarSymbol"/>
-              <a:buChar char="●"/>
-            </a:lvl6pPr>
-            <a:lvl7pPr lvl="6">
-              <a:buSzPct val="45000"/>
-              <a:buFont typeface="StarSymbol"/>
-              <a:buChar char="●"/>
-            </a:lvl7pPr>
-            <a:lvl8pPr lvl="7">
-              <a:buSzPct val="45000"/>
-              <a:buFont typeface="StarSymbol"/>
-              <a:buChar char="●"/>
-            </a:lvl8pPr>
-            <a:lvl9pPr lvl="8">
-              <a:buSzPct val="45000"/>
-              <a:buFont typeface="StarSymbol"/>
-              <a:buChar char="●"/>
-            </a:lvl9pPr>
-          </a:lstStyle>
-          <a:p>
-            <a:pPr lvl="0" algn="l" rtl="0">
-              <a:spcAft>
-                <a:spcPts val="201"/>
-              </a:spcAft>
-              <a:buNone/>
-              <a:tabLst>
-                <a:tab pos="0" algn="l"/>
-              </a:tabLst>
-            </a:pPr>
-            <a:r>
-              <a:rPr lang="pt-BR" sz="2400" b="1" kern="1200">
-                <a:solidFill>
-                  <a:srgbClr val="0D0D0D"/>
-                </a:solidFill>
-                <a:highlight>
-                  <a:scrgbClr r="0" g="0" b="0">
-                    <a:alpha val="0"/>
-                  </a:scrgbClr>
-                </a:highlight>
-                <a:latin typeface="Tw Cen MT" pitchFamily="18"/>
-                <a:ea typeface="Microsoft YaHei" pitchFamily="2"/>
-                <a:cs typeface="Arial" pitchFamily="2"/>
-              </a:rPr>
-              <a:t>Equipe</a:t>
-            </a:r>
-          </a:p>
-          <a:p>
-            <a:pPr lvl="0" algn="l" rtl="0">
-              <a:spcAft>
-                <a:spcPts val="201"/>
-              </a:spcAft>
-              <a:buClr>
-                <a:srgbClr val="1CADE4"/>
-              </a:buClr>
-              <a:buSzPct val="100000"/>
-              <a:buFont typeface="Arial" pitchFamily="34"/>
-              <a:buChar char="•"/>
-              <a:tabLst>
-                <a:tab pos="0" algn="l"/>
-              </a:tabLst>
-            </a:pPr>
-            <a:r>
-              <a:rPr lang="pt-BR" kern="1200">
-                <a:solidFill>
-                  <a:srgbClr val="0D0D0D"/>
-                </a:solidFill>
-                <a:highlight>
-                  <a:scrgbClr r="0" g="0" b="0">
-                    <a:alpha val="0"/>
-                  </a:scrgbClr>
-                </a:highlight>
-                <a:latin typeface="Tw Cen MT" pitchFamily="18"/>
-                <a:ea typeface="Microsoft YaHei" pitchFamily="2"/>
-                <a:cs typeface="Arial" pitchFamily="2"/>
-              </a:rPr>
-              <a:t>Felipe Vilhena</a:t>
-            </a:r>
-          </a:p>
-          <a:p>
-            <a:pPr lvl="0" algn="l" rtl="0">
-              <a:spcAft>
-                <a:spcPts val="201"/>
-              </a:spcAft>
-              <a:buClr>
-                <a:srgbClr val="1CADE4"/>
-              </a:buClr>
-              <a:buSzPct val="100000"/>
-              <a:buFont typeface="Arial" pitchFamily="34"/>
-              <a:buChar char="•"/>
-              <a:tabLst>
-                <a:tab pos="0" algn="l"/>
-              </a:tabLst>
-            </a:pPr>
-            <a:r>
-              <a:rPr lang="pt-BR" kern="1200">
-                <a:solidFill>
-                  <a:srgbClr val="0D0D0D"/>
-                </a:solidFill>
-                <a:highlight>
-                  <a:scrgbClr r="0" g="0" b="0">
-                    <a:alpha val="0"/>
-                  </a:scrgbClr>
-                </a:highlight>
-                <a:latin typeface="Tw Cen MT" pitchFamily="18"/>
-                <a:ea typeface="Microsoft YaHei" pitchFamily="2"/>
-                <a:cs typeface="Arial" pitchFamily="2"/>
-              </a:rPr>
-              <a:t>Lucas Hauck</a:t>
-            </a:r>
-          </a:p>
-          <a:p>
-            <a:pPr lvl="0" algn="l" rtl="0">
-              <a:spcAft>
-                <a:spcPts val="201"/>
-              </a:spcAft>
-              <a:buClr>
-                <a:srgbClr val="1CADE4"/>
-              </a:buClr>
-              <a:buSzPct val="100000"/>
-              <a:buFont typeface="Arial" pitchFamily="34"/>
-              <a:buChar char="•"/>
-              <a:tabLst>
-                <a:tab pos="0" algn="l"/>
-              </a:tabLst>
-            </a:pPr>
-            <a:r>
-              <a:rPr lang="pt-BR" kern="1200">
-                <a:solidFill>
-                  <a:srgbClr val="0D0D0D"/>
-                </a:solidFill>
-                <a:highlight>
-                  <a:scrgbClr r="0" g="0" b="0">
-                    <a:alpha val="0"/>
-                  </a:scrgbClr>
-                </a:highlight>
-                <a:latin typeface="Tw Cen MT" pitchFamily="18"/>
-                <a:ea typeface="Microsoft YaHei" pitchFamily="2"/>
-                <a:cs typeface="Arial" pitchFamily="2"/>
-              </a:rPr>
-              <a:t>Gabriel Apocalypse</a:t>
-            </a:r>
-          </a:p>
-          <a:p>
-            <a:pPr lvl="0" algn="l" rtl="0">
-              <a:spcAft>
-                <a:spcPts val="201"/>
-              </a:spcAft>
-              <a:buClr>
-                <a:srgbClr val="1CADE4"/>
-              </a:buClr>
-              <a:buSzPct val="100000"/>
-              <a:buFont typeface="Arial" pitchFamily="34"/>
-              <a:buChar char="•"/>
-              <a:tabLst>
-                <a:tab pos="0" algn="l"/>
-              </a:tabLst>
-            </a:pPr>
-            <a:r>
-              <a:rPr lang="pt-BR" kern="1200">
-                <a:solidFill>
-                  <a:srgbClr val="0D0D0D"/>
-                </a:solidFill>
-                <a:highlight>
-                  <a:scrgbClr r="0" g="0" b="0">
-                    <a:alpha val="0"/>
-                  </a:scrgbClr>
-                </a:highlight>
-                <a:latin typeface="Tw Cen MT" pitchFamily="18"/>
-                <a:ea typeface="Microsoft YaHei" pitchFamily="2"/>
-                <a:cs typeface="Arial" pitchFamily="2"/>
-              </a:rPr>
-              <a:t>Luiz Segolin</a:t>
-            </a:r>
-          </a:p>
-        </p:txBody>
-      </p:sp>
-      <p:pic>
-        <p:nvPicPr>
-          <p:cNvPr id="5123" name="Picture 3" descr="C:\Users\michele\Desktop\Material PUC 1º sem\T.I Front-End\rhythmicity logomarca.png"/>
-          <p:cNvPicPr>
-            <a:picLocks noChangeAspect="1" noChangeArrowheads="1"/>
-          </p:cNvPicPr>
-          <p:nvPr/>
-        </p:nvPicPr>
-        <p:blipFill>
-          <a:blip r:embed="rId3" cstate="print"/>
-          <a:srcRect/>
-          <a:stretch>
-            <a:fillRect/>
-          </a:stretch>
-        </p:blipFill>
-        <p:spPr bwMode="auto">
-          <a:xfrm>
-            <a:off x="2063552" y="5301208"/>
-            <a:ext cx="1117549" cy="887860"/>
-          </a:xfrm>
-          <a:prstGeom prst="rect">
-            <a:avLst/>
-          </a:prstGeom>
-          <a:noFill/>
-        </p:spPr>
-      </p:pic>
-      <p:pic>
-        <p:nvPicPr>
-          <p:cNvPr id="5124" name="Picture 4" descr="C:\Users\michele\Desktop\Material PUC 1º sem\T.I Front-End\rhythmicity logotipo.png"/>
-          <p:cNvPicPr>
-            <a:picLocks noChangeAspect="1" noChangeArrowheads="1"/>
-          </p:cNvPicPr>
-          <p:nvPr/>
-        </p:nvPicPr>
-        <p:blipFill>
-          <a:blip r:embed="rId4" cstate="print"/>
-          <a:srcRect/>
-          <a:stretch>
-            <a:fillRect/>
-          </a:stretch>
-        </p:blipFill>
-        <p:spPr bwMode="auto">
-          <a:xfrm>
-            <a:off x="1559496" y="1412776"/>
-            <a:ext cx="8740530" cy="1453741"/>
-          </a:xfrm>
-          <a:prstGeom prst="rect">
-            <a:avLst/>
-          </a:prstGeom>
-          <a:noFill/>
-        </p:spPr>
-      </p:pic>
-    </p:spTree>
-  </p:cSld>
-  <p:clrMapOvr>
-    <a:masterClrMapping/>
-  </p:clrMapOvr>
-  <p:transition/>
-  <p:timing>
-    <p:tnLst>
-      <p:par>
-        <p:cTn id="1" dur="indefinite" restart="never" nodeType="tmRoot"/>
-      </p:par>
-    </p:tnLst>
-  </p:timing>
-</p:sld>
-</file>
-
-<file path=ppt/slides/slide10.xml><?xml version="1.0" encoding="utf-8"?>
-<p:sld xmlns:a="http://schemas.openxmlformats.org/drawingml/2006/main" xmlns:r="http://schemas.openxmlformats.org/officeDocument/2006/relationships" xmlns:p="http://schemas.openxmlformats.org/presentationml/2006/main">
   <p:cSld name="Projeto XPTO (2)">
     <p:spTree>
       <p:nvGrpSpPr>
@@ -12190,7 +9168,7 @@
               <a:buNone/>
             </a:pPr>
             <a:r>
-              <a:rPr lang="pt-BR" sz="2400" b="1">
+              <a:rPr lang="pt-BR" sz="2400" b="1" dirty="0">
                 <a:solidFill>
                   <a:srgbClr val="0D0D0D"/>
                 </a:solidFill>
@@ -12212,13 +9190,26 @@
               <a:buNone/>
             </a:pPr>
             <a:r>
-              <a:rPr lang="pt-BR" sz="1800">
+              <a:rPr lang="pt-BR" sz="1800" dirty="0">
                 <a:solidFill>
                   <a:srgbClr val="0D0D0D"/>
                 </a:solidFill>
               </a:rPr>
-              <a:t>Felipe Vilhena</a:t>
-            </a:r>
+              <a:t>Felipe </a:t>
+            </a:r>
+            <a:r>
+              <a:rPr lang="pt-BR" sz="1800" dirty="0" err="1">
+                <a:solidFill>
+                  <a:srgbClr val="0D0D0D"/>
+                </a:solidFill>
+              </a:rPr>
+              <a:t>Vilhena</a:t>
+            </a:r>
+            <a:endParaRPr lang="pt-BR" sz="1800">
+              <a:solidFill>
+                <a:srgbClr val="0D0D0D"/>
+              </a:solidFill>
+            </a:endParaRPr>
           </a:p>
           <a:p>
             <a:pPr marL="0" lvl="0" indent="0">
@@ -12319,7 +9310,7 @@
           <a:blip r:embed="rId3" cstate="print">
             <a:extLst>
               <a:ext uri="{28A0092B-C50C-407E-A947-70E740481C1C}">
-                <a14:useLocalDpi xmlns:a14="http://schemas.microsoft.com/office/drawing/2010/main" val="0"/>
+                <a14:useLocalDpi xmlns:a14="http://schemas.microsoft.com/office/drawing/2010/main" xmlns="" val="0"/>
               </a:ext>
             </a:extLst>
           </a:blip>
@@ -12397,7 +9388,7 @@
           <a:blip r:embed="rId4" cstate="print">
             <a:extLst>
               <a:ext uri="{28A0092B-C50C-407E-A947-70E740481C1C}">
-                <a14:useLocalDpi xmlns:a14="http://schemas.microsoft.com/office/drawing/2010/main" val="0"/>
+                <a14:useLocalDpi xmlns:a14="http://schemas.microsoft.com/office/drawing/2010/main" xmlns="" val="0"/>
               </a:ext>
             </a:extLst>
           </a:blip>
@@ -12414,6 +9405,579 @@
           </a:prstGeom>
         </p:spPr>
       </p:pic>
+    </p:spTree>
+  </p:cSld>
+  <p:clrMapOvr>
+    <a:masterClrMapping/>
+  </p:clrMapOvr>
+  <p:transition/>
+  <p:timing>
+    <p:tnLst>
+      <p:par>
+        <p:cTn id="1" dur="indefinite" restart="never" nodeType="tmRoot"/>
+      </p:par>
+    </p:tnLst>
+  </p:timing>
+</p:sld>
+</file>
+
+<file path=ppt/slides/slide10.xml><?xml version="1.0" encoding="utf-8"?>
+<p:sld xmlns:a="http://schemas.openxmlformats.org/drawingml/2006/main" xmlns:r="http://schemas.openxmlformats.org/officeDocument/2006/relationships" xmlns:p="http://schemas.openxmlformats.org/presentationml/2006/main">
+  <p:cSld>
+    <p:spTree>
+      <p:nvGrpSpPr>
+        <p:cNvPr id="1" name=""/>
+        <p:cNvGrpSpPr/>
+        <p:nvPr/>
+      </p:nvGrpSpPr>
+      <p:grpSpPr>
+        <a:xfrm>
+          <a:off x="0" y="0"/>
+          <a:ext cx="0" cy="0"/>
+          <a:chOff x="0" y="0"/>
+          <a:chExt cx="0" cy="0"/>
+        </a:xfrm>
+      </p:grpSpPr>
+      <p:sp>
+        <p:nvSpPr>
+          <p:cNvPr id="2" name="Título 1"/>
+          <p:cNvSpPr txBox="1">
+            <a:spLocks noGrp="1"/>
+          </p:cNvSpPr>
+          <p:nvPr>
+            <p:ph type="title" idx="4294967295"/>
+          </p:nvPr>
+        </p:nvSpPr>
+        <p:spPr/>
+        <p:txBody>
+          <a:bodyPr/>
+          <a:lstStyle>
+            <a:defPPr lvl="0">
+              <a:buSzPct val="45000"/>
+              <a:buFont typeface="StarSymbol"/>
+              <a:buNone/>
+            </a:defPPr>
+            <a:lvl1pPr lvl="0">
+              <a:buSzPct val="45000"/>
+              <a:buFont typeface="StarSymbol"/>
+              <a:buChar char="●"/>
+            </a:lvl1pPr>
+            <a:lvl2pPr lvl="1">
+              <a:buSzPct val="45000"/>
+              <a:buFont typeface="StarSymbol"/>
+              <a:buChar char="●"/>
+            </a:lvl2pPr>
+            <a:lvl3pPr lvl="2">
+              <a:buSzPct val="45000"/>
+              <a:buFont typeface="StarSymbol"/>
+              <a:buChar char="●"/>
+            </a:lvl3pPr>
+            <a:lvl4pPr lvl="3">
+              <a:buSzPct val="45000"/>
+              <a:buFont typeface="StarSymbol"/>
+              <a:buChar char="●"/>
+            </a:lvl4pPr>
+            <a:lvl5pPr lvl="4">
+              <a:buSzPct val="45000"/>
+              <a:buFont typeface="StarSymbol"/>
+              <a:buChar char="●"/>
+            </a:lvl5pPr>
+            <a:lvl6pPr lvl="5">
+              <a:buSzPct val="45000"/>
+              <a:buFont typeface="StarSymbol"/>
+              <a:buChar char="●"/>
+            </a:lvl6pPr>
+            <a:lvl7pPr lvl="6">
+              <a:buSzPct val="45000"/>
+              <a:buFont typeface="StarSymbol"/>
+              <a:buChar char="●"/>
+            </a:lvl7pPr>
+            <a:lvl8pPr lvl="7">
+              <a:buSzPct val="45000"/>
+              <a:buFont typeface="StarSymbol"/>
+              <a:buChar char="●"/>
+            </a:lvl8pPr>
+            <a:lvl9pPr lvl="8">
+              <a:buSzPct val="45000"/>
+              <a:buFont typeface="StarSymbol"/>
+              <a:buChar char="●"/>
+            </a:lvl9pPr>
+          </a:lstStyle>
+          <a:p>
+            <a:pPr lvl="0">
+              <a:buNone/>
+            </a:pPr>
+            <a:r>
+              <a:rPr lang="pt-BR" dirty="0" smtClean="0"/>
+              <a:t>Metodologia</a:t>
+            </a:r>
+            <a:endParaRPr lang="pt-BR" dirty="0"/>
+          </a:p>
+        </p:txBody>
+      </p:sp>
+      <p:sp>
+        <p:nvSpPr>
+          <p:cNvPr id="3" name="Espaço Reservado para Conteúdo 2"/>
+          <p:cNvSpPr txBox="1">
+            <a:spLocks noGrp="1"/>
+          </p:cNvSpPr>
+          <p:nvPr>
+            <p:ph type="body" idx="4294967295"/>
+          </p:nvPr>
+        </p:nvSpPr>
+        <p:spPr/>
+        <p:txBody>
+          <a:bodyPr/>
+          <a:lstStyle>
+            <a:defPPr marL="432000" lvl="0" indent="-324000" algn="l" rtl="0" hangingPunct="1">
+              <a:lnSpc>
+                <a:spcPct val="90000"/>
+              </a:lnSpc>
+              <a:spcBef>
+                <a:spcPts val="1417"/>
+              </a:spcBef>
+              <a:spcAft>
+                <a:spcPts val="0"/>
+              </a:spcAft>
+              <a:buSzPct val="45000"/>
+              <a:buFont typeface="StarSymbol"/>
+              <a:buNone/>
+              <a:defRPr lang="en-US" sz="2200" b="0" i="0" u="none" strike="noStrike" kern="1200" cap="none" spc="0" baseline="0">
+                <a:ln>
+                  <a:noFill/>
+                </a:ln>
+                <a:solidFill>
+                  <a:srgbClr val="000000"/>
+                </a:solidFill>
+                <a:highlight>
+                  <a:scrgbClr r="0" g="0" b="0">
+                    <a:alpha val="0"/>
+                  </a:scrgbClr>
+                </a:highlight>
+                <a:latin typeface="Tw Cen MT"/>
+                <a:ea typeface="Microsoft YaHei" pitchFamily="2"/>
+                <a:cs typeface="Arial" pitchFamily="2"/>
+              </a:defRPr>
+            </a:defPPr>
+            <a:lvl1pPr marL="432000" lvl="0" indent="-324000" algn="l" rtl="0" hangingPunct="1">
+              <a:lnSpc>
+                <a:spcPct val="90000"/>
+              </a:lnSpc>
+              <a:spcBef>
+                <a:spcPts val="1417"/>
+              </a:spcBef>
+              <a:spcAft>
+                <a:spcPts val="0"/>
+              </a:spcAft>
+              <a:buSzPct val="45000"/>
+              <a:buFont typeface="StarSymbol"/>
+              <a:buChar char="●"/>
+              <a:defRPr lang="en-US" sz="2200" b="0" i="0" u="none" strike="noStrike" kern="1200" cap="none" spc="0" baseline="0">
+                <a:ln>
+                  <a:noFill/>
+                </a:ln>
+                <a:solidFill>
+                  <a:srgbClr val="000000"/>
+                </a:solidFill>
+                <a:highlight>
+                  <a:scrgbClr r="0" g="0" b="0">
+                    <a:alpha val="0"/>
+                  </a:scrgbClr>
+                </a:highlight>
+                <a:latin typeface="Tw Cen MT"/>
+                <a:ea typeface="Microsoft YaHei" pitchFamily="2"/>
+                <a:cs typeface="Arial" pitchFamily="2"/>
+              </a:defRPr>
+            </a:lvl1pPr>
+            <a:lvl2pPr marL="864000" lvl="1" indent="-324000" algn="l" rtl="0" hangingPunct="1">
+              <a:lnSpc>
+                <a:spcPct val="90000"/>
+              </a:lnSpc>
+              <a:spcBef>
+                <a:spcPts val="1134"/>
+              </a:spcBef>
+              <a:spcAft>
+                <a:spcPts val="0"/>
+              </a:spcAft>
+              <a:buSzPct val="75000"/>
+              <a:buFont typeface="StarSymbol"/>
+              <a:buChar char="–"/>
+              <a:defRPr lang="en-US" sz="1400" b="0" i="0" u="none" strike="noStrike" kern="1200" cap="none" spc="0" baseline="0">
+                <a:ln>
+                  <a:noFill/>
+                </a:ln>
+                <a:solidFill>
+                  <a:srgbClr val="000000"/>
+                </a:solidFill>
+                <a:highlight>
+                  <a:scrgbClr r="0" g="0" b="0">
+                    <a:alpha val="0"/>
+                  </a:scrgbClr>
+                </a:highlight>
+                <a:latin typeface="Tw Cen MT"/>
+                <a:ea typeface="Microsoft YaHei" pitchFamily="2"/>
+                <a:cs typeface="Arial" pitchFamily="2"/>
+              </a:defRPr>
+            </a:lvl2pPr>
+            <a:lvl3pPr marL="1295999" lvl="2" indent="-288000" algn="l" rtl="0" hangingPunct="1">
+              <a:lnSpc>
+                <a:spcPct val="90000"/>
+              </a:lnSpc>
+              <a:spcBef>
+                <a:spcPts val="850"/>
+              </a:spcBef>
+              <a:spcAft>
+                <a:spcPts val="0"/>
+              </a:spcAft>
+              <a:buSzPct val="45000"/>
+              <a:buFont typeface="StarSymbol"/>
+              <a:buChar char="●"/>
+              <a:defRPr lang="en-US" sz="1400" b="0" i="0" u="none" strike="noStrike" kern="1200" cap="none" spc="0" baseline="0">
+                <a:ln>
+                  <a:noFill/>
+                </a:ln>
+                <a:solidFill>
+                  <a:srgbClr val="000000"/>
+                </a:solidFill>
+                <a:highlight>
+                  <a:scrgbClr r="0" g="0" b="0">
+                    <a:alpha val="0"/>
+                  </a:scrgbClr>
+                </a:highlight>
+                <a:latin typeface="Tw Cen MT"/>
+                <a:ea typeface="Microsoft YaHei" pitchFamily="2"/>
+                <a:cs typeface="Arial" pitchFamily="2"/>
+              </a:defRPr>
+            </a:lvl3pPr>
+            <a:lvl4pPr marL="1728000" lvl="3" indent="-216000" algn="l" rtl="0" hangingPunct="1">
+              <a:lnSpc>
+                <a:spcPct val="90000"/>
+              </a:lnSpc>
+              <a:spcBef>
+                <a:spcPts val="567"/>
+              </a:spcBef>
+              <a:spcAft>
+                <a:spcPts val="0"/>
+              </a:spcAft>
+              <a:buSzPct val="75000"/>
+              <a:buFont typeface="StarSymbol"/>
+              <a:buChar char="–"/>
+              <a:defRPr lang="en-US" sz="1400" b="0" i="0" u="none" strike="noStrike" kern="1200" cap="none" spc="0" baseline="0">
+                <a:ln>
+                  <a:noFill/>
+                </a:ln>
+                <a:solidFill>
+                  <a:srgbClr val="000000"/>
+                </a:solidFill>
+                <a:highlight>
+                  <a:scrgbClr r="0" g="0" b="0">
+                    <a:alpha val="0"/>
+                  </a:scrgbClr>
+                </a:highlight>
+                <a:latin typeface="Tw Cen MT"/>
+                <a:ea typeface="Microsoft YaHei" pitchFamily="2"/>
+                <a:cs typeface="Arial" pitchFamily="2"/>
+              </a:defRPr>
+            </a:lvl4pPr>
+            <a:lvl5pPr marL="2160000" lvl="4" indent="-216000" algn="l" rtl="0" hangingPunct="1">
+              <a:lnSpc>
+                <a:spcPct val="90000"/>
+              </a:lnSpc>
+              <a:spcBef>
+                <a:spcPts val="283"/>
+              </a:spcBef>
+              <a:spcAft>
+                <a:spcPts val="0"/>
+              </a:spcAft>
+              <a:buSzPct val="45000"/>
+              <a:buFont typeface="StarSymbol"/>
+              <a:buChar char="●"/>
+              <a:defRPr lang="en-US" sz="2000" b="0" i="0" u="none" strike="noStrike" kern="1200" cap="none" spc="0" baseline="0">
+                <a:ln>
+                  <a:noFill/>
+                </a:ln>
+                <a:solidFill>
+                  <a:srgbClr val="000000"/>
+                </a:solidFill>
+                <a:highlight>
+                  <a:scrgbClr r="0" g="0" b="0">
+                    <a:alpha val="0"/>
+                  </a:scrgbClr>
+                </a:highlight>
+                <a:latin typeface="Tw Cen MT"/>
+                <a:ea typeface="Microsoft YaHei" pitchFamily="2"/>
+                <a:cs typeface="Arial" pitchFamily="2"/>
+              </a:defRPr>
+            </a:lvl5pPr>
+            <a:lvl6pPr marL="2592000" lvl="5" indent="-216000" algn="l" rtl="0" hangingPunct="1">
+              <a:lnSpc>
+                <a:spcPct val="90000"/>
+              </a:lnSpc>
+              <a:spcBef>
+                <a:spcPts val="283"/>
+              </a:spcBef>
+              <a:spcAft>
+                <a:spcPts val="0"/>
+              </a:spcAft>
+              <a:buSzPct val="45000"/>
+              <a:buFont typeface="StarSymbol"/>
+              <a:buChar char="●"/>
+              <a:defRPr lang="en-US" sz="2000" b="0" i="0" u="none" strike="noStrike" kern="1200" cap="none" spc="0" baseline="0">
+                <a:ln>
+                  <a:noFill/>
+                </a:ln>
+                <a:solidFill>
+                  <a:srgbClr val="000000"/>
+                </a:solidFill>
+                <a:highlight>
+                  <a:scrgbClr r="0" g="0" b="0">
+                    <a:alpha val="0"/>
+                  </a:scrgbClr>
+                </a:highlight>
+                <a:latin typeface="Tw Cen MT"/>
+                <a:ea typeface="Microsoft YaHei" pitchFamily="2"/>
+                <a:cs typeface="Arial" pitchFamily="2"/>
+              </a:defRPr>
+            </a:lvl6pPr>
+            <a:lvl7pPr marL="3024000" lvl="6" indent="-216000" algn="l" rtl="0" hangingPunct="1">
+              <a:lnSpc>
+                <a:spcPct val="90000"/>
+              </a:lnSpc>
+              <a:spcBef>
+                <a:spcPts val="283"/>
+              </a:spcBef>
+              <a:spcAft>
+                <a:spcPts val="0"/>
+              </a:spcAft>
+              <a:buSzPct val="45000"/>
+              <a:buFont typeface="StarSymbol"/>
+              <a:buChar char="●"/>
+              <a:defRPr lang="en-US" sz="2000" b="0" i="0" u="none" strike="noStrike" kern="1200" cap="none" spc="0" baseline="0">
+                <a:ln>
+                  <a:noFill/>
+                </a:ln>
+                <a:solidFill>
+                  <a:srgbClr val="000000"/>
+                </a:solidFill>
+                <a:highlight>
+                  <a:scrgbClr r="0" g="0" b="0">
+                    <a:alpha val="0"/>
+                  </a:scrgbClr>
+                </a:highlight>
+                <a:latin typeface="Tw Cen MT"/>
+                <a:ea typeface="Microsoft YaHei" pitchFamily="2"/>
+                <a:cs typeface="Arial" pitchFamily="2"/>
+              </a:defRPr>
+            </a:lvl7pPr>
+            <a:lvl8pPr marL="3456000" lvl="7" indent="-216000" algn="l" rtl="0" hangingPunct="1">
+              <a:lnSpc>
+                <a:spcPct val="90000"/>
+              </a:lnSpc>
+              <a:spcBef>
+                <a:spcPts val="283"/>
+              </a:spcBef>
+              <a:spcAft>
+                <a:spcPts val="0"/>
+              </a:spcAft>
+              <a:buSzPct val="45000"/>
+              <a:buFont typeface="StarSymbol"/>
+              <a:buChar char="●"/>
+              <a:defRPr lang="en-US" sz="2000" b="0" i="0" u="none" strike="noStrike" kern="1200" cap="none" spc="0" baseline="0">
+                <a:ln>
+                  <a:noFill/>
+                </a:ln>
+                <a:solidFill>
+                  <a:srgbClr val="000000"/>
+                </a:solidFill>
+                <a:highlight>
+                  <a:scrgbClr r="0" g="0" b="0">
+                    <a:alpha val="0"/>
+                  </a:scrgbClr>
+                </a:highlight>
+                <a:latin typeface="Tw Cen MT"/>
+                <a:ea typeface="Microsoft YaHei" pitchFamily="2"/>
+                <a:cs typeface="Arial" pitchFamily="2"/>
+              </a:defRPr>
+            </a:lvl8pPr>
+            <a:lvl9pPr marL="3887999" lvl="8" indent="-216000" algn="l" rtl="0" hangingPunct="1">
+              <a:lnSpc>
+                <a:spcPct val="90000"/>
+              </a:lnSpc>
+              <a:spcBef>
+                <a:spcPts val="283"/>
+              </a:spcBef>
+              <a:spcAft>
+                <a:spcPts val="0"/>
+              </a:spcAft>
+              <a:buSzPct val="45000"/>
+              <a:buFont typeface="StarSymbol"/>
+              <a:buChar char="●"/>
+              <a:defRPr lang="en-US" sz="2000" b="0" i="0" u="none" strike="noStrike" kern="1200" cap="none" spc="0" baseline="0">
+                <a:ln>
+                  <a:noFill/>
+                </a:ln>
+                <a:solidFill>
+                  <a:srgbClr val="000000"/>
+                </a:solidFill>
+                <a:highlight>
+                  <a:scrgbClr r="0" g="0" b="0">
+                    <a:alpha val="0"/>
+                  </a:scrgbClr>
+                </a:highlight>
+                <a:latin typeface="Tw Cen MT"/>
+                <a:ea typeface="Microsoft YaHei" pitchFamily="2"/>
+                <a:cs typeface="Arial" pitchFamily="2"/>
+              </a:defRPr>
+            </a:lvl9pPr>
+          </a:lstStyle>
+          <a:p>
+            <a:pPr marL="0" lvl="0" indent="0">
+              <a:spcBef>
+                <a:spcPts val="1199"/>
+              </a:spcBef>
+              <a:spcAft>
+                <a:spcPts val="201"/>
+              </a:spcAft>
+              <a:buSzPct val="100000"/>
+              <a:buFont typeface="Wingdings" pitchFamily="2"/>
+              <a:buChar char=""/>
+              <a:tabLst>
+                <a:tab pos="0" algn="l"/>
+              </a:tabLst>
+            </a:pPr>
+            <a:r>
+              <a:rPr lang="pt-BR" dirty="0" smtClean="0"/>
+              <a:t>Processo de trabalho ( Design </a:t>
+            </a:r>
+            <a:r>
+              <a:rPr lang="pt-BR" dirty="0" err="1" smtClean="0"/>
+              <a:t>Thinking</a:t>
+            </a:r>
+            <a:r>
+              <a:rPr lang="pt-BR" dirty="0" smtClean="0"/>
+              <a:t> e </a:t>
+            </a:r>
+            <a:r>
+              <a:rPr lang="pt-BR" dirty="0" err="1" smtClean="0"/>
+              <a:t>Scrum</a:t>
+            </a:r>
+            <a:r>
+              <a:rPr lang="pt-BR" dirty="0" smtClean="0"/>
+              <a:t> )</a:t>
+            </a:r>
+            <a:endParaRPr lang="pt-BR" dirty="0"/>
+          </a:p>
+          <a:p>
+            <a:pPr marL="0" lvl="0" indent="0">
+              <a:spcBef>
+                <a:spcPts val="1199"/>
+              </a:spcBef>
+              <a:spcAft>
+                <a:spcPts val="201"/>
+              </a:spcAft>
+              <a:buNone/>
+              <a:tabLst>
+                <a:tab pos="0" algn="l"/>
+              </a:tabLst>
+            </a:pPr>
+            <a:endParaRPr lang="pt-BR" dirty="0" smtClean="0"/>
+          </a:p>
+          <a:p>
+            <a:pPr marL="0" lvl="0" indent="0">
+              <a:spcBef>
+                <a:spcPts val="1199"/>
+              </a:spcBef>
+              <a:spcAft>
+                <a:spcPts val="201"/>
+              </a:spcAft>
+              <a:buSzPct val="100000"/>
+              <a:buFont typeface="Wingdings" pitchFamily="2"/>
+              <a:buChar char=""/>
+              <a:tabLst>
+                <a:tab pos="0" algn="l"/>
+              </a:tabLst>
+            </a:pPr>
+            <a:r>
+              <a:rPr lang="pt-BR" dirty="0" smtClean="0"/>
+              <a:t>Divisão de Papeis</a:t>
+            </a:r>
+            <a:endParaRPr lang="pt-BR" dirty="0" smtClean="0"/>
+          </a:p>
+          <a:p>
+            <a:pPr marL="0" lvl="0" indent="0">
+              <a:spcBef>
+                <a:spcPts val="1199"/>
+              </a:spcBef>
+              <a:spcAft>
+                <a:spcPts val="201"/>
+              </a:spcAft>
+              <a:buNone/>
+              <a:tabLst>
+                <a:tab pos="0" algn="l"/>
+              </a:tabLst>
+            </a:pPr>
+            <a:endParaRPr lang="pt-BR" dirty="0"/>
+          </a:p>
+          <a:p>
+            <a:pPr marL="0" lvl="0" indent="0">
+              <a:spcBef>
+                <a:spcPts val="1199"/>
+              </a:spcBef>
+              <a:spcAft>
+                <a:spcPts val="201"/>
+              </a:spcAft>
+              <a:buSzPct val="100000"/>
+              <a:buFont typeface="Wingdings" pitchFamily="2"/>
+              <a:buChar char=""/>
+              <a:tabLst>
+                <a:tab pos="0" algn="l"/>
+              </a:tabLst>
+            </a:pPr>
+            <a:r>
+              <a:rPr lang="pt-BR" dirty="0" smtClean="0"/>
+              <a:t>Ferramentas</a:t>
+            </a:r>
+          </a:p>
+          <a:p>
+            <a:pPr marL="0" lvl="0" indent="0">
+              <a:spcBef>
+                <a:spcPts val="1199"/>
+              </a:spcBef>
+              <a:spcAft>
+                <a:spcPts val="201"/>
+              </a:spcAft>
+              <a:buSzPct val="100000"/>
+              <a:buFont typeface="Wingdings" pitchFamily="2"/>
+              <a:buChar char=""/>
+              <a:tabLst>
+                <a:tab pos="0" algn="l"/>
+              </a:tabLst>
+            </a:pPr>
+            <a:endParaRPr lang="pt-BR" dirty="0" smtClean="0"/>
+          </a:p>
+          <a:p>
+            <a:pPr marL="0" lvl="0" indent="0">
+              <a:spcBef>
+                <a:spcPts val="1199"/>
+              </a:spcBef>
+              <a:spcAft>
+                <a:spcPts val="201"/>
+              </a:spcAft>
+              <a:buSzPct val="100000"/>
+              <a:buFont typeface="Wingdings" pitchFamily="2"/>
+              <a:buChar char=""/>
+              <a:tabLst>
+                <a:tab pos="0" algn="l"/>
+              </a:tabLst>
+            </a:pPr>
+            <a:r>
+              <a:rPr lang="pt-BR" dirty="0" smtClean="0"/>
+              <a:t>Controle da versão </a:t>
+            </a:r>
+            <a:endParaRPr lang="pt-BR" dirty="0"/>
+          </a:p>
+        </p:txBody>
+      </p:sp>
     </p:spTree>
   </p:cSld>
   <p:clrMapOvr>
@@ -14443,7 +12007,7 @@
               <a:buNone/>
             </a:pPr>
             <a:r>
-              <a:rPr lang="pt-BR"/>
+              <a:rPr lang="pt-BR" dirty="0"/>
               <a:t>Histórias de Usuários e Requisitos</a:t>
             </a:r>
           </a:p>
@@ -14798,10 +12362,10 @@
               </a:tabLst>
             </a:pPr>
             <a:r>
-              <a:rPr lang="pt-BR" dirty="0" err="1"/>
+              <a:rPr lang="pt-BR" dirty="0" err="1" smtClean="0"/>
               <a:t>agdasdads</a:t>
             </a:r>
-            <a:endParaRPr lang="pt-BR" dirty="0"/>
+            <a:endParaRPr lang="pt-BR" dirty="0" smtClean="0"/>
           </a:p>
           <a:p>
             <a:pPr marL="0" lvl="0" indent="0">
@@ -15445,7 +13009,7 @@
               <a:buNone/>
             </a:pPr>
             <a:r>
-              <a:rPr lang="pt-BR"/>
+              <a:rPr lang="pt-BR" dirty="0"/>
               <a:t>Metodologia</a:t>
             </a:r>
           </a:p>
@@ -15779,8 +13343,24 @@
               <a:buChar char=" "/>
             </a:pPr>
             <a:r>
-              <a:rPr lang="pt-BR"/>
-              <a:t>Processo de Trabalho (Design Thinking e Scrum)</a:t>
+              <a:rPr lang="pt-BR" dirty="0"/>
+              <a:t>Processo de Trabalho (Design </a:t>
+            </a:r>
+            <a:r>
+              <a:rPr lang="pt-BR" dirty="0" err="1"/>
+              <a:t>Thinking</a:t>
+            </a:r>
+            <a:r>
+              <a:rPr lang="pt-BR" dirty="0"/>
+              <a:t> e </a:t>
+            </a:r>
+            <a:r>
+              <a:rPr lang="pt-BR" dirty="0" err="1"/>
+              <a:t>Scrum</a:t>
+            </a:r>
+            <a:r>
+              <a:rPr lang="pt-BR" dirty="0"/>
+              <a:t>)</a:t>
             </a:r>
           </a:p>
           <a:p>
@@ -15796,7 +13376,7 @@
               <a:buChar char=" "/>
             </a:pPr>
             <a:r>
-              <a:rPr lang="pt-BR"/>
+              <a:rPr lang="pt-BR" dirty="0"/>
               <a:t>Divisão de Papéis</a:t>
             </a:r>
           </a:p>
@@ -15813,7 +13393,7 @@
               <a:buChar char=" "/>
             </a:pPr>
             <a:r>
-              <a:rPr lang="pt-BR"/>
+              <a:rPr lang="pt-BR" dirty="0"/>
               <a:t>Ferramentas</a:t>
             </a:r>
           </a:p>
@@ -15830,7 +13410,7 @@
               <a:buChar char=" "/>
             </a:pPr>
             <a:r>
-              <a:rPr lang="pt-BR"/>
+              <a:rPr lang="pt-BR" dirty="0"/>
               <a:t>Controle de Versão</a:t>
             </a:r>
           </a:p>
@@ -15844,7 +13424,7 @@
               </a:spcAft>
               <a:buNone/>
             </a:pPr>
-            <a:endParaRPr lang="pt-BR"/>
+            <a:endParaRPr lang="pt-BR" dirty="0"/>
           </a:p>
         </p:txBody>
       </p:sp>
@@ -15865,7 +13445,7 @@
 </file>
 
 <file path=ppt/theme/theme1.xml><?xml version="1.0" encoding="utf-8"?>
-<a:theme xmlns:a="http://schemas.openxmlformats.org/drawingml/2006/main" name="Tema do Office">
+<a:theme xmlns:a="http://schemas.openxmlformats.org/drawingml/2006/main" name="Título e Conteúdo">
   <a:themeElements>
     <a:clrScheme name="Escritório">
       <a:dk1>
@@ -16148,7 +13728,7 @@
 </file>
 
 <file path=ppt/theme/theme2.xml><?xml version="1.0" encoding="utf-8"?>
-<a:theme xmlns:a="http://schemas.openxmlformats.org/drawingml/2006/main" name="Título e Conteúdo">
+<a:theme xmlns:a="http://schemas.openxmlformats.org/drawingml/2006/main" name="Imagem com Legenda">
   <a:themeElements>
     <a:clrScheme name="Escritório">
       <a:dk1>
@@ -16431,7 +14011,7 @@
 </file>
 
 <file path=ppt/theme/theme3.xml><?xml version="1.0" encoding="utf-8"?>
-<a:theme xmlns:a="http://schemas.openxmlformats.org/drawingml/2006/main" name="Imagem com Legenda">
+<a:theme xmlns:a="http://schemas.openxmlformats.org/drawingml/2006/main" name="Tema do Office">
   <a:themeElements>
     <a:clrScheme name="Escritório">
       <a:dk1>
@@ -16994,287 +14574,4 @@
   <a:objectDefaults/>
   <a:extraClrSchemeLst/>
 </a:theme>
-</file>
-
-<file path=ppt/theme/theme5.xml><?xml version="1.0" encoding="utf-8"?>
-<a:theme xmlns:a="http://schemas.openxmlformats.org/drawingml/2006/main" name="Tema do Office">
-  <a:themeElements>
-    <a:clrScheme name="Escritório">
-      <a:dk1>
-        <a:sysClr val="windowText" lastClr="000000"/>
-      </a:dk1>
-      <a:lt1>
-        <a:sysClr val="window" lastClr="FFFFFF"/>
-      </a:lt1>
-      <a:dk2>
-        <a:srgbClr val="1F497D"/>
-      </a:dk2>
-      <a:lt2>
-        <a:srgbClr val="EEECE1"/>
-      </a:lt2>
-      <a:accent1>
-        <a:srgbClr val="4F81BD"/>
-      </a:accent1>
-      <a:accent2>
-        <a:srgbClr val="C0504D"/>
-      </a:accent2>
-      <a:accent3>
-        <a:srgbClr val="9BBB59"/>
-      </a:accent3>
-      <a:accent4>
-        <a:srgbClr val="8064A2"/>
-      </a:accent4>
-      <a:accent5>
-        <a:srgbClr val="4BACC6"/>
-      </a:accent5>
-      <a:accent6>
-        <a:srgbClr val="F79646"/>
-      </a:accent6>
-      <a:hlink>
-        <a:srgbClr val="0000FF"/>
-      </a:hlink>
-      <a:folHlink>
-        <a:srgbClr val="800080"/>
-      </a:folHlink>
-    </a:clrScheme>
-    <a:fontScheme name="Escritório">
-      <a:majorFont>
-        <a:latin typeface="Calibri"/>
-        <a:ea typeface=""/>
-        <a:cs typeface=""/>
-        <a:font script="Jpan" typeface="ＭＳ Ｐゴシック"/>
-        <a:font script="Hang" typeface="맑은 고딕"/>
-        <a:font script="Hans" typeface="宋体"/>
-        <a:font script="Hant" typeface="新細明體"/>
-        <a:font script="Arab" typeface="Times New Roman"/>
-        <a:font script="Hebr" typeface="Times New Roman"/>
-        <a:font script="Thai" typeface="Angsana New"/>
-        <a:font script="Ethi" typeface="Nyala"/>
-        <a:font script="Beng" typeface="Vrinda"/>
-        <a:font script="Gujr" typeface="Shruti"/>
-        <a:font script="Khmr" typeface="MoolBoran"/>
-        <a:font script="Knda" typeface="Tunga"/>
-        <a:font script="Guru" typeface="Raavi"/>
-        <a:font script="Cans" typeface="Euphemia"/>
-        <a:font script="Cher" typeface="Plantagenet Cherokee"/>
-        <a:font script="Yiii" typeface="Microsoft Yi Baiti"/>
-        <a:font script="Tibt" typeface="Microsoft Himalaya"/>
-        <a:font script="Thaa" typeface="MV Boli"/>
-        <a:font script="Deva" typeface="Mangal"/>
-        <a:font script="Telu" typeface="Gautami"/>
-        <a:font script="Taml" typeface="Latha"/>
-        <a:font script="Syrc" typeface="Estrangelo Edessa"/>
-        <a:font script="Orya" typeface="Kalinga"/>
-        <a:font script="Mlym" typeface="Kartika"/>
-        <a:font script="Laoo" typeface="DokChampa"/>
-        <a:font script="Sinh" typeface="Iskoola Pota"/>
-        <a:font script="Mong" typeface="Mongolian Baiti"/>
-        <a:font script="Viet" typeface="Times New Roman"/>
-        <a:font script="Uigh" typeface="Microsoft Uighur"/>
-      </a:majorFont>
-      <a:minorFont>
-        <a:latin typeface="Calibri"/>
-        <a:ea typeface=""/>
-        <a:cs typeface=""/>
-        <a:font script="Jpan" typeface="ＭＳ Ｐゴシック"/>
-        <a:font script="Hang" typeface="맑은 고딕"/>
-        <a:font script="Hans" typeface="宋体"/>
-        <a:font script="Hant" typeface="新細明體"/>
-        <a:font script="Arab" typeface="Arial"/>
-        <a:font script="Hebr" typeface="Arial"/>
-        <a:font script="Thai" typeface="Cordia New"/>
-        <a:font script="Ethi" typeface="Nyala"/>
-        <a:font script="Beng" typeface="Vrinda"/>
-        <a:font script="Gujr" typeface="Shruti"/>
-        <a:font script="Khmr" typeface="DaunPenh"/>
-        <a:font script="Knda" typeface="Tunga"/>
-        <a:font script="Guru" typeface="Raavi"/>
-        <a:font script="Cans" typeface="Euphemia"/>
-        <a:font script="Cher" typeface="Plantagenet Cherokee"/>
-        <a:font script="Yiii" typeface="Microsoft Yi Baiti"/>
-        <a:font script="Tibt" typeface="Microsoft Himalaya"/>
-        <a:font script="Thaa" typeface="MV Boli"/>
-        <a:font script="Deva" typeface="Mangal"/>
-        <a:font script="Telu" typeface="Gautami"/>
-        <a:font script="Taml" typeface="Latha"/>
-        <a:font script="Syrc" typeface="Estrangelo Edessa"/>
-        <a:font script="Orya" typeface="Kalinga"/>
-        <a:font script="Mlym" typeface="Kartika"/>
-        <a:font script="Laoo" typeface="DokChampa"/>
-        <a:font script="Sinh" typeface="Iskoola Pota"/>
-        <a:font script="Mong" typeface="Mongolian Baiti"/>
-        <a:font script="Viet" typeface="Arial"/>
-        <a:font script="Uigh" typeface="Microsoft Uighur"/>
-      </a:minorFont>
-    </a:fontScheme>
-    <a:fmtScheme name="Escritório">
-      <a:fillStyleLst>
-        <a:solidFill>
-          <a:schemeClr val="phClr"/>
-        </a:solidFill>
-        <a:gradFill rotWithShape="1">
-          <a:gsLst>
-            <a:gs pos="0">
-              <a:schemeClr val="phClr">
-                <a:tint val="50000"/>
-                <a:satMod val="300000"/>
-              </a:schemeClr>
-            </a:gs>
-            <a:gs pos="35000">
-              <a:schemeClr val="phClr">
-                <a:tint val="37000"/>
-                <a:satMod val="300000"/>
-              </a:schemeClr>
-            </a:gs>
-            <a:gs pos="100000">
-              <a:schemeClr val="phClr">
-                <a:tint val="15000"/>
-                <a:satMod val="350000"/>
-              </a:schemeClr>
-            </a:gs>
-          </a:gsLst>
-          <a:lin ang="16200000" scaled="1"/>
-        </a:gradFill>
-        <a:gradFill rotWithShape="1">
-          <a:gsLst>
-            <a:gs pos="0">
-              <a:schemeClr val="phClr">
-                <a:shade val="51000"/>
-                <a:satMod val="130000"/>
-              </a:schemeClr>
-            </a:gs>
-            <a:gs pos="80000">
-              <a:schemeClr val="phClr">
-                <a:shade val="93000"/>
-                <a:satMod val="130000"/>
-              </a:schemeClr>
-            </a:gs>
-            <a:gs pos="100000">
-              <a:schemeClr val="phClr">
-                <a:shade val="94000"/>
-                <a:satMod val="135000"/>
-              </a:schemeClr>
-            </a:gs>
-          </a:gsLst>
-          <a:lin ang="16200000" scaled="0"/>
-        </a:gradFill>
-      </a:fillStyleLst>
-      <a:lnStyleLst>
-        <a:ln w="9525" cap="flat" cmpd="sng" algn="ctr">
-          <a:solidFill>
-            <a:schemeClr val="phClr">
-              <a:shade val="95000"/>
-              <a:satMod val="105000"/>
-            </a:schemeClr>
-          </a:solidFill>
-          <a:prstDash val="solid"/>
-        </a:ln>
-        <a:ln w="25400" cap="flat" cmpd="sng" algn="ctr">
-          <a:solidFill>
-            <a:schemeClr val="phClr"/>
-          </a:solidFill>
-          <a:prstDash val="solid"/>
-        </a:ln>
-        <a:ln w="38100" cap="flat" cmpd="sng" algn="ctr">
-          <a:solidFill>
-            <a:schemeClr val="phClr"/>
-          </a:solidFill>
-          <a:prstDash val="solid"/>
-        </a:ln>
-      </a:lnStyleLst>
-      <a:effectStyleLst>
-        <a:effectStyle>
-          <a:effectLst>
-            <a:outerShdw blurRad="40000" dist="20000" dir="5400000" rotWithShape="0">
-              <a:srgbClr val="000000">
-                <a:alpha val="38000"/>
-              </a:srgbClr>
-            </a:outerShdw>
-          </a:effectLst>
-        </a:effectStyle>
-        <a:effectStyle>
-          <a:effectLst>
-            <a:outerShdw blurRad="40000" dist="23000" dir="5400000" rotWithShape="0">
-              <a:srgbClr val="000000">
-                <a:alpha val="35000"/>
-              </a:srgbClr>
-            </a:outerShdw>
-          </a:effectLst>
-        </a:effectStyle>
-        <a:effectStyle>
-          <a:effectLst>
-            <a:outerShdw blurRad="40000" dist="23000" dir="5400000" rotWithShape="0">
-              <a:srgbClr val="000000">
-                <a:alpha val="35000"/>
-              </a:srgbClr>
-            </a:outerShdw>
-          </a:effectLst>
-          <a:scene3d>
-            <a:camera prst="orthographicFront">
-              <a:rot lat="0" lon="0" rev="0"/>
-            </a:camera>
-            <a:lightRig rig="threePt" dir="t">
-              <a:rot lat="0" lon="0" rev="1200000"/>
-            </a:lightRig>
-          </a:scene3d>
-          <a:sp3d>
-            <a:bevelT w="63500" h="25400"/>
-          </a:sp3d>
-        </a:effectStyle>
-      </a:effectStyleLst>
-      <a:bgFillStyleLst>
-        <a:solidFill>
-          <a:schemeClr val="phClr"/>
-        </a:solidFill>
-        <a:gradFill rotWithShape="1">
-          <a:gsLst>
-            <a:gs pos="0">
-              <a:schemeClr val="phClr">
-                <a:tint val="40000"/>
-                <a:satMod val="350000"/>
-              </a:schemeClr>
-            </a:gs>
-            <a:gs pos="40000">
-              <a:schemeClr val="phClr">
-                <a:tint val="45000"/>
-                <a:shade val="99000"/>
-                <a:satMod val="350000"/>
-              </a:schemeClr>
-            </a:gs>
-            <a:gs pos="100000">
-              <a:schemeClr val="phClr">
-                <a:shade val="20000"/>
-                <a:satMod val="255000"/>
-              </a:schemeClr>
-            </a:gs>
-          </a:gsLst>
-          <a:path path="circle">
-            <a:fillToRect l="50000" t="-80000" r="50000" b="180000"/>
-          </a:path>
-        </a:gradFill>
-        <a:gradFill rotWithShape="1">
-          <a:gsLst>
-            <a:gs pos="0">
-              <a:schemeClr val="phClr">
-                <a:tint val="80000"/>
-                <a:satMod val="300000"/>
-              </a:schemeClr>
-            </a:gs>
-            <a:gs pos="100000">
-              <a:schemeClr val="phClr">
-                <a:shade val="30000"/>
-                <a:satMod val="200000"/>
-              </a:schemeClr>
-            </a:gs>
-          </a:gsLst>
-          <a:path path="circle">
-            <a:fillToRect l="50000" t="50000" r="50000" b="50000"/>
-          </a:path>
-        </a:gradFill>
-      </a:bgFillStyleLst>
-    </a:fmtScheme>
-  </a:themeElements>
-  <a:objectDefaults/>
-  <a:extraClrSchemeLst/>
-</a:theme>
 </file>
--- a/docs/apresentacao/Slide_TI_FrontEnd.pptx
+++ b/docs/apresentacao/Slide_TI_FrontEnd.pptx
@@ -6,22 +6,23 @@
     <p:sldMasterId id="2147483672" r:id="rId2"/>
   </p:sldMasterIdLst>
   <p:notesMasterIdLst>
-    <p:notesMasterId r:id="rId13"/>
+    <p:notesMasterId r:id="rId14"/>
   </p:notesMasterIdLst>
   <p:handoutMasterIdLst>
-    <p:handoutMasterId r:id="rId14"/>
+    <p:handoutMasterId r:id="rId15"/>
   </p:handoutMasterIdLst>
   <p:sldIdLst>
     <p:sldId id="263" r:id="rId3"/>
     <p:sldId id="257" r:id="rId4"/>
-    <p:sldId id="258" r:id="rId5"/>
-    <p:sldId id="264" r:id="rId6"/>
-    <p:sldId id="265" r:id="rId7"/>
-    <p:sldId id="259" r:id="rId8"/>
-    <p:sldId id="260" r:id="rId9"/>
-    <p:sldId id="261" r:id="rId10"/>
-    <p:sldId id="262" r:id="rId11"/>
-    <p:sldId id="266" r:id="rId12"/>
+    <p:sldId id="268" r:id="rId5"/>
+    <p:sldId id="258" r:id="rId6"/>
+    <p:sldId id="264" r:id="rId7"/>
+    <p:sldId id="265" r:id="rId8"/>
+    <p:sldId id="259" r:id="rId9"/>
+    <p:sldId id="260" r:id="rId10"/>
+    <p:sldId id="261" r:id="rId11"/>
+    <p:sldId id="267" r:id="rId12"/>
+    <p:sldId id="266" r:id="rId13"/>
   </p:sldIdLst>
   <p:sldSz cx="12192000" cy="6858000"/>
   <p:notesSz cx="7772400" cy="10058400"/>
@@ -122,7 +123,7 @@
   </p:defaultTextStyle>
   <p:extLst>
     <p:ext uri="{EFAFB233-063F-42B5-8137-9DF3F51BA10A}">
-      <p15:sldGuideLst xmlns:p15="http://schemas.microsoft.com/office/powerpoint/2012/main" xmlns="">
+      <p15:sldGuideLst xmlns:p15="http://schemas.microsoft.com/office/powerpoint/2012/main">
         <p15:guide id="1" orient="horz" pos="2160">
           <p15:clr>
             <a:srgbClr val="A4A3A4"/>
@@ -579,7 +580,7 @@
                 <a:tabLst/>
                 <a:defRPr sz="1400"/>
               </a:pPr>
-              <a:t>‹nº›</a:t>
+              <a:t>‹#›</a:t>
             </a:fld>
             <a:endParaRPr lang="en-US" sz="1400" b="0" i="0" u="none" strike="noStrike" kern="1200" cap="none">
               <a:ln>
@@ -595,7 +596,7 @@
     </p:spTree>
     <p:extLst>
       <p:ext uri="{BB962C8B-B14F-4D97-AF65-F5344CB8AC3E}">
-        <p14:creationId xmlns:p14="http://schemas.microsoft.com/office/powerpoint/2010/main" xmlns="" val="2103848617"/>
+        <p14:creationId xmlns:p14="http://schemas.microsoft.com/office/powerpoint/2010/main" val="2103848617"/>
       </p:ext>
     </p:extLst>
   </p:cSld>
@@ -848,7 +849,7 @@
             <a:fld id="{C521D4C3-334A-457A-9800-E010B3E117F9}" type="slidenum">
               <a:rPr/>
               <a:pPr lvl="0"/>
-              <a:t>‹nº›</a:t>
+              <a:t>‹#›</a:t>
             </a:fld>
             <a:endParaRPr lang="en-US"/>
           </a:p>
@@ -857,7 +858,7 @@
     </p:spTree>
     <p:extLst>
       <p:ext uri="{BB962C8B-B14F-4D97-AF65-F5344CB8AC3E}">
-        <p14:creationId xmlns:p14="http://schemas.microsoft.com/office/powerpoint/2010/main" xmlns="" val="1960968776"/>
+        <p14:creationId xmlns:p14="http://schemas.microsoft.com/office/powerpoint/2010/main" val="1960968776"/>
       </p:ext>
     </p:extLst>
   </p:cSld>
@@ -1028,7 +1029,7 @@
     </p:spTree>
     <p:extLst>
       <p:ext uri="{BB962C8B-B14F-4D97-AF65-F5344CB8AC3E}">
-        <p14:creationId xmlns:p14="http://schemas.microsoft.com/office/powerpoint/2010/main" xmlns="" val="4003719090"/>
+        <p14:creationId xmlns:p14="http://schemas.microsoft.com/office/powerpoint/2010/main" val="4003719090"/>
       </p:ext>
     </p:extLst>
   </p:cSld>
@@ -1096,14 +1097,89 @@
           <a:bodyPr vert="horz"/>
           <a:lstStyle/>
           <a:p>
-            <a:endParaRPr lang="en-US"/>
+            <a:endParaRPr lang="en-US" dirty="0"/>
           </a:p>
         </p:txBody>
       </p:sp>
     </p:spTree>
     <p:extLst>
       <p:ext uri="{BB962C8B-B14F-4D97-AF65-F5344CB8AC3E}">
-        <p14:creationId xmlns:p14="http://schemas.microsoft.com/office/powerpoint/2010/main" xmlns="" val="1831649095"/>
+        <p14:creationId xmlns:p14="http://schemas.microsoft.com/office/powerpoint/2010/main" val="2470055837"/>
+      </p:ext>
+    </p:extLst>
+  </p:cSld>
+  <p:clrMapOvr>
+    <a:masterClrMapping/>
+  </p:clrMapOvr>
+</p:notes>
+</file>
+
+<file path=ppt/notesSlides/notesSlide11.xml><?xml version="1.0" encoding="utf-8"?>
+<p:notes xmlns:a="http://schemas.openxmlformats.org/drawingml/2006/main" xmlns:r="http://schemas.openxmlformats.org/officeDocument/2006/relationships" xmlns:p="http://schemas.openxmlformats.org/presentationml/2006/main">
+  <p:cSld>
+    <p:spTree>
+      <p:nvGrpSpPr>
+        <p:cNvPr id="1" name=""/>
+        <p:cNvGrpSpPr/>
+        <p:nvPr/>
+      </p:nvGrpSpPr>
+      <p:grpSpPr>
+        <a:xfrm>
+          <a:off x="0" y="0"/>
+          <a:ext cx="0" cy="0"/>
+          <a:chOff x="0" y="0"/>
+          <a:chExt cx="0" cy="0"/>
+        </a:xfrm>
+      </p:grpSpPr>
+      <p:sp>
+        <p:nvSpPr>
+          <p:cNvPr id="2" name="Espaço Reservado para Imagem de Slide 1"/>
+          <p:cNvSpPr>
+            <a:spLocks noGrp="1" noRot="1" noChangeAspect="1" noResize="1"/>
+          </p:cNvSpPr>
+          <p:nvPr>
+            <p:ph type="sldImg"/>
+          </p:nvPr>
+        </p:nvSpPr>
+        <p:spPr>
+          <a:xfrm>
+            <a:off x="533400" y="763588"/>
+            <a:ext cx="6704013" cy="3771900"/>
+          </a:xfrm>
+          <a:solidFill>
+            <a:srgbClr val="729FCF"/>
+          </a:solidFill>
+          <a:ln w="25400">
+            <a:solidFill>
+              <a:srgbClr val="3465A4"/>
+            </a:solidFill>
+            <a:prstDash val="solid"/>
+          </a:ln>
+        </p:spPr>
+      </p:sp>
+      <p:sp>
+        <p:nvSpPr>
+          <p:cNvPr id="3" name="Espaço Reservado para Anotações 2"/>
+          <p:cNvSpPr txBox="1">
+            <a:spLocks noGrp="1"/>
+          </p:cNvSpPr>
+          <p:nvPr>
+            <p:ph type="body" sz="quarter" idx="1"/>
+          </p:nvPr>
+        </p:nvSpPr>
+        <p:spPr/>
+        <p:txBody>
+          <a:bodyPr vert="horz"/>
+          <a:lstStyle/>
+          <a:p>
+            <a:endParaRPr lang="en-US"/>
+          </a:p>
+        </p:txBody>
+      </p:sp>
+    </p:spTree>
+    <p:extLst>
+      <p:ext uri="{BB962C8B-B14F-4D97-AF65-F5344CB8AC3E}">
+        <p14:creationId xmlns:p14="http://schemas.microsoft.com/office/powerpoint/2010/main" val="1831649095"/>
       </p:ext>
     </p:extLst>
   </p:cSld>
@@ -1178,7 +1254,7 @@
     </p:spTree>
     <p:extLst>
       <p:ext uri="{BB962C8B-B14F-4D97-AF65-F5344CB8AC3E}">
-        <p14:creationId xmlns:p14="http://schemas.microsoft.com/office/powerpoint/2010/main" xmlns="" val="985770920"/>
+        <p14:creationId xmlns:p14="http://schemas.microsoft.com/office/powerpoint/2010/main" val="985770920"/>
       </p:ext>
     </p:extLst>
   </p:cSld>
@@ -1253,7 +1329,7 @@
     </p:spTree>
     <p:extLst>
       <p:ext uri="{BB962C8B-B14F-4D97-AF65-F5344CB8AC3E}">
-        <p14:creationId xmlns:p14="http://schemas.microsoft.com/office/powerpoint/2010/main" xmlns="" val="1941945087"/>
+        <p14:creationId xmlns:p14="http://schemas.microsoft.com/office/powerpoint/2010/main" val="1931426391"/>
       </p:ext>
     </p:extLst>
   </p:cSld>
@@ -1328,7 +1404,7 @@
     </p:spTree>
     <p:extLst>
       <p:ext uri="{BB962C8B-B14F-4D97-AF65-F5344CB8AC3E}">
-        <p14:creationId xmlns:p14="http://schemas.microsoft.com/office/powerpoint/2010/main" xmlns="" val="2540358228"/>
+        <p14:creationId xmlns:p14="http://schemas.microsoft.com/office/powerpoint/2010/main" val="1941945087"/>
       </p:ext>
     </p:extLst>
   </p:cSld>
@@ -1403,7 +1479,7 @@
     </p:spTree>
     <p:extLst>
       <p:ext uri="{BB962C8B-B14F-4D97-AF65-F5344CB8AC3E}">
-        <p14:creationId xmlns:p14="http://schemas.microsoft.com/office/powerpoint/2010/main" xmlns="" val="3785187401"/>
+        <p14:creationId xmlns:p14="http://schemas.microsoft.com/office/powerpoint/2010/main" val="2540358228"/>
       </p:ext>
     </p:extLst>
   </p:cSld>
@@ -1471,14 +1547,14 @@
           <a:bodyPr vert="horz"/>
           <a:lstStyle/>
           <a:p>
-            <a:endParaRPr lang="en-US" dirty="0"/>
+            <a:endParaRPr lang="en-US"/>
           </a:p>
         </p:txBody>
       </p:sp>
     </p:spTree>
     <p:extLst>
       <p:ext uri="{BB962C8B-B14F-4D97-AF65-F5344CB8AC3E}">
-        <p14:creationId xmlns:p14="http://schemas.microsoft.com/office/powerpoint/2010/main" xmlns="" val="3251095858"/>
+        <p14:creationId xmlns:p14="http://schemas.microsoft.com/office/powerpoint/2010/main" val="3785187401"/>
       </p:ext>
     </p:extLst>
   </p:cSld>
@@ -1546,14 +1622,14 @@
           <a:bodyPr vert="horz"/>
           <a:lstStyle/>
           <a:p>
-            <a:endParaRPr lang="en-US"/>
+            <a:endParaRPr lang="en-US" dirty="0"/>
           </a:p>
         </p:txBody>
       </p:sp>
     </p:spTree>
     <p:extLst>
       <p:ext uri="{BB962C8B-B14F-4D97-AF65-F5344CB8AC3E}">
-        <p14:creationId xmlns:p14="http://schemas.microsoft.com/office/powerpoint/2010/main" xmlns="" val="1831649095"/>
+        <p14:creationId xmlns:p14="http://schemas.microsoft.com/office/powerpoint/2010/main" val="3251095858"/>
       </p:ext>
     </p:extLst>
   </p:cSld>
@@ -1628,7 +1704,7 @@
     </p:spTree>
     <p:extLst>
       <p:ext uri="{BB962C8B-B14F-4D97-AF65-F5344CB8AC3E}">
-        <p14:creationId xmlns:p14="http://schemas.microsoft.com/office/powerpoint/2010/main" xmlns="" val="1190199802"/>
+        <p14:creationId xmlns:p14="http://schemas.microsoft.com/office/powerpoint/2010/main" val="1831649095"/>
       </p:ext>
     </p:extLst>
   </p:cSld>
@@ -1703,7 +1779,7 @@
     </p:spTree>
     <p:extLst>
       <p:ext uri="{BB962C8B-B14F-4D97-AF65-F5344CB8AC3E}">
-        <p14:creationId xmlns:p14="http://schemas.microsoft.com/office/powerpoint/2010/main" xmlns="" val="3407063107"/>
+        <p14:creationId xmlns:p14="http://schemas.microsoft.com/office/powerpoint/2010/main" val="1190199802"/>
       </p:ext>
     </p:extLst>
   </p:cSld>
@@ -1751,10 +1827,9 @@
           <a:lstStyle/>
           <a:p>
             <a:r>
-              <a:rPr lang="pt-BR" smtClean="0"/>
+              <a:rPr lang="pt-BR"/>
               <a:t>Clique para editar o estilo do título mestre</a:t>
             </a:r>
-            <a:endParaRPr lang="pt-BR"/>
           </a:p>
         </p:txBody>
       </p:sp>
@@ -1870,10 +1945,9 @@
           </a:lstStyle>
           <a:p>
             <a:r>
-              <a:rPr lang="pt-BR" smtClean="0"/>
+              <a:rPr lang="pt-BR"/>
               <a:t>Clique para editar o estilo do subtítulo mestre</a:t>
             </a:r>
-            <a:endParaRPr lang="pt-BR"/>
           </a:p>
         </p:txBody>
       </p:sp>
@@ -1936,7 +2010,7 @@
             <a:fld id="{91C9F44A-ADF4-47A0-BA5F-E1A91BAFC3C5}" type="slidenum">
               <a:rPr/>
               <a:pPr lvl="0"/>
-              <a:t>‹nº›</a:t>
+              <a:t>‹#›</a:t>
             </a:fld>
             <a:endParaRPr lang="pt-BR"/>
           </a:p>
@@ -1984,10 +2058,9 @@
           <a:lstStyle/>
           <a:p>
             <a:r>
-              <a:rPr lang="pt-BR" smtClean="0"/>
+              <a:rPr lang="pt-BR"/>
               <a:t>Clique para editar o estilo do título mestre</a:t>
             </a:r>
-            <a:endParaRPr lang="pt-BR"/>
           </a:p>
         </p:txBody>
       </p:sp>
@@ -2008,38 +2081,37 @@
           <a:p>
             <a:pPr lvl="0"/>
             <a:r>
-              <a:rPr lang="pt-BR" smtClean="0"/>
+              <a:rPr lang="pt-BR"/>
               <a:t>Clique para editar os estilos do texto mestre</a:t>
             </a:r>
           </a:p>
           <a:p>
             <a:pPr lvl="1"/>
             <a:r>
-              <a:rPr lang="pt-BR" smtClean="0"/>
+              <a:rPr lang="pt-BR"/>
               <a:t>Segundo nível</a:t>
             </a:r>
           </a:p>
           <a:p>
             <a:pPr lvl="2"/>
             <a:r>
-              <a:rPr lang="pt-BR" smtClean="0"/>
+              <a:rPr lang="pt-BR"/>
               <a:t>Terceiro nível</a:t>
             </a:r>
           </a:p>
           <a:p>
             <a:pPr lvl="3"/>
             <a:r>
-              <a:rPr lang="pt-BR" smtClean="0"/>
+              <a:rPr lang="pt-BR"/>
               <a:t>Quarto nível</a:t>
             </a:r>
           </a:p>
           <a:p>
             <a:pPr lvl="4"/>
             <a:r>
-              <a:rPr lang="pt-BR" smtClean="0"/>
+              <a:rPr lang="pt-BR"/>
               <a:t>Quinto nível</a:t>
             </a:r>
-            <a:endParaRPr lang="pt-BR"/>
           </a:p>
         </p:txBody>
       </p:sp>
@@ -2102,7 +2174,7 @@
             <a:fld id="{55539061-7399-4158-B5F7-C8150B6D6252}" type="slidenum">
               <a:rPr/>
               <a:pPr lvl="0"/>
-              <a:t>‹nº›</a:t>
+              <a:t>‹#›</a:t>
             </a:fld>
             <a:endParaRPr lang="pt-BR"/>
           </a:p>
@@ -2155,10 +2227,9 @@
           <a:lstStyle/>
           <a:p>
             <a:r>
-              <a:rPr lang="pt-BR" smtClean="0"/>
+              <a:rPr lang="pt-BR"/>
               <a:t>Clique para editar o estilo do título mestre</a:t>
             </a:r>
-            <a:endParaRPr lang="pt-BR"/>
           </a:p>
         </p:txBody>
       </p:sp>
@@ -2184,38 +2255,37 @@
           <a:p>
             <a:pPr lvl="0"/>
             <a:r>
-              <a:rPr lang="pt-BR" smtClean="0"/>
+              <a:rPr lang="pt-BR"/>
               <a:t>Clique para editar os estilos do texto mestre</a:t>
             </a:r>
           </a:p>
           <a:p>
             <a:pPr lvl="1"/>
             <a:r>
-              <a:rPr lang="pt-BR" smtClean="0"/>
+              <a:rPr lang="pt-BR"/>
               <a:t>Segundo nível</a:t>
             </a:r>
           </a:p>
           <a:p>
             <a:pPr lvl="2"/>
             <a:r>
-              <a:rPr lang="pt-BR" smtClean="0"/>
+              <a:rPr lang="pt-BR"/>
               <a:t>Terceiro nível</a:t>
             </a:r>
           </a:p>
           <a:p>
             <a:pPr lvl="3"/>
             <a:r>
-              <a:rPr lang="pt-BR" smtClean="0"/>
+              <a:rPr lang="pt-BR"/>
               <a:t>Quarto nível</a:t>
             </a:r>
           </a:p>
           <a:p>
             <a:pPr lvl="4"/>
             <a:r>
-              <a:rPr lang="pt-BR" smtClean="0"/>
+              <a:rPr lang="pt-BR"/>
               <a:t>Quinto nível</a:t>
             </a:r>
-            <a:endParaRPr lang="pt-BR"/>
           </a:p>
         </p:txBody>
       </p:sp>
@@ -2278,7 +2348,7 @@
             <a:fld id="{A7F328E4-6ACC-4698-8F70-A419AB5437FC}" type="slidenum">
               <a:rPr/>
               <a:pPr lvl="0"/>
-              <a:t>‹nº›</a:t>
+              <a:t>‹#›</a:t>
             </a:fld>
             <a:endParaRPr lang="pt-BR"/>
           </a:p>
@@ -2331,10 +2401,9 @@
           <a:lstStyle/>
           <a:p>
             <a:r>
-              <a:rPr lang="pt-BR" smtClean="0"/>
+              <a:rPr lang="pt-BR"/>
               <a:t>Clique para editar o estilo do título mestre</a:t>
             </a:r>
-            <a:endParaRPr lang="pt-BR"/>
           </a:p>
         </p:txBody>
       </p:sp>
@@ -2450,10 +2519,9 @@
           </a:lstStyle>
           <a:p>
             <a:r>
-              <a:rPr lang="pt-BR" smtClean="0"/>
+              <a:rPr lang="pt-BR"/>
               <a:t>Clique para editar o estilo do subtítulo mestre</a:t>
             </a:r>
-            <a:endParaRPr lang="pt-BR"/>
           </a:p>
         </p:txBody>
       </p:sp>
@@ -2516,7 +2584,7 @@
             <a:fld id="{4A314852-734F-4B82-9811-936F4E4A9D90}" type="slidenum">
               <a:rPr/>
               <a:pPr lvl="0"/>
-              <a:t>‹nº›</a:t>
+              <a:t>‹#›</a:t>
             </a:fld>
             <a:endParaRPr lang="pt-BR"/>
           </a:p>
@@ -2564,10 +2632,9 @@
           <a:lstStyle/>
           <a:p>
             <a:r>
-              <a:rPr lang="pt-BR" smtClean="0"/>
+              <a:rPr lang="pt-BR"/>
               <a:t>Clique para editar o estilo do título mestre</a:t>
             </a:r>
-            <a:endParaRPr lang="pt-BR"/>
           </a:p>
         </p:txBody>
       </p:sp>
@@ -2588,38 +2655,37 @@
           <a:p>
             <a:pPr lvl="0"/>
             <a:r>
-              <a:rPr lang="pt-BR" smtClean="0"/>
+              <a:rPr lang="pt-BR"/>
               <a:t>Clique para editar os estilos do texto mestre</a:t>
             </a:r>
           </a:p>
           <a:p>
             <a:pPr lvl="1"/>
             <a:r>
-              <a:rPr lang="pt-BR" smtClean="0"/>
+              <a:rPr lang="pt-BR"/>
               <a:t>Segundo nível</a:t>
             </a:r>
           </a:p>
           <a:p>
             <a:pPr lvl="2"/>
             <a:r>
-              <a:rPr lang="pt-BR" smtClean="0"/>
+              <a:rPr lang="pt-BR"/>
               <a:t>Terceiro nível</a:t>
             </a:r>
           </a:p>
           <a:p>
             <a:pPr lvl="3"/>
             <a:r>
-              <a:rPr lang="pt-BR" smtClean="0"/>
+              <a:rPr lang="pt-BR"/>
               <a:t>Quarto nível</a:t>
             </a:r>
           </a:p>
           <a:p>
             <a:pPr lvl="4"/>
             <a:r>
-              <a:rPr lang="pt-BR" smtClean="0"/>
+              <a:rPr lang="pt-BR"/>
               <a:t>Quinto nível</a:t>
             </a:r>
-            <a:endParaRPr lang="pt-BR"/>
           </a:p>
         </p:txBody>
       </p:sp>
@@ -2682,7 +2748,7 @@
             <a:fld id="{053142F2-8299-47A0-B39F-02EF94CB1622}" type="slidenum">
               <a:rPr/>
               <a:pPr lvl="0"/>
-              <a:t>‹nº›</a:t>
+              <a:t>‹#›</a:t>
             </a:fld>
             <a:endParaRPr lang="pt-BR"/>
           </a:p>
@@ -2739,10 +2805,9 @@
           </a:lstStyle>
           <a:p>
             <a:r>
-              <a:rPr lang="pt-BR" smtClean="0"/>
+              <a:rPr lang="pt-BR"/>
               <a:t>Clique para editar o estilo do título mestre</a:t>
             </a:r>
-            <a:endParaRPr lang="pt-BR"/>
           </a:p>
         </p:txBody>
       </p:sp>
@@ -2859,7 +2924,7 @@
           <a:p>
             <a:pPr lvl="0"/>
             <a:r>
-              <a:rPr lang="pt-BR" smtClean="0"/>
+              <a:rPr lang="pt-BR"/>
               <a:t>Clique para editar os estilos do texto mestre</a:t>
             </a:r>
           </a:p>
@@ -2924,7 +2989,7 @@
             <a:fld id="{5F2EFABE-0DD2-40DD-83E8-02297EE6F883}" type="slidenum">
               <a:rPr/>
               <a:pPr lvl="0"/>
-              <a:t>‹nº›</a:t>
+              <a:t>‹#›</a:t>
             </a:fld>
             <a:endParaRPr lang="pt-BR"/>
           </a:p>
@@ -2972,10 +3037,9 @@
           <a:lstStyle/>
           <a:p>
             <a:r>
-              <a:rPr lang="pt-BR" smtClean="0"/>
+              <a:rPr lang="pt-BR"/>
               <a:t>Clique para editar o estilo do título mestre</a:t>
             </a:r>
-            <a:endParaRPr lang="pt-BR"/>
           </a:p>
         </p:txBody>
       </p:sp>
@@ -3029,38 +3093,37 @@
           <a:p>
             <a:pPr lvl="0"/>
             <a:r>
-              <a:rPr lang="pt-BR" smtClean="0"/>
+              <a:rPr lang="pt-BR"/>
               <a:t>Clique para editar os estilos do texto mestre</a:t>
             </a:r>
           </a:p>
           <a:p>
             <a:pPr lvl="1"/>
             <a:r>
-              <a:rPr lang="pt-BR" smtClean="0"/>
+              <a:rPr lang="pt-BR"/>
               <a:t>Segundo nível</a:t>
             </a:r>
           </a:p>
           <a:p>
             <a:pPr lvl="2"/>
             <a:r>
-              <a:rPr lang="pt-BR" smtClean="0"/>
+              <a:rPr lang="pt-BR"/>
               <a:t>Terceiro nível</a:t>
             </a:r>
           </a:p>
           <a:p>
             <a:pPr lvl="3"/>
             <a:r>
-              <a:rPr lang="pt-BR" smtClean="0"/>
+              <a:rPr lang="pt-BR"/>
               <a:t>Quarto nível</a:t>
             </a:r>
           </a:p>
           <a:p>
             <a:pPr lvl="4"/>
             <a:r>
-              <a:rPr lang="pt-BR" smtClean="0"/>
+              <a:rPr lang="pt-BR"/>
               <a:t>Quinto nível</a:t>
             </a:r>
-            <a:endParaRPr lang="pt-BR"/>
           </a:p>
         </p:txBody>
       </p:sp>
@@ -3114,38 +3177,37 @@
           <a:p>
             <a:pPr lvl="0"/>
             <a:r>
-              <a:rPr lang="pt-BR" smtClean="0"/>
+              <a:rPr lang="pt-BR"/>
               <a:t>Clique para editar os estilos do texto mestre</a:t>
             </a:r>
           </a:p>
           <a:p>
             <a:pPr lvl="1"/>
             <a:r>
-              <a:rPr lang="pt-BR" smtClean="0"/>
+              <a:rPr lang="pt-BR"/>
               <a:t>Segundo nível</a:t>
             </a:r>
           </a:p>
           <a:p>
             <a:pPr lvl="2"/>
             <a:r>
-              <a:rPr lang="pt-BR" smtClean="0"/>
+              <a:rPr lang="pt-BR"/>
               <a:t>Terceiro nível</a:t>
             </a:r>
           </a:p>
           <a:p>
             <a:pPr lvl="3"/>
             <a:r>
-              <a:rPr lang="pt-BR" smtClean="0"/>
+              <a:rPr lang="pt-BR"/>
               <a:t>Quarto nível</a:t>
             </a:r>
           </a:p>
           <a:p>
             <a:pPr lvl="4"/>
             <a:r>
-              <a:rPr lang="pt-BR" smtClean="0"/>
+              <a:rPr lang="pt-BR"/>
               <a:t>Quinto nível</a:t>
             </a:r>
-            <a:endParaRPr lang="pt-BR"/>
           </a:p>
         </p:txBody>
       </p:sp>
@@ -3208,7 +3270,7 @@
             <a:fld id="{06A4B096-C460-4540-A227-6C682EF5495D}" type="slidenum">
               <a:rPr/>
               <a:pPr lvl="0"/>
-              <a:t>‹nº›</a:t>
+              <a:t>‹#›</a:t>
             </a:fld>
             <a:endParaRPr lang="pt-BR"/>
           </a:p>
@@ -3265,10 +3327,9 @@
           </a:lstStyle>
           <a:p>
             <a:r>
-              <a:rPr lang="pt-BR" smtClean="0"/>
+              <a:rPr lang="pt-BR"/>
               <a:t>Clique para editar o estilo do título mestre</a:t>
             </a:r>
-            <a:endParaRPr lang="pt-BR"/>
           </a:p>
         </p:txBody>
       </p:sp>
@@ -3331,7 +3392,7 @@
           <a:p>
             <a:pPr lvl="0"/>
             <a:r>
-              <a:rPr lang="pt-BR" smtClean="0"/>
+              <a:rPr lang="pt-BR"/>
               <a:t>Clique para editar os estilos do texto mestre</a:t>
             </a:r>
           </a:p>
@@ -3387,38 +3448,37 @@
           <a:p>
             <a:pPr lvl="0"/>
             <a:r>
-              <a:rPr lang="pt-BR" smtClean="0"/>
+              <a:rPr lang="pt-BR"/>
               <a:t>Clique para editar os estilos do texto mestre</a:t>
             </a:r>
           </a:p>
           <a:p>
             <a:pPr lvl="1"/>
             <a:r>
-              <a:rPr lang="pt-BR" smtClean="0"/>
+              <a:rPr lang="pt-BR"/>
               <a:t>Segundo nível</a:t>
             </a:r>
           </a:p>
           <a:p>
             <a:pPr lvl="2"/>
             <a:r>
-              <a:rPr lang="pt-BR" smtClean="0"/>
+              <a:rPr lang="pt-BR"/>
               <a:t>Terceiro nível</a:t>
             </a:r>
           </a:p>
           <a:p>
             <a:pPr lvl="3"/>
             <a:r>
-              <a:rPr lang="pt-BR" smtClean="0"/>
+              <a:rPr lang="pt-BR"/>
               <a:t>Quarto nível</a:t>
             </a:r>
           </a:p>
           <a:p>
             <a:pPr lvl="4"/>
             <a:r>
-              <a:rPr lang="pt-BR" smtClean="0"/>
+              <a:rPr lang="pt-BR"/>
               <a:t>Quinto nível</a:t>
             </a:r>
-            <a:endParaRPr lang="pt-BR"/>
           </a:p>
         </p:txBody>
       </p:sp>
@@ -3481,7 +3541,7 @@
           <a:p>
             <a:pPr lvl="0"/>
             <a:r>
-              <a:rPr lang="pt-BR" smtClean="0"/>
+              <a:rPr lang="pt-BR"/>
               <a:t>Clique para editar os estilos do texto mestre</a:t>
             </a:r>
           </a:p>
@@ -3537,38 +3597,37 @@
           <a:p>
             <a:pPr lvl="0"/>
             <a:r>
-              <a:rPr lang="pt-BR" smtClean="0"/>
+              <a:rPr lang="pt-BR"/>
               <a:t>Clique para editar os estilos do texto mestre</a:t>
             </a:r>
           </a:p>
           <a:p>
             <a:pPr lvl="1"/>
             <a:r>
-              <a:rPr lang="pt-BR" smtClean="0"/>
+              <a:rPr lang="pt-BR"/>
               <a:t>Segundo nível</a:t>
             </a:r>
           </a:p>
           <a:p>
             <a:pPr lvl="2"/>
             <a:r>
-              <a:rPr lang="pt-BR" smtClean="0"/>
+              <a:rPr lang="pt-BR"/>
               <a:t>Terceiro nível</a:t>
             </a:r>
           </a:p>
           <a:p>
             <a:pPr lvl="3"/>
             <a:r>
-              <a:rPr lang="pt-BR" smtClean="0"/>
+              <a:rPr lang="pt-BR"/>
               <a:t>Quarto nível</a:t>
             </a:r>
           </a:p>
           <a:p>
             <a:pPr lvl="4"/>
             <a:r>
-              <a:rPr lang="pt-BR" smtClean="0"/>
+              <a:rPr lang="pt-BR"/>
               <a:t>Quinto nível</a:t>
             </a:r>
-            <a:endParaRPr lang="pt-BR"/>
           </a:p>
         </p:txBody>
       </p:sp>
@@ -3631,7 +3690,7 @@
             <a:fld id="{B64B50DB-0B66-4DEF-BAA5-868E6B73BC19}" type="slidenum">
               <a:rPr/>
               <a:pPr lvl="0"/>
-              <a:t>‹nº›</a:t>
+              <a:t>‹#›</a:t>
             </a:fld>
             <a:endParaRPr lang="pt-BR"/>
           </a:p>
@@ -3679,10 +3738,9 @@
           <a:lstStyle/>
           <a:p>
             <a:r>
-              <a:rPr lang="pt-BR" smtClean="0"/>
+              <a:rPr lang="pt-BR"/>
               <a:t>Clique para editar o estilo do título mestre</a:t>
             </a:r>
-            <a:endParaRPr lang="pt-BR"/>
           </a:p>
         </p:txBody>
       </p:sp>
@@ -3745,7 +3803,7 @@
             <a:fld id="{F7D30986-A957-4E00-A033-3EF051156626}" type="slidenum">
               <a:rPr/>
               <a:pPr lvl="0"/>
-              <a:t>‹nº›</a:t>
+              <a:t>‹#›</a:t>
             </a:fld>
             <a:endParaRPr lang="pt-BR"/>
           </a:p>
@@ -3836,7 +3894,7 @@
             <a:fld id="{AFC4CD38-A2EC-4111-906A-6C6CAFBB8173}" type="slidenum">
               <a:rPr/>
               <a:pPr lvl="0"/>
-              <a:t>‹nº›</a:t>
+              <a:t>‹#›</a:t>
             </a:fld>
             <a:endParaRPr lang="pt-BR"/>
           </a:p>
@@ -3894,10 +3952,9 @@
           </a:lstStyle>
           <a:p>
             <a:r>
-              <a:rPr lang="pt-BR" smtClean="0"/>
+              <a:rPr lang="pt-BR"/>
               <a:t>Clique para editar o estilo do título mestre</a:t>
             </a:r>
-            <a:endParaRPr lang="pt-BR"/>
           </a:p>
         </p:txBody>
       </p:sp>
@@ -3951,38 +4008,37 @@
           <a:p>
             <a:pPr lvl="0"/>
             <a:r>
-              <a:rPr lang="pt-BR" smtClean="0"/>
+              <a:rPr lang="pt-BR"/>
               <a:t>Clique para editar os estilos do texto mestre</a:t>
             </a:r>
           </a:p>
           <a:p>
             <a:pPr lvl="1"/>
             <a:r>
-              <a:rPr lang="pt-BR" smtClean="0"/>
+              <a:rPr lang="pt-BR"/>
               <a:t>Segundo nível</a:t>
             </a:r>
           </a:p>
           <a:p>
             <a:pPr lvl="2"/>
             <a:r>
-              <a:rPr lang="pt-BR" smtClean="0"/>
+              <a:rPr lang="pt-BR"/>
               <a:t>Terceiro nível</a:t>
             </a:r>
           </a:p>
           <a:p>
             <a:pPr lvl="3"/>
             <a:r>
-              <a:rPr lang="pt-BR" smtClean="0"/>
+              <a:rPr lang="pt-BR"/>
               <a:t>Quarto nível</a:t>
             </a:r>
           </a:p>
           <a:p>
             <a:pPr lvl="4"/>
             <a:r>
-              <a:rPr lang="pt-BR" smtClean="0"/>
+              <a:rPr lang="pt-BR"/>
               <a:t>Quinto nível</a:t>
             </a:r>
-            <a:endParaRPr lang="pt-BR"/>
           </a:p>
         </p:txBody>
       </p:sp>
@@ -4045,7 +4101,7 @@
           <a:p>
             <a:pPr lvl="0"/>
             <a:r>
-              <a:rPr lang="pt-BR" smtClean="0"/>
+              <a:rPr lang="pt-BR"/>
               <a:t>Clique para editar os estilos do texto mestre</a:t>
             </a:r>
           </a:p>
@@ -4110,7 +4166,7 @@
             <a:fld id="{F64E5F52-61B2-4F31-B142-294781AD6315}" type="slidenum">
               <a:rPr/>
               <a:pPr lvl="0"/>
-              <a:t>‹nº›</a:t>
+              <a:t>‹#›</a:t>
             </a:fld>
             <a:endParaRPr lang="pt-BR"/>
           </a:p>
@@ -4158,10 +4214,9 @@
           <a:lstStyle/>
           <a:p>
             <a:r>
-              <a:rPr lang="pt-BR" smtClean="0"/>
+              <a:rPr lang="pt-BR"/>
               <a:t>Clique para editar o estilo do título mestre</a:t>
             </a:r>
-            <a:endParaRPr lang="pt-BR"/>
           </a:p>
         </p:txBody>
       </p:sp>
@@ -4182,38 +4237,37 @@
           <a:p>
             <a:pPr lvl="0"/>
             <a:r>
-              <a:rPr lang="pt-BR" smtClean="0"/>
+              <a:rPr lang="pt-BR"/>
               <a:t>Clique para editar os estilos do texto mestre</a:t>
             </a:r>
           </a:p>
           <a:p>
             <a:pPr lvl="1"/>
             <a:r>
-              <a:rPr lang="pt-BR" smtClean="0"/>
+              <a:rPr lang="pt-BR"/>
               <a:t>Segundo nível</a:t>
             </a:r>
           </a:p>
           <a:p>
             <a:pPr lvl="2"/>
             <a:r>
-              <a:rPr lang="pt-BR" smtClean="0"/>
+              <a:rPr lang="pt-BR"/>
               <a:t>Terceiro nível</a:t>
             </a:r>
           </a:p>
           <a:p>
             <a:pPr lvl="3"/>
             <a:r>
-              <a:rPr lang="pt-BR" smtClean="0"/>
+              <a:rPr lang="pt-BR"/>
               <a:t>Quarto nível</a:t>
             </a:r>
           </a:p>
           <a:p>
             <a:pPr lvl="4"/>
             <a:r>
-              <a:rPr lang="pt-BR" smtClean="0"/>
+              <a:rPr lang="pt-BR"/>
               <a:t>Quinto nível</a:t>
             </a:r>
-            <a:endParaRPr lang="pt-BR"/>
           </a:p>
         </p:txBody>
       </p:sp>
@@ -4276,7 +4330,7 @@
             <a:fld id="{7FC348A6-AA02-407F-B80B-95CDD6D7629A}" type="slidenum">
               <a:rPr/>
               <a:pPr lvl="0"/>
-              <a:t>‹nº›</a:t>
+              <a:t>‹#›</a:t>
             </a:fld>
             <a:endParaRPr lang="pt-BR"/>
           </a:p>
@@ -4333,10 +4387,9 @@
           </a:lstStyle>
           <a:p>
             <a:r>
-              <a:rPr lang="pt-BR" smtClean="0"/>
+              <a:rPr lang="pt-BR"/>
               <a:t>Clique para editar o estilo do título mestre</a:t>
             </a:r>
-            <a:endParaRPr lang="pt-BR"/>
           </a:p>
         </p:txBody>
       </p:sp>
@@ -4460,7 +4513,7 @@
           <a:p>
             <a:pPr lvl="0"/>
             <a:r>
-              <a:rPr lang="pt-BR" smtClean="0"/>
+              <a:rPr lang="pt-BR"/>
               <a:t>Clique para editar os estilos do texto mestre</a:t>
             </a:r>
           </a:p>
@@ -4525,7 +4578,7 @@
             <a:fld id="{C41D0BA0-E124-41EC-9323-959DBA0D8572}" type="slidenum">
               <a:rPr/>
               <a:pPr lvl="0"/>
-              <a:t>‹nº›</a:t>
+              <a:t>‹#›</a:t>
             </a:fld>
             <a:endParaRPr lang="pt-BR"/>
           </a:p>
@@ -4573,10 +4626,9 @@
           <a:lstStyle/>
           <a:p>
             <a:r>
-              <a:rPr lang="pt-BR" smtClean="0"/>
+              <a:rPr lang="pt-BR"/>
               <a:t>Clique para editar o estilo do título mestre</a:t>
             </a:r>
-            <a:endParaRPr lang="pt-BR"/>
           </a:p>
         </p:txBody>
       </p:sp>
@@ -4597,38 +4649,37 @@
           <a:p>
             <a:pPr lvl="0"/>
             <a:r>
-              <a:rPr lang="pt-BR" smtClean="0"/>
+              <a:rPr lang="pt-BR"/>
               <a:t>Clique para editar os estilos do texto mestre</a:t>
             </a:r>
           </a:p>
           <a:p>
             <a:pPr lvl="1"/>
             <a:r>
-              <a:rPr lang="pt-BR" smtClean="0"/>
+              <a:rPr lang="pt-BR"/>
               <a:t>Segundo nível</a:t>
             </a:r>
           </a:p>
           <a:p>
             <a:pPr lvl="2"/>
             <a:r>
-              <a:rPr lang="pt-BR" smtClean="0"/>
+              <a:rPr lang="pt-BR"/>
               <a:t>Terceiro nível</a:t>
             </a:r>
           </a:p>
           <a:p>
             <a:pPr lvl="3"/>
             <a:r>
-              <a:rPr lang="pt-BR" smtClean="0"/>
+              <a:rPr lang="pt-BR"/>
               <a:t>Quarto nível</a:t>
             </a:r>
           </a:p>
           <a:p>
             <a:pPr lvl="4"/>
             <a:r>
-              <a:rPr lang="pt-BR" smtClean="0"/>
+              <a:rPr lang="pt-BR"/>
               <a:t>Quinto nível</a:t>
             </a:r>
-            <a:endParaRPr lang="pt-BR"/>
           </a:p>
         </p:txBody>
       </p:sp>
@@ -4691,7 +4742,7 @@
             <a:fld id="{1AA41B73-7F98-46AC-BFF7-35A714620778}" type="slidenum">
               <a:rPr/>
               <a:pPr lvl="0"/>
-              <a:t>‹nº›</a:t>
+              <a:t>‹#›</a:t>
             </a:fld>
             <a:endParaRPr lang="pt-BR"/>
           </a:p>
@@ -4744,10 +4795,9 @@
           <a:lstStyle/>
           <a:p>
             <a:r>
-              <a:rPr lang="pt-BR" smtClean="0"/>
+              <a:rPr lang="pt-BR"/>
               <a:t>Clique para editar o estilo do título mestre</a:t>
             </a:r>
-            <a:endParaRPr lang="pt-BR"/>
           </a:p>
         </p:txBody>
       </p:sp>
@@ -4773,38 +4823,37 @@
           <a:p>
             <a:pPr lvl="0"/>
             <a:r>
-              <a:rPr lang="pt-BR" smtClean="0"/>
+              <a:rPr lang="pt-BR"/>
               <a:t>Clique para editar os estilos do texto mestre</a:t>
             </a:r>
           </a:p>
           <a:p>
             <a:pPr lvl="1"/>
             <a:r>
-              <a:rPr lang="pt-BR" smtClean="0"/>
+              <a:rPr lang="pt-BR"/>
               <a:t>Segundo nível</a:t>
             </a:r>
           </a:p>
           <a:p>
             <a:pPr lvl="2"/>
             <a:r>
-              <a:rPr lang="pt-BR" smtClean="0"/>
+              <a:rPr lang="pt-BR"/>
               <a:t>Terceiro nível</a:t>
             </a:r>
           </a:p>
           <a:p>
             <a:pPr lvl="3"/>
             <a:r>
-              <a:rPr lang="pt-BR" smtClean="0"/>
+              <a:rPr lang="pt-BR"/>
               <a:t>Quarto nível</a:t>
             </a:r>
           </a:p>
           <a:p>
             <a:pPr lvl="4"/>
             <a:r>
-              <a:rPr lang="pt-BR" smtClean="0"/>
+              <a:rPr lang="pt-BR"/>
               <a:t>Quinto nível</a:t>
             </a:r>
-            <a:endParaRPr lang="pt-BR"/>
           </a:p>
         </p:txBody>
       </p:sp>
@@ -4867,7 +4916,7 @@
             <a:fld id="{DF7B51FE-94AB-4E79-A918-A8E4B3FD93A9}" type="slidenum">
               <a:rPr/>
               <a:pPr lvl="0"/>
-              <a:t>‹nº›</a:t>
+              <a:t>‹#›</a:t>
             </a:fld>
             <a:endParaRPr lang="pt-BR"/>
           </a:p>
@@ -4924,10 +4973,9 @@
           </a:lstStyle>
           <a:p>
             <a:r>
-              <a:rPr lang="pt-BR" smtClean="0"/>
+              <a:rPr lang="pt-BR"/>
               <a:t>Clique para editar o estilo do título mestre</a:t>
             </a:r>
-            <a:endParaRPr lang="pt-BR"/>
           </a:p>
         </p:txBody>
       </p:sp>
@@ -5044,7 +5092,7 @@
           <a:p>
             <a:pPr lvl="0"/>
             <a:r>
-              <a:rPr lang="pt-BR" smtClean="0"/>
+              <a:rPr lang="pt-BR"/>
               <a:t>Clique para editar os estilos do texto mestre</a:t>
             </a:r>
           </a:p>
@@ -5109,7 +5157,7 @@
             <a:fld id="{5B5B172C-7B95-4981-BB5F-1FAA10EE224C}" type="slidenum">
               <a:rPr/>
               <a:pPr lvl="0"/>
-              <a:t>‹nº›</a:t>
+              <a:t>‹#›</a:t>
             </a:fld>
             <a:endParaRPr lang="pt-BR"/>
           </a:p>
@@ -5157,10 +5205,9 @@
           <a:lstStyle/>
           <a:p>
             <a:r>
-              <a:rPr lang="pt-BR" smtClean="0"/>
+              <a:rPr lang="pt-BR"/>
               <a:t>Clique para editar o estilo do título mestre</a:t>
             </a:r>
-            <a:endParaRPr lang="pt-BR"/>
           </a:p>
         </p:txBody>
       </p:sp>
@@ -5214,38 +5261,37 @@
           <a:p>
             <a:pPr lvl="0"/>
             <a:r>
-              <a:rPr lang="pt-BR" smtClean="0"/>
+              <a:rPr lang="pt-BR"/>
               <a:t>Clique para editar os estilos do texto mestre</a:t>
             </a:r>
           </a:p>
           <a:p>
             <a:pPr lvl="1"/>
             <a:r>
-              <a:rPr lang="pt-BR" smtClean="0"/>
+              <a:rPr lang="pt-BR"/>
               <a:t>Segundo nível</a:t>
             </a:r>
           </a:p>
           <a:p>
             <a:pPr lvl="2"/>
             <a:r>
-              <a:rPr lang="pt-BR" smtClean="0"/>
+              <a:rPr lang="pt-BR"/>
               <a:t>Terceiro nível</a:t>
             </a:r>
           </a:p>
           <a:p>
             <a:pPr lvl="3"/>
             <a:r>
-              <a:rPr lang="pt-BR" smtClean="0"/>
+              <a:rPr lang="pt-BR"/>
               <a:t>Quarto nível</a:t>
             </a:r>
           </a:p>
           <a:p>
             <a:pPr lvl="4"/>
             <a:r>
-              <a:rPr lang="pt-BR" smtClean="0"/>
+              <a:rPr lang="pt-BR"/>
               <a:t>Quinto nível</a:t>
             </a:r>
-            <a:endParaRPr lang="pt-BR"/>
           </a:p>
         </p:txBody>
       </p:sp>
@@ -5299,38 +5345,37 @@
           <a:p>
             <a:pPr lvl="0"/>
             <a:r>
-              <a:rPr lang="pt-BR" smtClean="0"/>
+              <a:rPr lang="pt-BR"/>
               <a:t>Clique para editar os estilos do texto mestre</a:t>
             </a:r>
           </a:p>
           <a:p>
             <a:pPr lvl="1"/>
             <a:r>
-              <a:rPr lang="pt-BR" smtClean="0"/>
+              <a:rPr lang="pt-BR"/>
               <a:t>Segundo nível</a:t>
             </a:r>
           </a:p>
           <a:p>
             <a:pPr lvl="2"/>
             <a:r>
-              <a:rPr lang="pt-BR" smtClean="0"/>
+              <a:rPr lang="pt-BR"/>
               <a:t>Terceiro nível</a:t>
             </a:r>
           </a:p>
           <a:p>
             <a:pPr lvl="3"/>
             <a:r>
-              <a:rPr lang="pt-BR" smtClean="0"/>
+              <a:rPr lang="pt-BR"/>
               <a:t>Quarto nível</a:t>
             </a:r>
           </a:p>
           <a:p>
             <a:pPr lvl="4"/>
             <a:r>
-              <a:rPr lang="pt-BR" smtClean="0"/>
+              <a:rPr lang="pt-BR"/>
               <a:t>Quinto nível</a:t>
             </a:r>
-            <a:endParaRPr lang="pt-BR"/>
           </a:p>
         </p:txBody>
       </p:sp>
@@ -5393,7 +5438,7 @@
             <a:fld id="{14F9B55F-D09B-47AE-B2E2-3FE92B255C88}" type="slidenum">
               <a:rPr/>
               <a:pPr lvl="0"/>
-              <a:t>‹nº›</a:t>
+              <a:t>‹#›</a:t>
             </a:fld>
             <a:endParaRPr lang="pt-BR"/>
           </a:p>
@@ -5450,10 +5495,9 @@
           </a:lstStyle>
           <a:p>
             <a:r>
-              <a:rPr lang="pt-BR" smtClean="0"/>
+              <a:rPr lang="pt-BR"/>
               <a:t>Clique para editar o estilo do título mestre</a:t>
             </a:r>
-            <a:endParaRPr lang="pt-BR"/>
           </a:p>
         </p:txBody>
       </p:sp>
@@ -5516,7 +5560,7 @@
           <a:p>
             <a:pPr lvl="0"/>
             <a:r>
-              <a:rPr lang="pt-BR" smtClean="0"/>
+              <a:rPr lang="pt-BR"/>
               <a:t>Clique para editar os estilos do texto mestre</a:t>
             </a:r>
           </a:p>
@@ -5572,38 +5616,37 @@
           <a:p>
             <a:pPr lvl="0"/>
             <a:r>
-              <a:rPr lang="pt-BR" smtClean="0"/>
+              <a:rPr lang="pt-BR"/>
               <a:t>Clique para editar os estilos do texto mestre</a:t>
             </a:r>
           </a:p>
           <a:p>
             <a:pPr lvl="1"/>
             <a:r>
-              <a:rPr lang="pt-BR" smtClean="0"/>
+              <a:rPr lang="pt-BR"/>
               <a:t>Segundo nível</a:t>
             </a:r>
           </a:p>
           <a:p>
             <a:pPr lvl="2"/>
             <a:r>
-              <a:rPr lang="pt-BR" smtClean="0"/>
+              <a:rPr lang="pt-BR"/>
               <a:t>Terceiro nível</a:t>
             </a:r>
           </a:p>
           <a:p>
             <a:pPr lvl="3"/>
             <a:r>
-              <a:rPr lang="pt-BR" smtClean="0"/>
+              <a:rPr lang="pt-BR"/>
               <a:t>Quarto nível</a:t>
             </a:r>
           </a:p>
           <a:p>
             <a:pPr lvl="4"/>
             <a:r>
-              <a:rPr lang="pt-BR" smtClean="0"/>
+              <a:rPr lang="pt-BR"/>
               <a:t>Quinto nível</a:t>
             </a:r>
-            <a:endParaRPr lang="pt-BR"/>
           </a:p>
         </p:txBody>
       </p:sp>
@@ -5666,7 +5709,7 @@
           <a:p>
             <a:pPr lvl="0"/>
             <a:r>
-              <a:rPr lang="pt-BR" smtClean="0"/>
+              <a:rPr lang="pt-BR"/>
               <a:t>Clique para editar os estilos do texto mestre</a:t>
             </a:r>
           </a:p>
@@ -5722,38 +5765,37 @@
           <a:p>
             <a:pPr lvl="0"/>
             <a:r>
-              <a:rPr lang="pt-BR" smtClean="0"/>
+              <a:rPr lang="pt-BR"/>
               <a:t>Clique para editar os estilos do texto mestre</a:t>
             </a:r>
           </a:p>
           <a:p>
             <a:pPr lvl="1"/>
             <a:r>
-              <a:rPr lang="pt-BR" smtClean="0"/>
+              <a:rPr lang="pt-BR"/>
               <a:t>Segundo nível</a:t>
             </a:r>
           </a:p>
           <a:p>
             <a:pPr lvl="2"/>
             <a:r>
-              <a:rPr lang="pt-BR" smtClean="0"/>
+              <a:rPr lang="pt-BR"/>
               <a:t>Terceiro nível</a:t>
             </a:r>
           </a:p>
           <a:p>
             <a:pPr lvl="3"/>
             <a:r>
-              <a:rPr lang="pt-BR" smtClean="0"/>
+              <a:rPr lang="pt-BR"/>
               <a:t>Quarto nível</a:t>
             </a:r>
           </a:p>
           <a:p>
             <a:pPr lvl="4"/>
             <a:r>
-              <a:rPr lang="pt-BR" smtClean="0"/>
+              <a:rPr lang="pt-BR"/>
               <a:t>Quinto nível</a:t>
             </a:r>
-            <a:endParaRPr lang="pt-BR"/>
           </a:p>
         </p:txBody>
       </p:sp>
@@ -5816,7 +5858,7 @@
             <a:fld id="{9A94EFBA-B309-4C06-81D9-995A90568CA4}" type="slidenum">
               <a:rPr/>
               <a:pPr lvl="0"/>
-              <a:t>‹nº›</a:t>
+              <a:t>‹#›</a:t>
             </a:fld>
             <a:endParaRPr lang="pt-BR"/>
           </a:p>
@@ -5864,10 +5906,9 @@
           <a:lstStyle/>
           <a:p>
             <a:r>
-              <a:rPr lang="pt-BR" smtClean="0"/>
+              <a:rPr lang="pt-BR"/>
               <a:t>Clique para editar o estilo do título mestre</a:t>
             </a:r>
-            <a:endParaRPr lang="pt-BR"/>
           </a:p>
         </p:txBody>
       </p:sp>
@@ -5930,7 +5971,7 @@
             <a:fld id="{044D1D54-35CB-4466-AC6B-3ABC3CC766E8}" type="slidenum">
               <a:rPr/>
               <a:pPr lvl="0"/>
-              <a:t>‹nº›</a:t>
+              <a:t>‹#›</a:t>
             </a:fld>
             <a:endParaRPr lang="pt-BR"/>
           </a:p>
@@ -6021,7 +6062,7 @@
             <a:fld id="{CF273D47-91E1-4596-977B-ABBC63009EF4}" type="slidenum">
               <a:rPr/>
               <a:pPr lvl="0"/>
-              <a:t>‹nº›</a:t>
+              <a:t>‹#›</a:t>
             </a:fld>
             <a:endParaRPr lang="pt-BR"/>
           </a:p>
@@ -6079,10 +6120,9 @@
           </a:lstStyle>
           <a:p>
             <a:r>
-              <a:rPr lang="pt-BR" smtClean="0"/>
+              <a:rPr lang="pt-BR"/>
               <a:t>Clique para editar o estilo do título mestre</a:t>
             </a:r>
-            <a:endParaRPr lang="pt-BR"/>
           </a:p>
         </p:txBody>
       </p:sp>
@@ -6136,38 +6176,37 @@
           <a:p>
             <a:pPr lvl="0"/>
             <a:r>
-              <a:rPr lang="pt-BR" smtClean="0"/>
+              <a:rPr lang="pt-BR"/>
               <a:t>Clique para editar os estilos do texto mestre</a:t>
             </a:r>
           </a:p>
           <a:p>
             <a:pPr lvl="1"/>
             <a:r>
-              <a:rPr lang="pt-BR" smtClean="0"/>
+              <a:rPr lang="pt-BR"/>
               <a:t>Segundo nível</a:t>
             </a:r>
           </a:p>
           <a:p>
             <a:pPr lvl="2"/>
             <a:r>
-              <a:rPr lang="pt-BR" smtClean="0"/>
+              <a:rPr lang="pt-BR"/>
               <a:t>Terceiro nível</a:t>
             </a:r>
           </a:p>
           <a:p>
             <a:pPr lvl="3"/>
             <a:r>
-              <a:rPr lang="pt-BR" smtClean="0"/>
+              <a:rPr lang="pt-BR"/>
               <a:t>Quarto nível</a:t>
             </a:r>
           </a:p>
           <a:p>
             <a:pPr lvl="4"/>
             <a:r>
-              <a:rPr lang="pt-BR" smtClean="0"/>
+              <a:rPr lang="pt-BR"/>
               <a:t>Quinto nível</a:t>
             </a:r>
-            <a:endParaRPr lang="pt-BR"/>
           </a:p>
         </p:txBody>
       </p:sp>
@@ -6230,7 +6269,7 @@
           <a:p>
             <a:pPr lvl="0"/>
             <a:r>
-              <a:rPr lang="pt-BR" smtClean="0"/>
+              <a:rPr lang="pt-BR"/>
               <a:t>Clique para editar os estilos do texto mestre</a:t>
             </a:r>
           </a:p>
@@ -6295,7 +6334,7 @@
             <a:fld id="{20F03347-85D1-49D8-849F-244EFDC6C249}" type="slidenum">
               <a:rPr/>
               <a:pPr lvl="0"/>
-              <a:t>‹nº›</a:t>
+              <a:t>‹#›</a:t>
             </a:fld>
             <a:endParaRPr lang="pt-BR"/>
           </a:p>
@@ -6352,10 +6391,9 @@
           </a:lstStyle>
           <a:p>
             <a:r>
-              <a:rPr lang="pt-BR" smtClean="0"/>
+              <a:rPr lang="pt-BR"/>
               <a:t>Clique para editar o estilo do título mestre</a:t>
             </a:r>
-            <a:endParaRPr lang="pt-BR"/>
           </a:p>
         </p:txBody>
       </p:sp>
@@ -6479,7 +6517,7 @@
           <a:p>
             <a:pPr lvl="0"/>
             <a:r>
-              <a:rPr lang="pt-BR" smtClean="0"/>
+              <a:rPr lang="pt-BR"/>
               <a:t>Clique para editar os estilos do texto mestre</a:t>
             </a:r>
           </a:p>
@@ -6544,7 +6582,7 @@
             <a:fld id="{78202F4C-9ADC-44FC-ADCE-2E95C085961E}" type="slidenum">
               <a:rPr/>
               <a:pPr lvl="0"/>
-              <a:t>‹nº›</a:t>
+              <a:t>‹#›</a:t>
             </a:fld>
             <a:endParaRPr lang="pt-BR"/>
           </a:p>
@@ -7294,7 +7332,7 @@
             <a:fld id="{8C3DA0FB-0214-458C-8CF9-8954A184F82C}" type="slidenum">
               <a:rPr/>
               <a:pPr lvl="0"/>
-              <a:t>‹nº›</a:t>
+              <a:t>‹#›</a:t>
             </a:fld>
             <a:endParaRPr lang="pt-BR"/>
           </a:p>
@@ -8546,7 +8584,7 @@
             <a:fld id="{8653DAC6-3DD2-43FE-847B-2664B2AAA77A}" type="slidenum">
               <a:rPr/>
               <a:pPr lvl="0"/>
-              <a:t>‹nº›</a:t>
+              <a:t>‹#›</a:t>
             </a:fld>
             <a:endParaRPr lang="pt-BR"/>
           </a:p>
@@ -8823,13 +8861,8 @@
             </a:pPr>
             <a:r>
               <a:rPr lang="pt-BR" dirty="0"/>
-              <a:t>Projeto </a:t>
-            </a:r>
-            <a:r>
-              <a:rPr lang="pt-BR" dirty="0" smtClean="0"/>
-              <a:t>RHYTHMICITY</a:t>
-            </a:r>
-            <a:endParaRPr lang="pt-BR" dirty="0"/>
+              <a:t>Projeto RHYTHMICITY</a:t>
+            </a:r>
           </a:p>
         </p:txBody>
       </p:sp>
@@ -9310,7 +9343,7 @@
           <a:blip r:embed="rId3" cstate="print">
             <a:extLst>
               <a:ext uri="{28A0092B-C50C-407E-A947-70E740481C1C}">
-                <a14:useLocalDpi xmlns:a14="http://schemas.microsoft.com/office/drawing/2010/main" xmlns="" val="0"/>
+                <a14:useLocalDpi xmlns:a14="http://schemas.microsoft.com/office/drawing/2010/main" val="0"/>
               </a:ext>
             </a:extLst>
           </a:blip>
@@ -9388,7 +9421,7 @@
           <a:blip r:embed="rId4" cstate="print">
             <a:extLst>
               <a:ext uri="{28A0092B-C50C-407E-A947-70E740481C1C}">
-                <a14:useLocalDpi xmlns:a14="http://schemas.microsoft.com/office/drawing/2010/main" xmlns="" val="0"/>
+                <a14:useLocalDpi xmlns:a14="http://schemas.microsoft.com/office/drawing/2010/main" val="0"/>
               </a:ext>
             </a:extLst>
           </a:blip>
@@ -9411,13 +9444,6 @@
     <a:masterClrMapping/>
   </p:clrMapOvr>
   <p:transition/>
-  <p:timing>
-    <p:tnLst>
-      <p:par>
-        <p:cTn id="1" dur="indefinite" restart="never" nodeType="tmRoot"/>
-      </p:par>
-    </p:tnLst>
-  </p:timing>
 </p:sld>
 </file>
 
@@ -9508,13 +9534,620 @@
               <a:buNone/>
             </a:pPr>
             <a:r>
-              <a:rPr lang="pt-BR" dirty="0" smtClean="0"/>
+              <a:rPr lang="pt-BR" dirty="0"/>
+              <a:t>User flow</a:t>
+            </a:r>
+          </a:p>
+        </p:txBody>
+      </p:sp>
+      <p:pic>
+        <p:nvPicPr>
+          <p:cNvPr id="1026" name="Picture 2">
+            <a:extLst>
+              <a:ext uri="{FF2B5EF4-FFF2-40B4-BE49-F238E27FC236}">
+                <a16:creationId xmlns:a16="http://schemas.microsoft.com/office/drawing/2014/main" id="{E4FD1928-BC47-DCE3-F80C-6958158EC3FE}"/>
+              </a:ext>
+            </a:extLst>
+          </p:cNvPr>
+          <p:cNvPicPr>
+            <a:picLocks noChangeAspect="1" noChangeArrowheads="1"/>
+          </p:cNvPicPr>
+          <p:nvPr/>
+        </p:nvPicPr>
+        <p:blipFill>
+          <a:blip r:embed="rId3" cstate="print">
+            <a:extLst>
+              <a:ext uri="{28A0092B-C50C-407E-A947-70E740481C1C}">
+                <a14:useLocalDpi xmlns:a14="http://schemas.microsoft.com/office/drawing/2010/main" val="0"/>
+              </a:ext>
+            </a:extLst>
+          </a:blip>
+          <a:srcRect/>
+          <a:stretch>
+            <a:fillRect/>
+          </a:stretch>
+        </p:blipFill>
+        <p:spPr bwMode="auto">
+          <a:xfrm>
+            <a:off x="695400" y="1844824"/>
+            <a:ext cx="7752184" cy="4360604"/>
+          </a:xfrm>
+          <a:prstGeom prst="rect">
+            <a:avLst/>
+          </a:prstGeom>
+          <a:noFill/>
+          <a:extLst>
+            <a:ext uri="{909E8E84-426E-40DD-AFC4-6F175D3DCCD1}">
+              <a14:hiddenFill xmlns:a14="http://schemas.microsoft.com/office/drawing/2010/main">
+                <a:solidFill>
+                  <a:srgbClr val="FFFFFF"/>
+                </a:solidFill>
+              </a14:hiddenFill>
+            </a:ext>
+          </a:extLst>
+        </p:spPr>
+      </p:pic>
+      <p:sp>
+        <p:nvSpPr>
+          <p:cNvPr id="4" name="Espaço Reservado para Conteúdo 2">
+            <a:extLst>
+              <a:ext uri="{FF2B5EF4-FFF2-40B4-BE49-F238E27FC236}">
+                <a16:creationId xmlns:a16="http://schemas.microsoft.com/office/drawing/2014/main" id="{031621DE-DA54-3D7E-B9F7-5C39631714B8}"/>
+              </a:ext>
+            </a:extLst>
+          </p:cNvPr>
+          <p:cNvSpPr txBox="1">
+            <a:spLocks/>
+          </p:cNvSpPr>
+          <p:nvPr/>
+        </p:nvSpPr>
+        <p:spPr>
+          <a:xfrm>
+            <a:off x="8688288" y="1844824"/>
+            <a:ext cx="3096344" cy="4360604"/>
+          </a:xfrm>
+          <a:prstGeom prst="rect">
+            <a:avLst/>
+          </a:prstGeom>
+          <a:noFill/>
+          <a:ln>
+            <a:noFill/>
+          </a:ln>
+        </p:spPr>
+        <p:txBody>
+          <a:bodyPr vert="horz" wrap="square" lIns="45720" tIns="45720" rIns="45720" bIns="45720" anchor="t"/>
+          <a:lstStyle>
+            <a:defPPr marL="432000" lvl="0" indent="-324000" algn="l" rtl="0" hangingPunct="1">
+              <a:lnSpc>
+                <a:spcPct val="90000"/>
+              </a:lnSpc>
+              <a:spcBef>
+                <a:spcPts val="1417"/>
+              </a:spcBef>
+              <a:spcAft>
+                <a:spcPts val="0"/>
+              </a:spcAft>
+              <a:buSzPct val="45000"/>
+              <a:buFont typeface="StarSymbol"/>
+              <a:buNone/>
+              <a:defRPr lang="en-US" sz="2200" b="0" i="0" u="none" strike="noStrike" kern="1200" cap="none" spc="0" baseline="0">
+                <a:ln>
+                  <a:noFill/>
+                </a:ln>
+                <a:solidFill>
+                  <a:srgbClr val="000000"/>
+                </a:solidFill>
+                <a:highlight>
+                  <a:scrgbClr r="0" g="0" b="0">
+                    <a:alpha val="0"/>
+                  </a:scrgbClr>
+                </a:highlight>
+                <a:latin typeface="Tw Cen MT"/>
+                <a:ea typeface="Microsoft YaHei" pitchFamily="2"/>
+                <a:cs typeface="Arial" pitchFamily="2"/>
+              </a:defRPr>
+            </a:defPPr>
+            <a:lvl1pPr marL="432000" marR="0" lvl="0" indent="-324000" algn="l" rtl="0" hangingPunct="1">
+              <a:lnSpc>
+                <a:spcPct val="90000"/>
+              </a:lnSpc>
+              <a:spcBef>
+                <a:spcPts val="1417"/>
+              </a:spcBef>
+              <a:spcAft>
+                <a:spcPts val="0"/>
+              </a:spcAft>
+              <a:buClr>
+                <a:srgbClr val="1CADE4"/>
+              </a:buClr>
+              <a:buSzPct val="45000"/>
+              <a:buFont typeface="StarSymbol"/>
+              <a:buChar char="●"/>
+              <a:tabLst/>
+              <a:defRPr lang="en-US" sz="2200" b="0" i="0" u="none" strike="noStrike" kern="1200" cap="none" spc="0" baseline="0">
+                <a:ln>
+                  <a:noFill/>
+                </a:ln>
+                <a:solidFill>
+                  <a:srgbClr val="000000"/>
+                </a:solidFill>
+                <a:highlight>
+                  <a:scrgbClr r="0" g="0" b="0">
+                    <a:alpha val="0"/>
+                  </a:scrgbClr>
+                </a:highlight>
+                <a:latin typeface="Tw Cen MT"/>
+                <a:ea typeface="Microsoft YaHei" pitchFamily="2"/>
+                <a:cs typeface="Arial" pitchFamily="2"/>
+              </a:defRPr>
+            </a:lvl1pPr>
+            <a:lvl2pPr marL="864000" marR="0" lvl="1" indent="-324000" algn="l" rtl="0" hangingPunct="1">
+              <a:lnSpc>
+                <a:spcPct val="90000"/>
+              </a:lnSpc>
+              <a:spcBef>
+                <a:spcPts val="1134"/>
+              </a:spcBef>
+              <a:spcAft>
+                <a:spcPts val="0"/>
+              </a:spcAft>
+              <a:buClr>
+                <a:srgbClr val="1CADE4"/>
+              </a:buClr>
+              <a:buSzPct val="75000"/>
+              <a:buFont typeface="StarSymbol"/>
+              <a:buChar char="–"/>
+              <a:tabLst/>
+              <a:defRPr lang="en-US" sz="1400" b="0" i="0" u="none" strike="noStrike" kern="1200" cap="none" spc="0" baseline="0">
+                <a:ln>
+                  <a:noFill/>
+                </a:ln>
+                <a:solidFill>
+                  <a:srgbClr val="000000"/>
+                </a:solidFill>
+                <a:highlight>
+                  <a:scrgbClr r="0" g="0" b="0">
+                    <a:alpha val="0"/>
+                  </a:scrgbClr>
+                </a:highlight>
+                <a:latin typeface="Tw Cen MT"/>
+                <a:ea typeface="Microsoft YaHei" pitchFamily="2"/>
+                <a:cs typeface="Arial" pitchFamily="2"/>
+              </a:defRPr>
+            </a:lvl2pPr>
+            <a:lvl3pPr marL="1295999" marR="0" lvl="2" indent="-288000" algn="l" rtl="0" hangingPunct="1">
+              <a:lnSpc>
+                <a:spcPct val="90000"/>
+              </a:lnSpc>
+              <a:spcBef>
+                <a:spcPts val="850"/>
+              </a:spcBef>
+              <a:spcAft>
+                <a:spcPts val="0"/>
+              </a:spcAft>
+              <a:buClr>
+                <a:srgbClr val="1CADE4"/>
+              </a:buClr>
+              <a:buSzPct val="45000"/>
+              <a:buFont typeface="StarSymbol"/>
+              <a:buChar char="●"/>
+              <a:tabLst/>
+              <a:defRPr lang="en-US" sz="1400" b="0" i="0" u="none" strike="noStrike" kern="1200" cap="none" spc="0" baseline="0">
+                <a:ln>
+                  <a:noFill/>
+                </a:ln>
+                <a:solidFill>
+                  <a:srgbClr val="000000"/>
+                </a:solidFill>
+                <a:highlight>
+                  <a:scrgbClr r="0" g="0" b="0">
+                    <a:alpha val="0"/>
+                  </a:scrgbClr>
+                </a:highlight>
+                <a:latin typeface="Tw Cen MT"/>
+                <a:ea typeface="Microsoft YaHei" pitchFamily="2"/>
+                <a:cs typeface="Arial" pitchFamily="2"/>
+              </a:defRPr>
+            </a:lvl3pPr>
+            <a:lvl4pPr marL="1728000" marR="0" lvl="3" indent="-216000" algn="l" rtl="0" hangingPunct="1">
+              <a:lnSpc>
+                <a:spcPct val="90000"/>
+              </a:lnSpc>
+              <a:spcBef>
+                <a:spcPts val="567"/>
+              </a:spcBef>
+              <a:spcAft>
+                <a:spcPts val="0"/>
+              </a:spcAft>
+              <a:buClr>
+                <a:srgbClr val="1CADE4"/>
+              </a:buClr>
+              <a:buSzPct val="75000"/>
+              <a:buFont typeface="StarSymbol"/>
+              <a:buChar char="–"/>
+              <a:tabLst/>
+              <a:defRPr lang="en-US" sz="1400" b="0" i="0" u="none" strike="noStrike" kern="1200" cap="none" spc="0" baseline="0">
+                <a:ln>
+                  <a:noFill/>
+                </a:ln>
+                <a:solidFill>
+                  <a:srgbClr val="000000"/>
+                </a:solidFill>
+                <a:highlight>
+                  <a:scrgbClr r="0" g="0" b="0">
+                    <a:alpha val="0"/>
+                  </a:scrgbClr>
+                </a:highlight>
+                <a:latin typeface="Tw Cen MT"/>
+                <a:ea typeface="Microsoft YaHei" pitchFamily="2"/>
+                <a:cs typeface="Arial" pitchFamily="2"/>
+              </a:defRPr>
+            </a:lvl4pPr>
+            <a:lvl5pPr marL="2160000" marR="0" lvl="4" indent="-216000" algn="l" rtl="0" hangingPunct="1">
+              <a:lnSpc>
+                <a:spcPct val="90000"/>
+              </a:lnSpc>
+              <a:spcBef>
+                <a:spcPts val="283"/>
+              </a:spcBef>
+              <a:spcAft>
+                <a:spcPts val="0"/>
+              </a:spcAft>
+              <a:buClr>
+                <a:srgbClr val="1CADE4"/>
+              </a:buClr>
+              <a:buSzPct val="45000"/>
+              <a:buFont typeface="StarSymbol"/>
+              <a:buChar char="●"/>
+              <a:tabLst/>
+              <a:defRPr lang="en-US" sz="2000" b="0" i="0" u="none" strike="noStrike" kern="1200" cap="none" spc="0" baseline="0">
+                <a:ln>
+                  <a:noFill/>
+                </a:ln>
+                <a:solidFill>
+                  <a:srgbClr val="000000"/>
+                </a:solidFill>
+                <a:highlight>
+                  <a:scrgbClr r="0" g="0" b="0">
+                    <a:alpha val="0"/>
+                  </a:scrgbClr>
+                </a:highlight>
+                <a:latin typeface="Tw Cen MT"/>
+                <a:ea typeface="Microsoft YaHei" pitchFamily="2"/>
+                <a:cs typeface="Arial" pitchFamily="2"/>
+              </a:defRPr>
+            </a:lvl5pPr>
+            <a:lvl6pPr marL="2592000" lvl="5" indent="-216000" algn="l" rtl="0" hangingPunct="1">
+              <a:lnSpc>
+                <a:spcPct val="90000"/>
+              </a:lnSpc>
+              <a:spcBef>
+                <a:spcPts val="283"/>
+              </a:spcBef>
+              <a:spcAft>
+                <a:spcPts val="0"/>
+              </a:spcAft>
+              <a:buSzPct val="45000"/>
+              <a:buFont typeface="StarSymbol"/>
+              <a:buChar char="●"/>
+              <a:defRPr lang="en-US" sz="2000" b="0" i="0" u="none" strike="noStrike" kern="1200" cap="none" spc="0" baseline="0">
+                <a:ln>
+                  <a:noFill/>
+                </a:ln>
+                <a:solidFill>
+                  <a:srgbClr val="000000"/>
+                </a:solidFill>
+                <a:highlight>
+                  <a:scrgbClr r="0" g="0" b="0">
+                    <a:alpha val="0"/>
+                  </a:scrgbClr>
+                </a:highlight>
+                <a:latin typeface="Tw Cen MT"/>
+                <a:ea typeface="Microsoft YaHei" pitchFamily="2"/>
+                <a:cs typeface="Arial" pitchFamily="2"/>
+              </a:defRPr>
+            </a:lvl6pPr>
+            <a:lvl7pPr marL="3024000" lvl="6" indent="-216000" algn="l" rtl="0" hangingPunct="1">
+              <a:lnSpc>
+                <a:spcPct val="90000"/>
+              </a:lnSpc>
+              <a:spcBef>
+                <a:spcPts val="283"/>
+              </a:spcBef>
+              <a:spcAft>
+                <a:spcPts val="0"/>
+              </a:spcAft>
+              <a:buSzPct val="45000"/>
+              <a:buFont typeface="StarSymbol"/>
+              <a:buChar char="●"/>
+              <a:defRPr lang="en-US" sz="2000" b="0" i="0" u="none" strike="noStrike" kern="1200" cap="none" spc="0" baseline="0">
+                <a:ln>
+                  <a:noFill/>
+                </a:ln>
+                <a:solidFill>
+                  <a:srgbClr val="000000"/>
+                </a:solidFill>
+                <a:highlight>
+                  <a:scrgbClr r="0" g="0" b="0">
+                    <a:alpha val="0"/>
+                  </a:scrgbClr>
+                </a:highlight>
+                <a:latin typeface="Tw Cen MT"/>
+                <a:ea typeface="Microsoft YaHei" pitchFamily="2"/>
+                <a:cs typeface="Arial" pitchFamily="2"/>
+              </a:defRPr>
+            </a:lvl7pPr>
+            <a:lvl8pPr marL="3456000" lvl="7" indent="-216000" algn="l" rtl="0" hangingPunct="1">
+              <a:lnSpc>
+                <a:spcPct val="90000"/>
+              </a:lnSpc>
+              <a:spcBef>
+                <a:spcPts val="283"/>
+              </a:spcBef>
+              <a:spcAft>
+                <a:spcPts val="0"/>
+              </a:spcAft>
+              <a:buSzPct val="45000"/>
+              <a:buFont typeface="StarSymbol"/>
+              <a:buChar char="●"/>
+              <a:defRPr lang="en-US" sz="2000" b="0" i="0" u="none" strike="noStrike" kern="1200" cap="none" spc="0" baseline="0">
+                <a:ln>
+                  <a:noFill/>
+                </a:ln>
+                <a:solidFill>
+                  <a:srgbClr val="000000"/>
+                </a:solidFill>
+                <a:highlight>
+                  <a:scrgbClr r="0" g="0" b="0">
+                    <a:alpha val="0"/>
+                  </a:scrgbClr>
+                </a:highlight>
+                <a:latin typeface="Tw Cen MT"/>
+                <a:ea typeface="Microsoft YaHei" pitchFamily="2"/>
+                <a:cs typeface="Arial" pitchFamily="2"/>
+              </a:defRPr>
+            </a:lvl8pPr>
+            <a:lvl9pPr marL="3887999" lvl="8" indent="-216000" algn="l" rtl="0" hangingPunct="1">
+              <a:lnSpc>
+                <a:spcPct val="90000"/>
+              </a:lnSpc>
+              <a:spcBef>
+                <a:spcPts val="283"/>
+              </a:spcBef>
+              <a:spcAft>
+                <a:spcPts val="0"/>
+              </a:spcAft>
+              <a:buSzPct val="45000"/>
+              <a:buFont typeface="StarSymbol"/>
+              <a:buChar char="●"/>
+              <a:defRPr lang="en-US" sz="2000" b="0" i="0" u="none" strike="noStrike" kern="1200" cap="none" spc="0" baseline="0">
+                <a:ln>
+                  <a:noFill/>
+                </a:ln>
+                <a:solidFill>
+                  <a:srgbClr val="000000"/>
+                </a:solidFill>
+                <a:highlight>
+                  <a:scrgbClr r="0" g="0" b="0">
+                    <a:alpha val="0"/>
+                  </a:scrgbClr>
+                </a:highlight>
+                <a:latin typeface="Tw Cen MT"/>
+                <a:ea typeface="Microsoft YaHei" pitchFamily="2"/>
+                <a:cs typeface="Arial" pitchFamily="2"/>
+              </a:defRPr>
+            </a:lvl9pPr>
+          </a:lstStyle>
+          <a:p>
+            <a:r>
+              <a:rPr lang="pt-BR" dirty="0"/>
+              <a:t>Proposta de caminho</a:t>
+            </a:r>
+          </a:p>
+          <a:p>
+            <a:pPr marL="108000" indent="0">
+              <a:buNone/>
+            </a:pPr>
+            <a:r>
+              <a:rPr lang="pt-BR" dirty="0"/>
+              <a:t>percorrido pelo usuário</a:t>
+            </a:r>
+          </a:p>
+          <a:p>
+            <a:pPr marL="108000" indent="0">
+              <a:buNone/>
+            </a:pPr>
+            <a:r>
+              <a:rPr lang="pt-BR" dirty="0"/>
+              <a:t>para fazer uso da</a:t>
+            </a:r>
+          </a:p>
+          <a:p>
+            <a:pPr marL="108000" indent="0">
+              <a:buNone/>
+            </a:pPr>
+            <a:r>
+              <a:rPr lang="pt-BR" dirty="0"/>
+              <a:t>plataforma</a:t>
+            </a:r>
+          </a:p>
+          <a:p>
+            <a:r>
+              <a:rPr lang="pt-BR" dirty="0"/>
+              <a:t> Guia para </a:t>
+            </a:r>
+          </a:p>
+          <a:p>
+            <a:pPr marL="108000" indent="0">
+              <a:buNone/>
+            </a:pPr>
+            <a:r>
+              <a:rPr lang="pt-BR" dirty="0"/>
+              <a:t>para desenvolver a</a:t>
+            </a:r>
+          </a:p>
+          <a:p>
+            <a:pPr marL="108000" indent="0">
+              <a:buNone/>
+            </a:pPr>
+            <a:r>
+              <a:rPr lang="pt-BR" dirty="0"/>
+              <a:t>plataforma</a:t>
+            </a:r>
+          </a:p>
+          <a:p>
+            <a:pPr marL="108000" indent="0">
+              <a:buNone/>
+            </a:pPr>
+            <a:endParaRPr lang="pt-BR" dirty="0"/>
+          </a:p>
+        </p:txBody>
+      </p:sp>
+    </p:spTree>
+    <p:extLst>
+      <p:ext uri="{BB962C8B-B14F-4D97-AF65-F5344CB8AC3E}">
+        <p14:creationId xmlns:p14="http://schemas.microsoft.com/office/powerpoint/2010/main" val="840499465"/>
+      </p:ext>
+    </p:extLst>
+  </p:cSld>
+  <p:clrMapOvr>
+    <a:masterClrMapping/>
+  </p:clrMapOvr>
+  <p:transition/>
+</p:sld>
+</file>
+
+<file path=ppt/slides/slide11.xml><?xml version="1.0" encoding="utf-8"?>
+<p:sld xmlns:a="http://schemas.openxmlformats.org/drawingml/2006/main" xmlns:r="http://schemas.openxmlformats.org/officeDocument/2006/relationships" xmlns:p="http://schemas.openxmlformats.org/presentationml/2006/main">
+  <p:cSld>
+    <p:spTree>
+      <p:nvGrpSpPr>
+        <p:cNvPr id="1" name=""/>
+        <p:cNvGrpSpPr/>
+        <p:nvPr/>
+      </p:nvGrpSpPr>
+      <p:grpSpPr>
+        <a:xfrm>
+          <a:off x="0" y="0"/>
+          <a:ext cx="0" cy="0"/>
+          <a:chOff x="0" y="0"/>
+          <a:chExt cx="0" cy="0"/>
+        </a:xfrm>
+      </p:grpSpPr>
+      <p:sp>
+        <p:nvSpPr>
+          <p:cNvPr id="2" name="Título 1"/>
+          <p:cNvSpPr txBox="1">
+            <a:spLocks noGrp="1"/>
+          </p:cNvSpPr>
+          <p:nvPr>
+            <p:ph type="title"/>
+          </p:nvPr>
+        </p:nvSpPr>
+        <p:spPr>
+          <a:xfrm>
+            <a:off x="1024199" y="585360"/>
+            <a:ext cx="9719640" cy="1499399"/>
+          </a:xfrm>
+        </p:spPr>
+        <p:txBody>
+          <a:bodyPr wrap="square" anchor="ctr">
+            <a:normAutofit/>
+          </a:bodyPr>
+          <a:lstStyle>
+            <a:defPPr lvl="0">
+              <a:buSzPct val="45000"/>
+              <a:buFont typeface="StarSymbol"/>
+              <a:buNone/>
+            </a:defPPr>
+            <a:lvl1pPr lvl="0">
+              <a:buSzPct val="45000"/>
+              <a:buFont typeface="StarSymbol"/>
+              <a:buChar char="●"/>
+            </a:lvl1pPr>
+            <a:lvl2pPr lvl="1">
+              <a:buSzPct val="45000"/>
+              <a:buFont typeface="StarSymbol"/>
+              <a:buChar char="●"/>
+            </a:lvl2pPr>
+            <a:lvl3pPr lvl="2">
+              <a:buSzPct val="45000"/>
+              <a:buFont typeface="StarSymbol"/>
+              <a:buChar char="●"/>
+            </a:lvl3pPr>
+            <a:lvl4pPr lvl="3">
+              <a:buSzPct val="45000"/>
+              <a:buFont typeface="StarSymbol"/>
+              <a:buChar char="●"/>
+            </a:lvl4pPr>
+            <a:lvl5pPr lvl="4">
+              <a:buSzPct val="45000"/>
+              <a:buFont typeface="StarSymbol"/>
+              <a:buChar char="●"/>
+            </a:lvl5pPr>
+            <a:lvl6pPr lvl="5">
+              <a:buSzPct val="45000"/>
+              <a:buFont typeface="StarSymbol"/>
+              <a:buChar char="●"/>
+            </a:lvl6pPr>
+            <a:lvl7pPr lvl="6">
+              <a:buSzPct val="45000"/>
+              <a:buFont typeface="StarSymbol"/>
+              <a:buChar char="●"/>
+            </a:lvl7pPr>
+            <a:lvl8pPr lvl="7">
+              <a:buSzPct val="45000"/>
+              <a:buFont typeface="StarSymbol"/>
+              <a:buChar char="●"/>
+            </a:lvl8pPr>
+            <a:lvl9pPr lvl="8">
+              <a:buSzPct val="45000"/>
+              <a:buFont typeface="StarSymbol"/>
+              <a:buChar char="●"/>
+            </a:lvl9pPr>
+          </a:lstStyle>
+          <a:p>
+            <a:pPr lvl="0">
+              <a:buNone/>
+            </a:pPr>
+            <a:r>
+              <a:rPr lang="pt-BR" dirty="0"/>
               <a:t>Metodologia</a:t>
             </a:r>
-            <a:endParaRPr lang="pt-BR" dirty="0"/>
-          </a:p>
-        </p:txBody>
-      </p:sp>
+          </a:p>
+        </p:txBody>
+      </p:sp>
+      <p:pic>
+        <p:nvPicPr>
+          <p:cNvPr id="9" name="Picture 8">
+            <a:extLst>
+              <a:ext uri="{FF2B5EF4-FFF2-40B4-BE49-F238E27FC236}">
+                <a16:creationId xmlns:a16="http://schemas.microsoft.com/office/drawing/2014/main" id="{CD2DAB31-DE47-4516-8C08-311C5B311606}"/>
+              </a:ext>
+            </a:extLst>
+          </p:cNvPr>
+          <p:cNvPicPr>
+            <a:picLocks noChangeAspect="1"/>
+          </p:cNvPicPr>
+          <p:nvPr/>
+        </p:nvPicPr>
+        <p:blipFill>
+          <a:blip r:embed="rId3"/>
+          <a:stretch>
+            <a:fillRect/>
+          </a:stretch>
+        </p:blipFill>
+        <p:spPr>
+          <a:xfrm>
+            <a:off x="1609910" y="2286000"/>
+            <a:ext cx="3611193" cy="4022725"/>
+          </a:xfrm>
+          <a:prstGeom prst="rect">
+            <a:avLst/>
+          </a:prstGeom>
+          <a:noFill/>
+        </p:spPr>
+      </p:pic>
       <p:sp>
         <p:nvSpPr>
           <p:cNvPr id="3" name="Espaço Reservado para Conteúdo 2"/>
@@ -9522,12 +10155,19 @@
             <a:spLocks noGrp="1"/>
           </p:cNvSpPr>
           <p:nvPr>
-            <p:ph type="body" idx="4294967295"/>
-          </p:nvPr>
-        </p:nvSpPr>
-        <p:spPr/>
-        <p:txBody>
-          <a:bodyPr/>
+            <p:ph sz="half" idx="2"/>
+          </p:nvPr>
+        </p:nvSpPr>
+        <p:spPr>
+          <a:xfrm>
+            <a:off x="5959475" y="2286000"/>
+            <a:ext cx="4784725" cy="4022725"/>
+          </a:xfrm>
+        </p:spPr>
+        <p:txBody>
+          <a:bodyPr wrap="square" anchor="t">
+            <a:normAutofit fontScale="92500" lnSpcReduction="20000"/>
+          </a:bodyPr>
           <a:lstStyle>
             <a:defPPr marL="432000" lvl="0" indent="-324000" algn="l" rtl="0" hangingPunct="1">
               <a:lnSpc>
@@ -9846,26 +10486,9 @@
               </a:tabLst>
             </a:pPr>
             <a:r>
-              <a:rPr lang="pt-BR" dirty="0" smtClean="0"/>
-              <a:t>Processo de trabalho ( Design </a:t>
-            </a:r>
-            <a:r>
-              <a:rPr lang="pt-BR" dirty="0" err="1" smtClean="0"/>
-              <a:t>Thinking</a:t>
-            </a:r>
-            <a:r>
-              <a:rPr lang="pt-BR" dirty="0" smtClean="0"/>
-              <a:t> e </a:t>
-            </a:r>
-            <a:r>
-              <a:rPr lang="pt-BR" dirty="0" err="1" smtClean="0"/>
-              <a:t>Scrum</a:t>
-            </a:r>
-            <a:r>
-              <a:rPr lang="pt-BR" dirty="0" smtClean="0"/>
-              <a:t> )</a:t>
-            </a:r>
-            <a:endParaRPr lang="pt-BR" dirty="0"/>
+              <a:rPr lang="pt-BR" sz="2600" dirty="0"/>
+              <a:t> Processo de trabalho ( Design Thinking e Scrum )</a:t>
+            </a:r>
           </a:p>
           <a:p>
             <a:pPr marL="0" lvl="0" indent="0">
@@ -9880,7 +10503,7 @@
                 <a:tab pos="0" algn="l"/>
               </a:tabLst>
             </a:pPr>
-            <a:endParaRPr lang="pt-BR" dirty="0" smtClean="0"/>
+            <a:endParaRPr lang="pt-BR" sz="2600" dirty="0"/>
           </a:p>
           <a:p>
             <a:pPr marL="0" lvl="0" indent="0">
@@ -9898,10 +10521,9 @@
               </a:tabLst>
             </a:pPr>
             <a:r>
-              <a:rPr lang="pt-BR" dirty="0" smtClean="0"/>
-              <a:t>Divisão de Papeis</a:t>
-            </a:r>
-            <a:endParaRPr lang="pt-BR" dirty="0" smtClean="0"/>
+              <a:rPr lang="pt-BR" sz="2600" dirty="0"/>
+              <a:t> Divisão de Papeis</a:t>
+            </a:r>
           </a:p>
           <a:p>
             <a:pPr marL="0" lvl="0" indent="0">
@@ -9916,7 +10538,7 @@
                 <a:tab pos="0" algn="l"/>
               </a:tabLst>
             </a:pPr>
-            <a:endParaRPr lang="pt-BR" dirty="0"/>
+            <a:endParaRPr lang="pt-BR" sz="2600" dirty="0"/>
           </a:p>
           <a:p>
             <a:pPr marL="0" lvl="0" indent="0">
@@ -9934,9 +10556,70 @@
               </a:tabLst>
             </a:pPr>
             <a:r>
-              <a:rPr lang="pt-BR" dirty="0" smtClean="0"/>
-              <a:t>Ferramentas</a:t>
-            </a:r>
+              <a:rPr lang="pt-BR" sz="2600" dirty="0"/>
+              <a:t> Ferramentas </a:t>
+            </a:r>
+          </a:p>
+          <a:p>
+            <a:pPr marL="432000" lvl="1" indent="0">
+              <a:spcBef>
+                <a:spcPts val="1199"/>
+              </a:spcBef>
+              <a:spcAft>
+                <a:spcPts val="201"/>
+              </a:spcAft>
+              <a:buSzPct val="100000"/>
+              <a:buFont typeface="Wingdings" pitchFamily="2"/>
+              <a:buChar char=""/>
+              <a:tabLst>
+                <a:tab pos="0" algn="l"/>
+              </a:tabLst>
+            </a:pPr>
+            <a:r>
+              <a:rPr lang="pt-BR" sz="1800" dirty="0"/>
+              <a:t>Miro</a:t>
+            </a:r>
+          </a:p>
+          <a:p>
+            <a:pPr marL="432000" lvl="1" indent="0">
+              <a:spcBef>
+                <a:spcPts val="1199"/>
+              </a:spcBef>
+              <a:spcAft>
+                <a:spcPts val="201"/>
+              </a:spcAft>
+              <a:buSzPct val="100000"/>
+              <a:buFont typeface="Wingdings" pitchFamily="2"/>
+              <a:buChar char=""/>
+              <a:tabLst>
+                <a:tab pos="0" algn="l"/>
+              </a:tabLst>
+            </a:pPr>
+            <a:r>
+              <a:rPr lang="pt-BR" sz="1800" dirty="0"/>
+              <a:t>Heroku</a:t>
+            </a:r>
+          </a:p>
+          <a:p>
+            <a:pPr marL="432000" lvl="1" indent="0">
+              <a:spcBef>
+                <a:spcPts val="1199"/>
+              </a:spcBef>
+              <a:spcAft>
+                <a:spcPts val="201"/>
+              </a:spcAft>
+              <a:buSzPct val="100000"/>
+              <a:buFont typeface="Wingdings" pitchFamily="2"/>
+              <a:buChar char=""/>
+              <a:tabLst>
+                <a:tab pos="0" algn="l"/>
+              </a:tabLst>
+            </a:pPr>
+            <a:r>
+              <a:rPr lang="pt-BR" sz="1800" dirty="0"/>
+              <a:t>Unsplash</a:t>
+            </a:r>
+            <a:endParaRPr lang="pt-BR" sz="2600" dirty="0"/>
           </a:p>
           <a:p>
             <a:pPr marL="0" lvl="0" indent="0">
@@ -9953,28 +10636,10 @@
                 <a:tab pos="0" algn="l"/>
               </a:tabLst>
             </a:pPr>
-            <a:endParaRPr lang="pt-BR" dirty="0" smtClean="0"/>
-          </a:p>
-          <a:p>
-            <a:pPr marL="0" lvl="0" indent="0">
-              <a:spcBef>
-                <a:spcPts val="1199"/>
-              </a:spcBef>
-              <a:spcAft>
-                <a:spcPts val="201"/>
-              </a:spcAft>
-              <a:buSzPct val="100000"/>
-              <a:buFont typeface="Wingdings" pitchFamily="2"/>
-              <a:buChar char=""/>
-              <a:tabLst>
-                <a:tab pos="0" algn="l"/>
-              </a:tabLst>
-            </a:pPr>
-            <a:r>
-              <a:rPr lang="pt-BR" dirty="0" smtClean="0"/>
-              <a:t>Controle da versão </a:t>
-            </a:r>
-            <a:endParaRPr lang="pt-BR" dirty="0"/>
+            <a:r>
+              <a:rPr lang="pt-BR" sz="2600" dirty="0"/>
+              <a:t> Controle da versão (GitHub)</a:t>
+            </a:r>
           </a:p>
         </p:txBody>
       </p:sp>
@@ -9984,13 +10649,6 @@
     <a:masterClrMapping/>
   </p:clrMapOvr>
   <p:transition/>
-  <p:timing>
-    <p:tnLst>
-      <p:par>
-        <p:cTn id="1" dur="indefinite" restart="never" nodeType="tmRoot"/>
-      </p:par>
-    </p:tnLst>
-  </p:timing>
 </p:sld>
 </file>
 
@@ -10420,32 +11078,8 @@
               <a:buChar char=" "/>
             </a:pPr>
             <a:r>
-              <a:rPr lang="pt-BR" altLang="zh-CN" dirty="0" smtClean="0"/>
-              <a:t>O </a:t>
-            </a:r>
-            <a:r>
               <a:rPr lang="pt-BR" altLang="zh-CN" dirty="0"/>
-              <a:t>problema em aprender música atualmente se da pela falta de tempo e material </a:t>
-            </a:r>
-            <a:r>
-              <a:rPr lang="pt-BR" altLang="zh-CN" dirty="0" smtClean="0"/>
-              <a:t>didático </a:t>
-            </a:r>
-            <a:r>
-              <a:rPr lang="pt-BR" altLang="zh-CN" dirty="0"/>
-              <a:t>para um aprendizado melhor e mais </a:t>
-            </a:r>
-            <a:r>
-              <a:rPr lang="pt-BR" altLang="zh-CN" dirty="0" smtClean="0"/>
-              <a:t>rápido, </a:t>
-            </a:r>
-            <a:r>
-              <a:rPr lang="pt-BR" altLang="zh-CN" dirty="0"/>
-              <a:t>que tem sido o foco de muitos dos alunos que se empenham em começar a aprender teoria musical, e assim partir para um instrumento na </a:t>
-            </a:r>
-            <a:r>
-              <a:rPr lang="pt-BR" altLang="zh-CN" dirty="0" smtClean="0"/>
-              <a:t>pratica.</a:t>
+              <a:t>O problema em aprender música atualmente se da pela falta de tempo e material didático para um aprendizado melhor e mais rápido, que tem sido o foco de muitos dos alunos que se empenham em começar a aprender teoria musical, e assim partir para um instrumento na pratica.</a:t>
             </a:r>
             <a:endParaRPr lang="zh-CN" altLang="pt-BR" dirty="0"/>
           </a:p>
@@ -10521,17 +11155,579 @@
     <a:masterClrMapping/>
   </p:clrMapOvr>
   <p:transition/>
-  <p:timing>
-    <p:tnLst>
-      <p:par>
-        <p:cTn id="1" dur="indefinite" restart="never" nodeType="tmRoot"/>
-      </p:par>
-    </p:tnLst>
-  </p:timing>
 </p:sld>
 </file>
 
 <file path=ppt/slides/slide3.xml><?xml version="1.0" encoding="utf-8"?>
+<p:sld xmlns:a="http://schemas.openxmlformats.org/drawingml/2006/main" xmlns:r="http://schemas.openxmlformats.org/officeDocument/2006/relationships" xmlns:p="http://schemas.openxmlformats.org/presentationml/2006/main">
+  <p:cSld>
+    <p:spTree>
+      <p:nvGrpSpPr>
+        <p:cNvPr id="1" name=""/>
+        <p:cNvGrpSpPr/>
+        <p:nvPr/>
+      </p:nvGrpSpPr>
+      <p:grpSpPr>
+        <a:xfrm>
+          <a:off x="0" y="0"/>
+          <a:ext cx="0" cy="0"/>
+          <a:chOff x="0" y="0"/>
+          <a:chExt cx="0" cy="0"/>
+        </a:xfrm>
+      </p:grpSpPr>
+      <p:sp>
+        <p:nvSpPr>
+          <p:cNvPr id="2" name="Título 1"/>
+          <p:cNvSpPr txBox="1">
+            <a:spLocks noGrp="1"/>
+          </p:cNvSpPr>
+          <p:nvPr>
+            <p:ph type="title"/>
+          </p:nvPr>
+        </p:nvSpPr>
+        <p:spPr>
+          <a:xfrm>
+            <a:off x="1024199" y="585360"/>
+            <a:ext cx="9719640" cy="1499399"/>
+          </a:xfrm>
+        </p:spPr>
+        <p:txBody>
+          <a:bodyPr wrap="square" anchor="ctr">
+            <a:normAutofit/>
+          </a:bodyPr>
+          <a:lstStyle>
+            <a:defPPr lvl="0">
+              <a:buSzPct val="45000"/>
+              <a:buFont typeface="StarSymbol"/>
+              <a:buNone/>
+            </a:defPPr>
+            <a:lvl1pPr lvl="0">
+              <a:buSzPct val="45000"/>
+              <a:buFont typeface="StarSymbol"/>
+              <a:buChar char="●"/>
+            </a:lvl1pPr>
+            <a:lvl2pPr lvl="1">
+              <a:buSzPct val="45000"/>
+              <a:buFont typeface="StarSymbol"/>
+              <a:buChar char="●"/>
+            </a:lvl2pPr>
+            <a:lvl3pPr lvl="2">
+              <a:buSzPct val="45000"/>
+              <a:buFont typeface="StarSymbol"/>
+              <a:buChar char="●"/>
+            </a:lvl3pPr>
+            <a:lvl4pPr lvl="3">
+              <a:buSzPct val="45000"/>
+              <a:buFont typeface="StarSymbol"/>
+              <a:buChar char="●"/>
+            </a:lvl4pPr>
+            <a:lvl5pPr lvl="4">
+              <a:buSzPct val="45000"/>
+              <a:buFont typeface="StarSymbol"/>
+              <a:buChar char="●"/>
+            </a:lvl5pPr>
+            <a:lvl6pPr lvl="5">
+              <a:buSzPct val="45000"/>
+              <a:buFont typeface="StarSymbol"/>
+              <a:buChar char="●"/>
+            </a:lvl6pPr>
+            <a:lvl7pPr lvl="6">
+              <a:buSzPct val="45000"/>
+              <a:buFont typeface="StarSymbol"/>
+              <a:buChar char="●"/>
+            </a:lvl7pPr>
+            <a:lvl8pPr lvl="7">
+              <a:buSzPct val="45000"/>
+              <a:buFont typeface="StarSymbol"/>
+              <a:buChar char="●"/>
+            </a:lvl8pPr>
+            <a:lvl9pPr lvl="8">
+              <a:buSzPct val="45000"/>
+              <a:buFont typeface="StarSymbol"/>
+              <a:buChar char="●"/>
+            </a:lvl9pPr>
+          </a:lstStyle>
+          <a:p>
+            <a:pPr lvl="0">
+              <a:buNone/>
+            </a:pPr>
+            <a:r>
+              <a:rPr lang="pt-BR" dirty="0"/>
+              <a:t>Público alvo</a:t>
+            </a:r>
+          </a:p>
+        </p:txBody>
+      </p:sp>
+      <p:pic>
+        <p:nvPicPr>
+          <p:cNvPr id="3076" name="Picture 4" descr="clear hour glass">
+            <a:extLst>
+              <a:ext uri="{FF2B5EF4-FFF2-40B4-BE49-F238E27FC236}">
+                <a16:creationId xmlns:a16="http://schemas.microsoft.com/office/drawing/2014/main" id="{AAB0E96A-FAF2-9CAE-8EA0-E6B929776C80}"/>
+              </a:ext>
+            </a:extLst>
+          </p:cNvPr>
+          <p:cNvPicPr>
+            <a:picLocks noChangeAspect="1" noChangeArrowheads="1"/>
+          </p:cNvPicPr>
+          <p:nvPr/>
+        </p:nvPicPr>
+        <p:blipFill>
+          <a:blip r:embed="rId3" cstate="print">
+            <a:extLst>
+              <a:ext uri="{28A0092B-C50C-407E-A947-70E740481C1C}">
+                <a14:useLocalDpi xmlns:a14="http://schemas.microsoft.com/office/drawing/2010/main" val="0"/>
+              </a:ext>
+            </a:extLst>
+          </a:blip>
+          <a:stretch>
+            <a:fillRect/>
+          </a:stretch>
+        </p:blipFill>
+        <p:spPr bwMode="auto">
+          <a:xfrm>
+            <a:off x="7032104" y="848068"/>
+            <a:ext cx="3600400" cy="5161864"/>
+          </a:xfrm>
+          <a:prstGeom prst="rect">
+            <a:avLst/>
+          </a:prstGeom>
+          <a:solidFill>
+            <a:srgbClr val="FFFFFF"/>
+          </a:solidFill>
+          <a:extLst>
+            <a:ext uri="{909E8E84-426E-40DD-AFC4-6F175D3DCCD1}">
+              <a14:hiddenFill xmlns:a14="http://schemas.microsoft.com/office/drawing/2010/main">
+                <a:solidFill>
+                  <a:srgbClr val="FFFFFF"/>
+                </a:solidFill>
+              </a14:hiddenFill>
+            </a:ext>
+          </a:extLst>
+        </p:spPr>
+      </p:pic>
+      <p:sp>
+        <p:nvSpPr>
+          <p:cNvPr id="7" name="Espaço Reservado para Conteúdo 2">
+            <a:extLst>
+              <a:ext uri="{FF2B5EF4-FFF2-40B4-BE49-F238E27FC236}">
+                <a16:creationId xmlns:a16="http://schemas.microsoft.com/office/drawing/2014/main" id="{32BA8059-A69C-8522-FA05-B973B94629E0}"/>
+              </a:ext>
+            </a:extLst>
+          </p:cNvPr>
+          <p:cNvSpPr txBox="1">
+            <a:spLocks/>
+          </p:cNvSpPr>
+          <p:nvPr/>
+        </p:nvSpPr>
+        <p:spPr>
+          <a:xfrm>
+            <a:off x="637038" y="2204864"/>
+            <a:ext cx="3600400" cy="4360604"/>
+          </a:xfrm>
+          <a:prstGeom prst="rect">
+            <a:avLst/>
+          </a:prstGeom>
+          <a:noFill/>
+          <a:ln>
+            <a:noFill/>
+          </a:ln>
+        </p:spPr>
+        <p:txBody>
+          <a:bodyPr vert="horz" wrap="square" lIns="45720" tIns="45720" rIns="45720" bIns="45720" anchor="t"/>
+          <a:lstStyle>
+            <a:defPPr marL="432000" lvl="0" indent="-324000" algn="l" rtl="0" hangingPunct="1">
+              <a:lnSpc>
+                <a:spcPct val="90000"/>
+              </a:lnSpc>
+              <a:spcBef>
+                <a:spcPts val="1417"/>
+              </a:spcBef>
+              <a:spcAft>
+                <a:spcPts val="0"/>
+              </a:spcAft>
+              <a:buSzPct val="45000"/>
+              <a:buFont typeface="StarSymbol"/>
+              <a:buNone/>
+              <a:defRPr lang="en-US" sz="2200" b="0" i="0" u="none" strike="noStrike" kern="1200" cap="none" spc="0" baseline="0">
+                <a:ln>
+                  <a:noFill/>
+                </a:ln>
+                <a:solidFill>
+                  <a:srgbClr val="000000"/>
+                </a:solidFill>
+                <a:highlight>
+                  <a:scrgbClr r="0" g="0" b="0">
+                    <a:alpha val="0"/>
+                  </a:scrgbClr>
+                </a:highlight>
+                <a:latin typeface="Tw Cen MT"/>
+                <a:ea typeface="Microsoft YaHei" pitchFamily="2"/>
+                <a:cs typeface="Arial" pitchFamily="2"/>
+              </a:defRPr>
+            </a:defPPr>
+            <a:lvl1pPr marL="432000" marR="0" lvl="0" indent="-324000" algn="l" rtl="0" hangingPunct="1">
+              <a:lnSpc>
+                <a:spcPct val="90000"/>
+              </a:lnSpc>
+              <a:spcBef>
+                <a:spcPts val="1417"/>
+              </a:spcBef>
+              <a:spcAft>
+                <a:spcPts val="0"/>
+              </a:spcAft>
+              <a:buClr>
+                <a:srgbClr val="1CADE4"/>
+              </a:buClr>
+              <a:buSzPct val="45000"/>
+              <a:buFont typeface="StarSymbol"/>
+              <a:buChar char="●"/>
+              <a:tabLst/>
+              <a:defRPr lang="en-US" sz="2200" b="0" i="0" u="none" strike="noStrike" kern="1200" cap="none" spc="0" baseline="0">
+                <a:ln>
+                  <a:noFill/>
+                </a:ln>
+                <a:solidFill>
+                  <a:srgbClr val="000000"/>
+                </a:solidFill>
+                <a:highlight>
+                  <a:scrgbClr r="0" g="0" b="0">
+                    <a:alpha val="0"/>
+                  </a:scrgbClr>
+                </a:highlight>
+                <a:latin typeface="Tw Cen MT"/>
+                <a:ea typeface="Microsoft YaHei" pitchFamily="2"/>
+                <a:cs typeface="Arial" pitchFamily="2"/>
+              </a:defRPr>
+            </a:lvl1pPr>
+            <a:lvl2pPr marL="864000" marR="0" lvl="1" indent="-324000" algn="l" rtl="0" hangingPunct="1">
+              <a:lnSpc>
+                <a:spcPct val="90000"/>
+              </a:lnSpc>
+              <a:spcBef>
+                <a:spcPts val="1134"/>
+              </a:spcBef>
+              <a:spcAft>
+                <a:spcPts val="0"/>
+              </a:spcAft>
+              <a:buClr>
+                <a:srgbClr val="1CADE4"/>
+              </a:buClr>
+              <a:buSzPct val="75000"/>
+              <a:buFont typeface="StarSymbol"/>
+              <a:buChar char="–"/>
+              <a:tabLst/>
+              <a:defRPr lang="en-US" sz="1400" b="0" i="0" u="none" strike="noStrike" kern="1200" cap="none" spc="0" baseline="0">
+                <a:ln>
+                  <a:noFill/>
+                </a:ln>
+                <a:solidFill>
+                  <a:srgbClr val="000000"/>
+                </a:solidFill>
+                <a:highlight>
+                  <a:scrgbClr r="0" g="0" b="0">
+                    <a:alpha val="0"/>
+                  </a:scrgbClr>
+                </a:highlight>
+                <a:latin typeface="Tw Cen MT"/>
+                <a:ea typeface="Microsoft YaHei" pitchFamily="2"/>
+                <a:cs typeface="Arial" pitchFamily="2"/>
+              </a:defRPr>
+            </a:lvl2pPr>
+            <a:lvl3pPr marL="1295999" marR="0" lvl="2" indent="-288000" algn="l" rtl="0" hangingPunct="1">
+              <a:lnSpc>
+                <a:spcPct val="90000"/>
+              </a:lnSpc>
+              <a:spcBef>
+                <a:spcPts val="850"/>
+              </a:spcBef>
+              <a:spcAft>
+                <a:spcPts val="0"/>
+              </a:spcAft>
+              <a:buClr>
+                <a:srgbClr val="1CADE4"/>
+              </a:buClr>
+              <a:buSzPct val="45000"/>
+              <a:buFont typeface="StarSymbol"/>
+              <a:buChar char="●"/>
+              <a:tabLst/>
+              <a:defRPr lang="en-US" sz="1400" b="0" i="0" u="none" strike="noStrike" kern="1200" cap="none" spc="0" baseline="0">
+                <a:ln>
+                  <a:noFill/>
+                </a:ln>
+                <a:solidFill>
+                  <a:srgbClr val="000000"/>
+                </a:solidFill>
+                <a:highlight>
+                  <a:scrgbClr r="0" g="0" b="0">
+                    <a:alpha val="0"/>
+                  </a:scrgbClr>
+                </a:highlight>
+                <a:latin typeface="Tw Cen MT"/>
+                <a:ea typeface="Microsoft YaHei" pitchFamily="2"/>
+                <a:cs typeface="Arial" pitchFamily="2"/>
+              </a:defRPr>
+            </a:lvl3pPr>
+            <a:lvl4pPr marL="1728000" marR="0" lvl="3" indent="-216000" algn="l" rtl="0" hangingPunct="1">
+              <a:lnSpc>
+                <a:spcPct val="90000"/>
+              </a:lnSpc>
+              <a:spcBef>
+                <a:spcPts val="567"/>
+              </a:spcBef>
+              <a:spcAft>
+                <a:spcPts val="0"/>
+              </a:spcAft>
+              <a:buClr>
+                <a:srgbClr val="1CADE4"/>
+              </a:buClr>
+              <a:buSzPct val="75000"/>
+              <a:buFont typeface="StarSymbol"/>
+              <a:buChar char="–"/>
+              <a:tabLst/>
+              <a:defRPr lang="en-US" sz="1400" b="0" i="0" u="none" strike="noStrike" kern="1200" cap="none" spc="0" baseline="0">
+                <a:ln>
+                  <a:noFill/>
+                </a:ln>
+                <a:solidFill>
+                  <a:srgbClr val="000000"/>
+                </a:solidFill>
+                <a:highlight>
+                  <a:scrgbClr r="0" g="0" b="0">
+                    <a:alpha val="0"/>
+                  </a:scrgbClr>
+                </a:highlight>
+                <a:latin typeface="Tw Cen MT"/>
+                <a:ea typeface="Microsoft YaHei" pitchFamily="2"/>
+                <a:cs typeface="Arial" pitchFamily="2"/>
+              </a:defRPr>
+            </a:lvl4pPr>
+            <a:lvl5pPr marL="2160000" marR="0" lvl="4" indent="-216000" algn="l" rtl="0" hangingPunct="1">
+              <a:lnSpc>
+                <a:spcPct val="90000"/>
+              </a:lnSpc>
+              <a:spcBef>
+                <a:spcPts val="283"/>
+              </a:spcBef>
+              <a:spcAft>
+                <a:spcPts val="0"/>
+              </a:spcAft>
+              <a:buClr>
+                <a:srgbClr val="1CADE4"/>
+              </a:buClr>
+              <a:buSzPct val="45000"/>
+              <a:buFont typeface="StarSymbol"/>
+              <a:buChar char="●"/>
+              <a:tabLst/>
+              <a:defRPr lang="en-US" sz="2000" b="0" i="0" u="none" strike="noStrike" kern="1200" cap="none" spc="0" baseline="0">
+                <a:ln>
+                  <a:noFill/>
+                </a:ln>
+                <a:solidFill>
+                  <a:srgbClr val="000000"/>
+                </a:solidFill>
+                <a:highlight>
+                  <a:scrgbClr r="0" g="0" b="0">
+                    <a:alpha val="0"/>
+                  </a:scrgbClr>
+                </a:highlight>
+                <a:latin typeface="Tw Cen MT"/>
+                <a:ea typeface="Microsoft YaHei" pitchFamily="2"/>
+                <a:cs typeface="Arial" pitchFamily="2"/>
+              </a:defRPr>
+            </a:lvl5pPr>
+            <a:lvl6pPr marL="2592000" lvl="5" indent="-216000" algn="l" rtl="0" hangingPunct="1">
+              <a:lnSpc>
+                <a:spcPct val="90000"/>
+              </a:lnSpc>
+              <a:spcBef>
+                <a:spcPts val="283"/>
+              </a:spcBef>
+              <a:spcAft>
+                <a:spcPts val="0"/>
+              </a:spcAft>
+              <a:buSzPct val="45000"/>
+              <a:buFont typeface="StarSymbol"/>
+              <a:buChar char="●"/>
+              <a:defRPr lang="en-US" sz="2000" b="0" i="0" u="none" strike="noStrike" kern="1200" cap="none" spc="0" baseline="0">
+                <a:ln>
+                  <a:noFill/>
+                </a:ln>
+                <a:solidFill>
+                  <a:srgbClr val="000000"/>
+                </a:solidFill>
+                <a:highlight>
+                  <a:scrgbClr r="0" g="0" b="0">
+                    <a:alpha val="0"/>
+                  </a:scrgbClr>
+                </a:highlight>
+                <a:latin typeface="Tw Cen MT"/>
+                <a:ea typeface="Microsoft YaHei" pitchFamily="2"/>
+                <a:cs typeface="Arial" pitchFamily="2"/>
+              </a:defRPr>
+            </a:lvl6pPr>
+            <a:lvl7pPr marL="3024000" lvl="6" indent="-216000" algn="l" rtl="0" hangingPunct="1">
+              <a:lnSpc>
+                <a:spcPct val="90000"/>
+              </a:lnSpc>
+              <a:spcBef>
+                <a:spcPts val="283"/>
+              </a:spcBef>
+              <a:spcAft>
+                <a:spcPts val="0"/>
+              </a:spcAft>
+              <a:buSzPct val="45000"/>
+              <a:buFont typeface="StarSymbol"/>
+              <a:buChar char="●"/>
+              <a:defRPr lang="en-US" sz="2000" b="0" i="0" u="none" strike="noStrike" kern="1200" cap="none" spc="0" baseline="0">
+                <a:ln>
+                  <a:noFill/>
+                </a:ln>
+                <a:solidFill>
+                  <a:srgbClr val="000000"/>
+                </a:solidFill>
+                <a:highlight>
+                  <a:scrgbClr r="0" g="0" b="0">
+                    <a:alpha val="0"/>
+                  </a:scrgbClr>
+                </a:highlight>
+                <a:latin typeface="Tw Cen MT"/>
+                <a:ea typeface="Microsoft YaHei" pitchFamily="2"/>
+                <a:cs typeface="Arial" pitchFamily="2"/>
+              </a:defRPr>
+            </a:lvl7pPr>
+            <a:lvl8pPr marL="3456000" lvl="7" indent="-216000" algn="l" rtl="0" hangingPunct="1">
+              <a:lnSpc>
+                <a:spcPct val="90000"/>
+              </a:lnSpc>
+              <a:spcBef>
+                <a:spcPts val="283"/>
+              </a:spcBef>
+              <a:spcAft>
+                <a:spcPts val="0"/>
+              </a:spcAft>
+              <a:buSzPct val="45000"/>
+              <a:buFont typeface="StarSymbol"/>
+              <a:buChar char="●"/>
+              <a:defRPr lang="en-US" sz="2000" b="0" i="0" u="none" strike="noStrike" kern="1200" cap="none" spc="0" baseline="0">
+                <a:ln>
+                  <a:noFill/>
+                </a:ln>
+                <a:solidFill>
+                  <a:srgbClr val="000000"/>
+                </a:solidFill>
+                <a:highlight>
+                  <a:scrgbClr r="0" g="0" b="0">
+                    <a:alpha val="0"/>
+                  </a:scrgbClr>
+                </a:highlight>
+                <a:latin typeface="Tw Cen MT"/>
+                <a:ea typeface="Microsoft YaHei" pitchFamily="2"/>
+                <a:cs typeface="Arial" pitchFamily="2"/>
+              </a:defRPr>
+            </a:lvl8pPr>
+            <a:lvl9pPr marL="3887999" lvl="8" indent="-216000" algn="l" rtl="0" hangingPunct="1">
+              <a:lnSpc>
+                <a:spcPct val="90000"/>
+              </a:lnSpc>
+              <a:spcBef>
+                <a:spcPts val="283"/>
+              </a:spcBef>
+              <a:spcAft>
+                <a:spcPts val="0"/>
+              </a:spcAft>
+              <a:buSzPct val="45000"/>
+              <a:buFont typeface="StarSymbol"/>
+              <a:buChar char="●"/>
+              <a:defRPr lang="en-US" sz="2000" b="0" i="0" u="none" strike="noStrike" kern="1200" cap="none" spc="0" baseline="0">
+                <a:ln>
+                  <a:noFill/>
+                </a:ln>
+                <a:solidFill>
+                  <a:srgbClr val="000000"/>
+                </a:solidFill>
+                <a:highlight>
+                  <a:scrgbClr r="0" g="0" b="0">
+                    <a:alpha val="0"/>
+                  </a:scrgbClr>
+                </a:highlight>
+                <a:latin typeface="Tw Cen MT"/>
+                <a:ea typeface="Microsoft YaHei" pitchFamily="2"/>
+                <a:cs typeface="Arial" pitchFamily="2"/>
+              </a:defRPr>
+            </a:lvl9pPr>
+          </a:lstStyle>
+          <a:p>
+            <a:r>
+              <a:rPr lang="pt-BR" dirty="0"/>
+              <a:t>Pessoas que têm interesse em praticar e aprender música</a:t>
+            </a:r>
+          </a:p>
+          <a:p>
+            <a:r>
+              <a:rPr lang="pt-BR" dirty="0"/>
+              <a:t>Obstáculos para começar a aprender</a:t>
+            </a:r>
+          </a:p>
+          <a:p>
+            <a:pPr lvl="1">
+              <a:buFont typeface="Arial" panose="020B0604020202020204" pitchFamily="34" charset="0"/>
+              <a:buChar char="•"/>
+            </a:pPr>
+            <a:r>
+              <a:rPr lang="pt-BR" sz="1800" dirty="0"/>
+              <a:t>Falta de tempo</a:t>
+            </a:r>
+          </a:p>
+          <a:p>
+            <a:pPr lvl="1">
+              <a:buFont typeface="Arial" panose="020B0604020202020204" pitchFamily="34" charset="0"/>
+              <a:buChar char="•"/>
+            </a:pPr>
+            <a:r>
+              <a:rPr lang="pt-BR" sz="1800" dirty="0"/>
+              <a:t>Motivação</a:t>
+            </a:r>
+          </a:p>
+          <a:p>
+            <a:pPr lvl="1">
+              <a:buFont typeface="Arial" panose="020B0604020202020204" pitchFamily="34" charset="0"/>
+              <a:buChar char="•"/>
+            </a:pPr>
+            <a:r>
+              <a:rPr lang="pt-BR" sz="1800" dirty="0"/>
+              <a:t>Falta de acessibilidade</a:t>
+            </a:r>
+          </a:p>
+          <a:p>
+            <a:pPr marL="540000" lvl="1" indent="0">
+              <a:buNone/>
+            </a:pPr>
+            <a:endParaRPr lang="pt-BR" sz="1800" dirty="0"/>
+          </a:p>
+          <a:p>
+            <a:pPr marL="108000" indent="0">
+              <a:buNone/>
+            </a:pPr>
+            <a:endParaRPr lang="pt-BR" dirty="0"/>
+          </a:p>
+        </p:txBody>
+      </p:sp>
+    </p:spTree>
+    <p:extLst>
+      <p:ext uri="{BB962C8B-B14F-4D97-AF65-F5344CB8AC3E}">
+        <p14:creationId xmlns:p14="http://schemas.microsoft.com/office/powerpoint/2010/main" val="618740037"/>
+      </p:ext>
+    </p:extLst>
+  </p:cSld>
+  <p:clrMapOvr>
+    <a:masterClrMapping/>
+  </p:clrMapOvr>
+  <p:transition/>
+</p:sld>
+</file>
+
+<file path=ppt/slides/slide4.xml><?xml version="1.0" encoding="utf-8"?>
 <p:sld xmlns:a="http://schemas.openxmlformats.org/drawingml/2006/main" xmlns:r="http://schemas.openxmlformats.org/officeDocument/2006/relationships" xmlns:p="http://schemas.openxmlformats.org/presentationml/2006/main">
   <p:cSld name="Público-Alvo | PERSONAS">
     <p:spTree>
@@ -10828,17 +12024,10 @@
     <a:masterClrMapping/>
   </p:clrMapOvr>
   <p:transition/>
-  <p:timing>
-    <p:tnLst>
-      <p:par>
-        <p:cTn id="1" dur="indefinite" restart="never" nodeType="tmRoot"/>
-      </p:par>
-    </p:tnLst>
-  </p:timing>
 </p:sld>
 </file>
 
-<file path=ppt/slides/slide4.xml><?xml version="1.0" encoding="utf-8"?>
+<file path=ppt/slides/slide5.xml><?xml version="1.0" encoding="utf-8"?>
 <p:sld xmlns:a="http://schemas.openxmlformats.org/drawingml/2006/main" xmlns:r="http://schemas.openxmlformats.org/officeDocument/2006/relationships" xmlns:p="http://schemas.openxmlformats.org/presentationml/2006/main">
   <p:cSld>
     <p:spTree>
@@ -11135,17 +12324,10 @@
     <a:masterClrMapping/>
   </p:clrMapOvr>
   <p:transition/>
-  <p:timing>
-    <p:tnLst>
-      <p:par>
-        <p:cTn id="1" dur="indefinite" restart="never" nodeType="tmRoot"/>
-      </p:par>
-    </p:tnLst>
-  </p:timing>
 </p:sld>
 </file>
 
-<file path=ppt/slides/slide5.xml><?xml version="1.0" encoding="utf-8"?>
+<file path=ppt/slides/slide6.xml><?xml version="1.0" encoding="utf-8"?>
 <p:sld xmlns:a="http://schemas.openxmlformats.org/drawingml/2006/main" xmlns:r="http://schemas.openxmlformats.org/officeDocument/2006/relationships" xmlns:p="http://schemas.openxmlformats.org/presentationml/2006/main">
   <p:cSld>
     <p:spTree>
@@ -11442,17 +12624,10 @@
     <a:masterClrMapping/>
   </p:clrMapOvr>
   <p:transition/>
-  <p:timing>
-    <p:tnLst>
-      <p:par>
-        <p:cTn id="1" dur="indefinite" restart="never" nodeType="tmRoot"/>
-      </p:par>
-    </p:tnLst>
-  </p:timing>
 </p:sld>
 </file>
 
-<file path=ppt/slides/slide6.xml><?xml version="1.0" encoding="utf-8"?>
+<file path=ppt/slides/slide7.xml><?xml version="1.0" encoding="utf-8"?>
 <p:sld xmlns:a="http://schemas.openxmlformats.org/drawingml/2006/main" xmlns:r="http://schemas.openxmlformats.org/officeDocument/2006/relationships" xmlns:p="http://schemas.openxmlformats.org/presentationml/2006/main">
   <p:cSld name="Proposta de Solução | Objetivos">
     <p:spTree>
@@ -11867,37 +13042,37 @@
           </a:lstStyle>
           <a:p>
             <a:r>
-              <a:rPr lang="pt-BR" dirty="0" smtClean="0"/>
+              <a:rPr lang="pt-BR" dirty="0"/>
               <a:t>Aulas EAD gratuitas, gerando lucro para a empresa através de patrocinadores, anunciantes e aluguel de instrumentos.</a:t>
             </a:r>
           </a:p>
           <a:p>
             <a:r>
-              <a:rPr lang="pt-BR" dirty="0" smtClean="0"/>
+              <a:rPr lang="pt-BR" dirty="0"/>
               <a:t>Incluir um sistema de aluguel de instrumentos, de modo que o usuário encaixe o tempo do ensino dentro da sua rotina. Além disso, o dinheiro será investido somente enquanto o sistema lhe for útil, diferentemente de uma escola de música comum que não fornece instrumento como material.</a:t>
             </a:r>
           </a:p>
           <a:p>
             <a:r>
-              <a:rPr lang="pt-BR" dirty="0" smtClean="0"/>
+              <a:rPr lang="pt-BR" dirty="0"/>
               <a:t>Oferecer uma breve introdução à música, a destacar seus aspectos no nível social e psicológico, com o objetivo de incentivar o interesse no visitante.</a:t>
             </a:r>
           </a:p>
           <a:p>
             <a:r>
-              <a:rPr lang="pt-BR" dirty="0" smtClean="0"/>
+              <a:rPr lang="pt-BR" dirty="0"/>
               <a:t>Entregar exercícios de treino de coordenação motora.</a:t>
             </a:r>
           </a:p>
           <a:p>
             <a:r>
-              <a:rPr lang="pt-BR" dirty="0" smtClean="0"/>
+              <a:rPr lang="pt-BR" dirty="0"/>
               <a:t>Dividir lições cumulativas em pequenas porções para otimizar o tempo do usuário e evitar que esse sinta-se sobrecarregado ou atrasado.</a:t>
             </a:r>
           </a:p>
           <a:p>
             <a:r>
-              <a:rPr lang="pt-BR" dirty="0" smtClean="0"/>
+              <a:rPr lang="pt-BR" dirty="0"/>
               <a:t>Criar aulas interativas em dispositivos móveis que mostrem como dado instrumento funciona na prática.</a:t>
             </a:r>
             <a:endParaRPr lang="en-US" dirty="0"/>
@@ -11910,17 +13085,10 @@
     <a:masterClrMapping/>
   </p:clrMapOvr>
   <p:transition/>
-  <p:timing>
-    <p:tnLst>
-      <p:par>
-        <p:cTn id="1" dur="indefinite" restart="never" nodeType="tmRoot"/>
-      </p:par>
-    </p:tnLst>
-  </p:timing>
 </p:sld>
 </file>
 
-<file path=ppt/slides/slide7.xml><?xml version="1.0" encoding="utf-8"?>
+<file path=ppt/slides/slide8.xml><?xml version="1.0" encoding="utf-8"?>
 <p:sld xmlns:a="http://schemas.openxmlformats.org/drawingml/2006/main" xmlns:r="http://schemas.openxmlformats.org/officeDocument/2006/relationships" xmlns:p="http://schemas.openxmlformats.org/presentationml/2006/main">
   <p:cSld name="Histórias de Usuários e Requisitos">
     <p:spTree>
@@ -11947,7 +13115,12 @@
             <p:ph type="title" idx="4294967295"/>
           </p:nvPr>
         </p:nvSpPr>
-        <p:spPr/>
+        <p:spPr>
+          <a:xfrm>
+            <a:off x="911424" y="764704"/>
+            <a:ext cx="9719640" cy="851327"/>
+          </a:xfrm>
+        </p:spPr>
         <p:txBody>
           <a:bodyPr/>
           <a:lstStyle>
@@ -12023,7 +13196,12 @@
             <p:ph type="body" idx="4294967295"/>
           </p:nvPr>
         </p:nvSpPr>
-        <p:spPr/>
+        <p:spPr>
+          <a:xfrm>
+            <a:off x="767409" y="1844824"/>
+            <a:ext cx="9719640" cy="4455368"/>
+          </a:xfrm>
+        </p:spPr>
         <p:txBody>
           <a:bodyPr/>
           <a:lstStyle>
@@ -12342,7 +13520,7 @@
               </a:tabLst>
             </a:pPr>
             <a:r>
-              <a:rPr lang="pt-BR" dirty="0"/>
+              <a:rPr lang="pt-BR" sz="2000" dirty="0"/>
               <a:t>Histórias de Usuários</a:t>
             </a:r>
           </a:p>
@@ -12362,42 +13540,28 @@
               </a:tabLst>
             </a:pPr>
             <a:r>
-              <a:rPr lang="pt-BR" dirty="0" err="1" smtClean="0"/>
-              <a:t>agdasdads</a:t>
-            </a:r>
-            <a:endParaRPr lang="pt-BR" dirty="0" smtClean="0"/>
-          </a:p>
-          <a:p>
-            <a:pPr marL="0" lvl="0" indent="0">
+              <a:rPr lang="pt-BR" sz="2000" dirty="0"/>
+              <a:t> Eu como [ Usuário / Administrador ] quero ou preciso [Video-Aulas dinamicas / Por meio de video-aulas curtas ] [Permitir que pare as aulas em qualquer tempo e retomar depois onde parou / administrar materiais e video-aulas ]</a:t>
+            </a:r>
+          </a:p>
+          <a:p>
+            <a:pPr marL="0" indent="0">
               <a:spcBef>
                 <a:spcPts val="1199"/>
               </a:spcBef>
               <a:spcAft>
                 <a:spcPts val="201"/>
               </a:spcAft>
-              <a:buNone/>
+              <a:buSzPct val="100000"/>
+              <a:buFont typeface="Wingdings" pitchFamily="2"/>
+              <a:buChar char=""/>
               <a:tabLst>
                 <a:tab pos="0" algn="l"/>
               </a:tabLst>
             </a:pPr>
-            <a:endParaRPr lang="pt-BR" dirty="0"/>
-          </a:p>
-          <a:p>
-            <a:pPr marL="0" lvl="0" indent="0">
-              <a:spcBef>
-                <a:spcPts val="1199"/>
-              </a:spcBef>
-              <a:spcAft>
-                <a:spcPts val="201"/>
-              </a:spcAft>
-              <a:buNone/>
-              <a:tabLst>
-                <a:tab pos="0" algn="l"/>
-              </a:tabLst>
-            </a:pPr>
-            <a:r>
-              <a:rPr lang="pt-BR" dirty="0"/>
-              <a:t>Requisitos Funcionais</a:t>
+            <a:r>
+              <a:rPr lang="pt-BR" sz="2000" dirty="0"/>
+              <a:t> Requisitos Funcionais</a:t>
             </a:r>
           </a:p>
           <a:p>
@@ -12415,44 +13579,7 @@
                 <a:tab pos="0" algn="l"/>
               </a:tabLst>
             </a:pPr>
-            <a:r>
-              <a:rPr lang="pt-BR" dirty="0" err="1"/>
-              <a:t>agdasdads</a:t>
-            </a:r>
-            <a:endParaRPr lang="pt-BR" dirty="0"/>
-          </a:p>
-          <a:p>
-            <a:pPr marL="0" lvl="0" indent="0">
-              <a:spcBef>
-                <a:spcPts val="1199"/>
-              </a:spcBef>
-              <a:spcAft>
-                <a:spcPts val="201"/>
-              </a:spcAft>
-              <a:buNone/>
-              <a:tabLst>
-                <a:tab pos="0" algn="l"/>
-              </a:tabLst>
-            </a:pPr>
-            <a:endParaRPr lang="pt-BR" dirty="0"/>
-          </a:p>
-          <a:p>
-            <a:pPr marL="0" lvl="0" indent="0">
-              <a:spcBef>
-                <a:spcPts val="1199"/>
-              </a:spcBef>
-              <a:spcAft>
-                <a:spcPts val="201"/>
-              </a:spcAft>
-              <a:buNone/>
-              <a:tabLst>
-                <a:tab pos="0" algn="l"/>
-              </a:tabLst>
-            </a:pPr>
-            <a:r>
-              <a:rPr lang="pt-BR" dirty="0"/>
-              <a:t>Requisitos Não Funcionais</a:t>
-            </a:r>
+            <a:endParaRPr lang="pt-BR" sz="2000" dirty="0"/>
           </a:p>
           <a:p>
             <a:pPr marL="0" lvl="0" indent="0">
@@ -12463,39 +13590,867 @@
                 <a:spcPts val="201"/>
               </a:spcAft>
               <a:buSzPct val="100000"/>
-              <a:buFont typeface="Wingdings" pitchFamily="2"/>
-              <a:buChar char=""/>
+              <a:buNone/>
               <a:tabLst>
                 <a:tab pos="0" algn="l"/>
               </a:tabLst>
             </a:pPr>
-            <a:r>
-              <a:rPr lang="pt-BR" dirty="0" err="1"/>
-              <a:t>agdasdads</a:t>
-            </a:r>
-            <a:endParaRPr lang="pt-BR" dirty="0"/>
-          </a:p>
-        </p:txBody>
-      </p:sp>
+            <a:endParaRPr lang="pt-BR" sz="2000" dirty="0"/>
+          </a:p>
+          <a:p>
+            <a:pPr marL="0" lvl="0" indent="0">
+              <a:spcBef>
+                <a:spcPts val="1199"/>
+              </a:spcBef>
+              <a:spcAft>
+                <a:spcPts val="201"/>
+              </a:spcAft>
+              <a:buNone/>
+              <a:tabLst>
+                <a:tab pos="0" algn="l"/>
+              </a:tabLst>
+            </a:pPr>
+            <a:endParaRPr lang="pt-BR" sz="2000" dirty="0"/>
+          </a:p>
+          <a:p>
+            <a:pPr marL="0" lvl="0" indent="0">
+              <a:spcBef>
+                <a:spcPts val="1199"/>
+              </a:spcBef>
+              <a:spcAft>
+                <a:spcPts val="201"/>
+              </a:spcAft>
+              <a:buNone/>
+              <a:tabLst>
+                <a:tab pos="0" algn="l"/>
+              </a:tabLst>
+            </a:pPr>
+            <a:r>
+              <a:rPr lang="pt-BR" sz="2000" dirty="0"/>
+              <a:t>Requisitos Não Funcionais</a:t>
+            </a:r>
+          </a:p>
+        </p:txBody>
+      </p:sp>
+      <p:graphicFrame>
+        <p:nvGraphicFramePr>
+          <p:cNvPr id="9" name="Table 8">
+            <a:extLst>
+              <a:ext uri="{FF2B5EF4-FFF2-40B4-BE49-F238E27FC236}">
+                <a16:creationId xmlns:a16="http://schemas.microsoft.com/office/drawing/2014/main" id="{81E1D178-955B-C329-533E-A616E2372B4D}"/>
+              </a:ext>
+            </a:extLst>
+          </p:cNvPr>
+          <p:cNvGraphicFramePr>
+            <a:graphicFrameLocks noGrp="1"/>
+          </p:cNvGraphicFramePr>
+          <p:nvPr>
+            <p:extLst>
+              <p:ext uri="{D42A27DB-BD31-4B8C-83A1-F6EECF244321}">
+                <p14:modId xmlns:p14="http://schemas.microsoft.com/office/powerpoint/2010/main" val="3770963113"/>
+              </p:ext>
+            </p:extLst>
+          </p:nvPr>
+        </p:nvGraphicFramePr>
+        <p:xfrm>
+          <a:off x="767408" y="3573016"/>
+          <a:ext cx="9505056" cy="1534520"/>
+        </p:xfrm>
+        <a:graphic>
+          <a:graphicData uri="http://schemas.openxmlformats.org/drawingml/2006/table">
+            <a:tbl>
+              <a:tblPr>
+                <a:effectLst>
+                  <a:outerShdw blurRad="50800" dist="50800" dir="5400000" algn="ctr" rotWithShape="0">
+                    <a:schemeClr val="tx1"/>
+                  </a:outerShdw>
+                </a:effectLst>
+              </a:tblPr>
+              <a:tblGrid>
+                <a:gridCol w="3168352">
+                  <a:extLst>
+                    <a:ext uri="{9D8B030D-6E8A-4147-A177-3AD203B41FA5}">
+                      <a16:colId xmlns:a16="http://schemas.microsoft.com/office/drawing/2014/main" val="2608833441"/>
+                    </a:ext>
+                  </a:extLst>
+                </a:gridCol>
+                <a:gridCol w="3168352">
+                  <a:extLst>
+                    <a:ext uri="{9D8B030D-6E8A-4147-A177-3AD203B41FA5}">
+                      <a16:colId xmlns:a16="http://schemas.microsoft.com/office/drawing/2014/main" val="2683936780"/>
+                    </a:ext>
+                  </a:extLst>
+                </a:gridCol>
+                <a:gridCol w="3168352">
+                  <a:extLst>
+                    <a:ext uri="{9D8B030D-6E8A-4147-A177-3AD203B41FA5}">
+                      <a16:colId xmlns:a16="http://schemas.microsoft.com/office/drawing/2014/main" val="2449278777"/>
+                    </a:ext>
+                  </a:extLst>
+                </a:gridCol>
+              </a:tblGrid>
+              <a:tr h="217716">
+                <a:tc>
+                  <a:txBody>
+                    <a:bodyPr/>
+                    <a:lstStyle/>
+                    <a:p>
+                      <a:r>
+                        <a:rPr lang="en-GB" sz="1300" baseline="0" dirty="0">
+                          <a:effectLst/>
+                        </a:rPr>
+                        <a:t>ID</a:t>
+                      </a:r>
+                    </a:p>
+                  </a:txBody>
+                  <a:tcPr marL="123825" marR="123825" marT="57150" marB="57150" anchor="ctr">
+                    <a:lnL>
+                      <a:noFill/>
+                    </a:lnL>
+                    <a:lnR>
+                      <a:noFill/>
+                    </a:lnR>
+                    <a:lnT>
+                      <a:noFill/>
+                    </a:lnT>
+                    <a:lnB>
+                      <a:noFill/>
+                    </a:lnB>
+                    <a:noFill/>
+                  </a:tcPr>
+                </a:tc>
+                <a:tc>
+                  <a:txBody>
+                    <a:bodyPr/>
+                    <a:lstStyle/>
+                    <a:p>
+                      <a:r>
+                        <a:rPr lang="en-GB" sz="1300" baseline="0" dirty="0" err="1">
+                          <a:effectLst/>
+                        </a:rPr>
+                        <a:t>Descrição</a:t>
+                      </a:r>
+                      <a:r>
+                        <a:rPr lang="en-GB" sz="1300" baseline="0" dirty="0">
+                          <a:effectLst/>
+                        </a:rPr>
+                        <a:t> do </a:t>
+                      </a:r>
+                      <a:r>
+                        <a:rPr lang="en-GB" sz="1300" baseline="0" dirty="0" err="1">
+                          <a:effectLst/>
+                        </a:rPr>
+                        <a:t>Requisito</a:t>
+                      </a:r>
+                      <a:endParaRPr lang="en-GB" sz="1300" baseline="0" dirty="0">
+                        <a:effectLst/>
+                      </a:endParaRPr>
+                    </a:p>
+                  </a:txBody>
+                  <a:tcPr marL="123825" marR="123825" marT="57150" marB="57150" anchor="ctr">
+                    <a:lnL>
+                      <a:noFill/>
+                    </a:lnL>
+                    <a:lnR>
+                      <a:noFill/>
+                    </a:lnR>
+                    <a:lnT>
+                      <a:noFill/>
+                    </a:lnT>
+                    <a:lnB>
+                      <a:noFill/>
+                    </a:lnB>
+                    <a:noFill/>
+                  </a:tcPr>
+                </a:tc>
+                <a:tc>
+                  <a:txBody>
+                    <a:bodyPr/>
+                    <a:lstStyle/>
+                    <a:p>
+                      <a:r>
+                        <a:rPr lang="en-GB" sz="1300" baseline="0" dirty="0" err="1">
+                          <a:effectLst/>
+                        </a:rPr>
+                        <a:t>Prioridade</a:t>
+                      </a:r>
+                      <a:endParaRPr lang="en-GB" sz="1300" baseline="0" dirty="0">
+                        <a:effectLst/>
+                      </a:endParaRPr>
+                    </a:p>
+                  </a:txBody>
+                  <a:tcPr marL="123825" marR="123825" marT="57150" marB="57150" anchor="ctr">
+                    <a:lnL>
+                      <a:noFill/>
+                    </a:lnL>
+                    <a:lnR>
+                      <a:noFill/>
+                    </a:lnR>
+                    <a:lnT>
+                      <a:noFill/>
+                    </a:lnT>
+                    <a:lnB>
+                      <a:noFill/>
+                    </a:lnB>
+                    <a:noFill/>
+                  </a:tcPr>
+                </a:tc>
+                <a:extLst>
+                  <a:ext uri="{0D108BD9-81ED-4DB2-BD59-A6C34878D82A}">
+                    <a16:rowId xmlns:a16="http://schemas.microsoft.com/office/drawing/2014/main" val="1419566567"/>
+                  </a:ext>
+                </a:extLst>
+              </a:tr>
+              <a:tr h="355780">
+                <a:tc>
+                  <a:txBody>
+                    <a:bodyPr/>
+                    <a:lstStyle/>
+                    <a:p>
+                      <a:r>
+                        <a:rPr lang="en-GB" sz="1300" baseline="0" dirty="0">
+                          <a:effectLst/>
+                        </a:rPr>
+                        <a:t>RF-001</a:t>
+                      </a:r>
+                    </a:p>
+                  </a:txBody>
+                  <a:tcPr marL="123825" marR="123825" marT="57150" marB="57150" anchor="ctr">
+                    <a:lnL>
+                      <a:noFill/>
+                    </a:lnL>
+                    <a:lnR>
+                      <a:noFill/>
+                    </a:lnR>
+                    <a:lnT>
+                      <a:noFill/>
+                    </a:lnT>
+                    <a:lnB>
+                      <a:noFill/>
+                    </a:lnB>
+                    <a:noFill/>
+                  </a:tcPr>
+                </a:tc>
+                <a:tc>
+                  <a:txBody>
+                    <a:bodyPr/>
+                    <a:lstStyle/>
+                    <a:p>
+                      <a:r>
+                        <a:rPr lang="pt-BR" sz="1300" baseline="0" dirty="0">
+                          <a:effectLst/>
+                        </a:rPr>
+                        <a:t>Permitir que o usuário cadastre tarefas</a:t>
+                      </a:r>
+                    </a:p>
+                  </a:txBody>
+                  <a:tcPr marL="123825" marR="123825" marT="57150" marB="57150" anchor="ctr">
+                    <a:lnL>
+                      <a:noFill/>
+                    </a:lnL>
+                    <a:lnR>
+                      <a:noFill/>
+                    </a:lnR>
+                    <a:lnT>
+                      <a:noFill/>
+                    </a:lnT>
+                    <a:lnB>
+                      <a:noFill/>
+                    </a:lnB>
+                    <a:noFill/>
+                  </a:tcPr>
+                </a:tc>
+                <a:tc>
+                  <a:txBody>
+                    <a:bodyPr/>
+                    <a:lstStyle/>
+                    <a:p>
+                      <a:r>
+                        <a:rPr lang="en-GB" sz="1300" baseline="0" dirty="0">
+                          <a:effectLst/>
+                        </a:rPr>
+                        <a:t>MÉDIA</a:t>
+                      </a:r>
+                    </a:p>
+                  </a:txBody>
+                  <a:tcPr marL="123825" marR="123825" marT="57150" marB="57150" anchor="ctr">
+                    <a:lnL>
+                      <a:noFill/>
+                    </a:lnL>
+                    <a:lnR>
+                      <a:noFill/>
+                    </a:lnR>
+                    <a:lnT>
+                      <a:noFill/>
+                    </a:lnT>
+                    <a:lnB>
+                      <a:noFill/>
+                    </a:lnB>
+                    <a:noFill/>
+                  </a:tcPr>
+                </a:tc>
+                <a:extLst>
+                  <a:ext uri="{0D108BD9-81ED-4DB2-BD59-A6C34878D82A}">
+                    <a16:rowId xmlns:a16="http://schemas.microsoft.com/office/drawing/2014/main" val="4185743780"/>
+                  </a:ext>
+                </a:extLst>
+              </a:tr>
+              <a:tr h="355780">
+                <a:tc>
+                  <a:txBody>
+                    <a:bodyPr/>
+                    <a:lstStyle/>
+                    <a:p>
+                      <a:r>
+                        <a:rPr lang="en-GB" sz="1300" baseline="0" dirty="0">
+                          <a:effectLst/>
+                        </a:rPr>
+                        <a:t>RF-002</a:t>
+                      </a:r>
+                    </a:p>
+                  </a:txBody>
+                  <a:tcPr marL="123825" marR="123825" marT="57150" marB="57150" anchor="ctr">
+                    <a:lnL>
+                      <a:noFill/>
+                    </a:lnL>
+                    <a:lnR>
+                      <a:noFill/>
+                    </a:lnR>
+                    <a:lnT>
+                      <a:noFill/>
+                    </a:lnT>
+                    <a:lnB>
+                      <a:noFill/>
+                    </a:lnB>
+                    <a:noFill/>
+                  </a:tcPr>
+                </a:tc>
+                <a:tc>
+                  <a:txBody>
+                    <a:bodyPr/>
+                    <a:lstStyle/>
+                    <a:p>
+                      <a:r>
+                        <a:rPr lang="pt-BR" sz="1300" baseline="0" dirty="0">
+                          <a:effectLst/>
+                        </a:rPr>
+                        <a:t>Permitir que o usuário tenha controle de seus cursos</a:t>
+                      </a:r>
+                    </a:p>
+                  </a:txBody>
+                  <a:tcPr marL="123825" marR="123825" marT="57150" marB="57150" anchor="ctr">
+                    <a:lnL>
+                      <a:noFill/>
+                    </a:lnL>
+                    <a:lnR>
+                      <a:noFill/>
+                    </a:lnR>
+                    <a:lnT>
+                      <a:noFill/>
+                    </a:lnT>
+                    <a:lnB>
+                      <a:noFill/>
+                    </a:lnB>
+                    <a:noFill/>
+                  </a:tcPr>
+                </a:tc>
+                <a:tc>
+                  <a:txBody>
+                    <a:bodyPr/>
+                    <a:lstStyle/>
+                    <a:p>
+                      <a:r>
+                        <a:rPr lang="en-GB" sz="1300" baseline="0" dirty="0">
+                          <a:effectLst/>
+                        </a:rPr>
+                        <a:t>ALTA</a:t>
+                      </a:r>
+                    </a:p>
+                  </a:txBody>
+                  <a:tcPr marL="123825" marR="123825" marT="57150" marB="57150" anchor="ctr">
+                    <a:lnL>
+                      <a:noFill/>
+                    </a:lnL>
+                    <a:lnR>
+                      <a:noFill/>
+                    </a:lnR>
+                    <a:lnT>
+                      <a:noFill/>
+                    </a:lnT>
+                    <a:lnB>
+                      <a:noFill/>
+                    </a:lnB>
+                    <a:noFill/>
+                  </a:tcPr>
+                </a:tc>
+                <a:extLst>
+                  <a:ext uri="{0D108BD9-81ED-4DB2-BD59-A6C34878D82A}">
+                    <a16:rowId xmlns:a16="http://schemas.microsoft.com/office/drawing/2014/main" val="4165724785"/>
+                  </a:ext>
+                </a:extLst>
+              </a:tr>
+              <a:tr h="355780">
+                <a:tc>
+                  <a:txBody>
+                    <a:bodyPr/>
+                    <a:lstStyle/>
+                    <a:p>
+                      <a:r>
+                        <a:rPr lang="en-GB" sz="1300" baseline="0">
+                          <a:effectLst/>
+                        </a:rPr>
+                        <a:t>RF-003</a:t>
+                      </a:r>
+                    </a:p>
+                  </a:txBody>
+                  <a:tcPr marL="123825" marR="123825" marT="57150" marB="57150" anchor="ctr">
+                    <a:lnL>
+                      <a:noFill/>
+                    </a:lnL>
+                    <a:lnR>
+                      <a:noFill/>
+                    </a:lnR>
+                    <a:lnT>
+                      <a:noFill/>
+                    </a:lnT>
+                    <a:lnB>
+                      <a:noFill/>
+                    </a:lnB>
+                    <a:noFill/>
+                  </a:tcPr>
+                </a:tc>
+                <a:tc>
+                  <a:txBody>
+                    <a:bodyPr/>
+                    <a:lstStyle/>
+                    <a:p>
+                      <a:r>
+                        <a:rPr lang="pt-BR" sz="1300" baseline="0">
+                          <a:effectLst/>
+                        </a:rPr>
+                        <a:t>Foco na parte de aluuel de instrumentos</a:t>
+                      </a:r>
+                    </a:p>
+                  </a:txBody>
+                  <a:tcPr marL="123825" marR="123825" marT="57150" marB="57150" anchor="ctr">
+                    <a:lnL>
+                      <a:noFill/>
+                    </a:lnL>
+                    <a:lnR>
+                      <a:noFill/>
+                    </a:lnR>
+                    <a:lnT>
+                      <a:noFill/>
+                    </a:lnT>
+                    <a:lnB>
+                      <a:noFill/>
+                    </a:lnB>
+                    <a:noFill/>
+                  </a:tcPr>
+                </a:tc>
+                <a:tc>
+                  <a:txBody>
+                    <a:bodyPr/>
+                    <a:lstStyle/>
+                    <a:p>
+                      <a:r>
+                        <a:rPr lang="en-GB" sz="1300" baseline="0" dirty="0">
+                          <a:effectLst/>
+                        </a:rPr>
+                        <a:t>BAIXA</a:t>
+                      </a:r>
+                    </a:p>
+                  </a:txBody>
+                  <a:tcPr marL="123825" marR="123825" marT="57150" marB="57150" anchor="ctr">
+                    <a:lnL>
+                      <a:noFill/>
+                    </a:lnL>
+                    <a:lnR>
+                      <a:noFill/>
+                    </a:lnR>
+                    <a:lnT>
+                      <a:noFill/>
+                    </a:lnT>
+                    <a:lnB>
+                      <a:noFill/>
+                    </a:lnB>
+                    <a:noFill/>
+                  </a:tcPr>
+                </a:tc>
+                <a:extLst>
+                  <a:ext uri="{0D108BD9-81ED-4DB2-BD59-A6C34878D82A}">
+                    <a16:rowId xmlns:a16="http://schemas.microsoft.com/office/drawing/2014/main" val="345414139"/>
+                  </a:ext>
+                </a:extLst>
+              </a:tr>
+            </a:tbl>
+          </a:graphicData>
+        </a:graphic>
+      </p:graphicFrame>
+      <p:graphicFrame>
+        <p:nvGraphicFramePr>
+          <p:cNvPr id="10" name="Table 9">
+            <a:extLst>
+              <a:ext uri="{FF2B5EF4-FFF2-40B4-BE49-F238E27FC236}">
+                <a16:creationId xmlns:a16="http://schemas.microsoft.com/office/drawing/2014/main" id="{90742B83-ABD6-08CA-F83E-47E2B03AA4BB}"/>
+              </a:ext>
+            </a:extLst>
+          </p:cNvPr>
+          <p:cNvGraphicFramePr>
+            <a:graphicFrameLocks noGrp="1"/>
+          </p:cNvGraphicFramePr>
+          <p:nvPr>
+            <p:extLst>
+              <p:ext uri="{D42A27DB-BD31-4B8C-83A1-F6EECF244321}">
+                <p14:modId xmlns:p14="http://schemas.microsoft.com/office/powerpoint/2010/main" val="2889496569"/>
+              </p:ext>
+            </p:extLst>
+          </p:nvPr>
+        </p:nvGraphicFramePr>
+        <p:xfrm>
+          <a:off x="736948" y="5426546"/>
+          <a:ext cx="9720261" cy="1333500"/>
+        </p:xfrm>
+        <a:graphic>
+          <a:graphicData uri="http://schemas.openxmlformats.org/drawingml/2006/table">
+            <a:tbl>
+              <a:tblPr/>
+              <a:tblGrid>
+                <a:gridCol w="3240087">
+                  <a:extLst>
+                    <a:ext uri="{9D8B030D-6E8A-4147-A177-3AD203B41FA5}">
+                      <a16:colId xmlns:a16="http://schemas.microsoft.com/office/drawing/2014/main" val="1929840807"/>
+                    </a:ext>
+                  </a:extLst>
+                </a:gridCol>
+                <a:gridCol w="3240087">
+                  <a:extLst>
+                    <a:ext uri="{9D8B030D-6E8A-4147-A177-3AD203B41FA5}">
+                      <a16:colId xmlns:a16="http://schemas.microsoft.com/office/drawing/2014/main" val="3184999763"/>
+                    </a:ext>
+                  </a:extLst>
+                </a:gridCol>
+                <a:gridCol w="3240087">
+                  <a:extLst>
+                    <a:ext uri="{9D8B030D-6E8A-4147-A177-3AD203B41FA5}">
+                      <a16:colId xmlns:a16="http://schemas.microsoft.com/office/drawing/2014/main" val="3312254188"/>
+                    </a:ext>
+                  </a:extLst>
+                </a:gridCol>
+              </a:tblGrid>
+              <a:tr h="0">
+                <a:tc>
+                  <a:txBody>
+                    <a:bodyPr/>
+                    <a:lstStyle/>
+                    <a:p>
+                      <a:r>
+                        <a:rPr lang="en-GB" sz="1300">
+                          <a:effectLst/>
+                        </a:rPr>
+                        <a:t>ID</a:t>
+                      </a:r>
+                    </a:p>
+                  </a:txBody>
+                  <a:tcPr marL="123825" marR="123825" marT="57150" marB="57150" anchor="ctr">
+                    <a:lnL>
+                      <a:noFill/>
+                    </a:lnL>
+                    <a:lnR>
+                      <a:noFill/>
+                    </a:lnR>
+                    <a:lnT>
+                      <a:noFill/>
+                    </a:lnT>
+                    <a:lnB>
+                      <a:noFill/>
+                    </a:lnB>
+                    <a:noFill/>
+                  </a:tcPr>
+                </a:tc>
+                <a:tc>
+                  <a:txBody>
+                    <a:bodyPr/>
+                    <a:lstStyle/>
+                    <a:p>
+                      <a:r>
+                        <a:rPr lang="en-GB" sz="1300" dirty="0" err="1">
+                          <a:effectLst/>
+                        </a:rPr>
+                        <a:t>Descrição</a:t>
+                      </a:r>
+                      <a:r>
+                        <a:rPr lang="en-GB" sz="1300" dirty="0">
+                          <a:effectLst/>
+                        </a:rPr>
+                        <a:t> do </a:t>
+                      </a:r>
+                      <a:r>
+                        <a:rPr lang="en-GB" sz="1300" dirty="0" err="1">
+                          <a:effectLst/>
+                        </a:rPr>
+                        <a:t>Requisito</a:t>
+                      </a:r>
+                      <a:endParaRPr lang="en-GB" sz="1300" dirty="0">
+                        <a:effectLst/>
+                      </a:endParaRPr>
+                    </a:p>
+                  </a:txBody>
+                  <a:tcPr marL="123825" marR="123825" marT="57150" marB="57150" anchor="ctr">
+                    <a:lnL>
+                      <a:noFill/>
+                    </a:lnL>
+                    <a:lnR>
+                      <a:noFill/>
+                    </a:lnR>
+                    <a:lnT>
+                      <a:noFill/>
+                    </a:lnT>
+                    <a:lnB>
+                      <a:noFill/>
+                    </a:lnB>
+                    <a:noFill/>
+                  </a:tcPr>
+                </a:tc>
+                <a:tc>
+                  <a:txBody>
+                    <a:bodyPr/>
+                    <a:lstStyle/>
+                    <a:p>
+                      <a:r>
+                        <a:rPr lang="en-GB" sz="1300">
+                          <a:effectLst/>
+                        </a:rPr>
+                        <a:t>Prioridade</a:t>
+                      </a:r>
+                    </a:p>
+                  </a:txBody>
+                  <a:tcPr marL="123825" marR="123825" marT="57150" marB="57150" anchor="ctr">
+                    <a:lnL>
+                      <a:noFill/>
+                    </a:lnL>
+                    <a:lnR>
+                      <a:noFill/>
+                    </a:lnR>
+                    <a:lnT>
+                      <a:noFill/>
+                    </a:lnT>
+                    <a:lnB>
+                      <a:noFill/>
+                    </a:lnB>
+                    <a:noFill/>
+                  </a:tcPr>
+                </a:tc>
+                <a:extLst>
+                  <a:ext uri="{0D108BD9-81ED-4DB2-BD59-A6C34878D82A}">
+                    <a16:rowId xmlns:a16="http://schemas.microsoft.com/office/drawing/2014/main" val="3024845412"/>
+                  </a:ext>
+                </a:extLst>
+              </a:tr>
+              <a:tr h="0">
+                <a:tc>
+                  <a:txBody>
+                    <a:bodyPr/>
+                    <a:lstStyle/>
+                    <a:p>
+                      <a:r>
+                        <a:rPr lang="en-GB" sz="1300">
+                          <a:effectLst/>
+                        </a:rPr>
+                        <a:t>RNF-001</a:t>
+                      </a:r>
+                    </a:p>
+                  </a:txBody>
+                  <a:tcPr marL="123825" marR="123825" marT="57150" marB="57150" anchor="ctr">
+                    <a:lnL>
+                      <a:noFill/>
+                    </a:lnL>
+                    <a:lnR>
+                      <a:noFill/>
+                    </a:lnR>
+                    <a:lnT>
+                      <a:noFill/>
+                    </a:lnT>
+                    <a:lnB>
+                      <a:noFill/>
+                    </a:lnB>
+                    <a:noFill/>
+                  </a:tcPr>
+                </a:tc>
+                <a:tc>
+                  <a:txBody>
+                    <a:bodyPr/>
+                    <a:lstStyle/>
+                    <a:p>
+                      <a:r>
+                        <a:rPr lang="pt-BR" sz="1300">
+                          <a:effectLst/>
+                        </a:rPr>
+                        <a:t>O sistema deve ser responsivo para rodar em um dispositivos móvel</a:t>
+                      </a:r>
+                    </a:p>
+                  </a:txBody>
+                  <a:tcPr marL="123825" marR="123825" marT="57150" marB="57150" anchor="ctr">
+                    <a:lnL>
+                      <a:noFill/>
+                    </a:lnL>
+                    <a:lnR>
+                      <a:noFill/>
+                    </a:lnR>
+                    <a:lnT>
+                      <a:noFill/>
+                    </a:lnT>
+                    <a:lnB>
+                      <a:noFill/>
+                    </a:lnB>
+                    <a:noFill/>
+                  </a:tcPr>
+                </a:tc>
+                <a:tc>
+                  <a:txBody>
+                    <a:bodyPr/>
+                    <a:lstStyle/>
+                    <a:p>
+                      <a:r>
+                        <a:rPr lang="en-GB" sz="1300">
+                          <a:effectLst/>
+                        </a:rPr>
+                        <a:t>ALTA</a:t>
+                      </a:r>
+                    </a:p>
+                  </a:txBody>
+                  <a:tcPr marL="123825" marR="123825" marT="57150" marB="57150" anchor="ctr">
+                    <a:lnL>
+                      <a:noFill/>
+                    </a:lnL>
+                    <a:lnR>
+                      <a:noFill/>
+                    </a:lnR>
+                    <a:lnT>
+                      <a:noFill/>
+                    </a:lnT>
+                    <a:lnB>
+                      <a:noFill/>
+                    </a:lnB>
+                    <a:noFill/>
+                  </a:tcPr>
+                </a:tc>
+                <a:extLst>
+                  <a:ext uri="{0D108BD9-81ED-4DB2-BD59-A6C34878D82A}">
+                    <a16:rowId xmlns:a16="http://schemas.microsoft.com/office/drawing/2014/main" val="335113332"/>
+                  </a:ext>
+                </a:extLst>
+              </a:tr>
+              <a:tr h="0">
+                <a:tc>
+                  <a:txBody>
+                    <a:bodyPr/>
+                    <a:lstStyle/>
+                    <a:p>
+                      <a:r>
+                        <a:rPr lang="en-GB" sz="1300">
+                          <a:effectLst/>
+                        </a:rPr>
+                        <a:t>RNF-002</a:t>
+                      </a:r>
+                    </a:p>
+                  </a:txBody>
+                  <a:tcPr marL="123825" marR="123825" marT="57150" marB="57150" anchor="ctr">
+                    <a:lnL>
+                      <a:noFill/>
+                    </a:lnL>
+                    <a:lnR>
+                      <a:noFill/>
+                    </a:lnR>
+                    <a:lnT>
+                      <a:noFill/>
+                    </a:lnT>
+                    <a:lnB>
+                      <a:noFill/>
+                    </a:lnB>
+                    <a:noFill/>
+                  </a:tcPr>
+                </a:tc>
+                <a:tc>
+                  <a:txBody>
+                    <a:bodyPr/>
+                    <a:lstStyle/>
+                    <a:p>
+                      <a:r>
+                        <a:rPr lang="pt-BR" sz="1300">
+                          <a:effectLst/>
+                        </a:rPr>
+                        <a:t>Deve processar requisições do usuário em no máximo 3s</a:t>
+                      </a:r>
+                    </a:p>
+                  </a:txBody>
+                  <a:tcPr marL="123825" marR="123825" marT="57150" marB="57150" anchor="ctr">
+                    <a:lnL>
+                      <a:noFill/>
+                    </a:lnL>
+                    <a:lnR>
+                      <a:noFill/>
+                    </a:lnR>
+                    <a:lnT>
+                      <a:noFill/>
+                    </a:lnT>
+                    <a:lnB>
+                      <a:noFill/>
+                    </a:lnB>
+                    <a:noFill/>
+                  </a:tcPr>
+                </a:tc>
+                <a:tc>
+                  <a:txBody>
+                    <a:bodyPr/>
+                    <a:lstStyle/>
+                    <a:p>
+                      <a:r>
+                        <a:rPr lang="en-GB" sz="1300" dirty="0">
+                          <a:effectLst/>
+                        </a:rPr>
+                        <a:t>BAIXA</a:t>
+                      </a:r>
+                    </a:p>
+                  </a:txBody>
+                  <a:tcPr marL="123825" marR="123825" marT="57150" marB="57150" anchor="ctr">
+                    <a:lnL>
+                      <a:noFill/>
+                    </a:lnL>
+                    <a:lnR>
+                      <a:noFill/>
+                    </a:lnR>
+                    <a:lnT>
+                      <a:noFill/>
+                    </a:lnT>
+                    <a:lnB>
+                      <a:noFill/>
+                    </a:lnB>
+                    <a:noFill/>
+                  </a:tcPr>
+                </a:tc>
+                <a:extLst>
+                  <a:ext uri="{0D108BD9-81ED-4DB2-BD59-A6C34878D82A}">
+                    <a16:rowId xmlns:a16="http://schemas.microsoft.com/office/drawing/2014/main" val="1214018258"/>
+                  </a:ext>
+                </a:extLst>
+              </a:tr>
+            </a:tbl>
+          </a:graphicData>
+        </a:graphic>
+      </p:graphicFrame>
     </p:spTree>
   </p:cSld>
   <p:clrMapOvr>
     <a:masterClrMapping/>
   </p:clrMapOvr>
   <p:transition/>
-  <p:timing>
-    <p:tnLst>
-      <p:par>
-        <p:cTn id="1" dur="indefinite" restart="never" nodeType="tmRoot"/>
-      </p:par>
-    </p:tnLst>
-  </p:timing>
 </p:sld>
 </file>
 
-<file path=ppt/slides/slide8.xml><?xml version="1.0" encoding="utf-8"?>
+<file path=ppt/slides/slide9.xml><?xml version="1.0" encoding="utf-8"?>
 <p:sld xmlns:a="http://schemas.openxmlformats.org/drawingml/2006/main" xmlns:r="http://schemas.openxmlformats.org/officeDocument/2006/relationships" xmlns:p="http://schemas.openxmlformats.org/presentationml/2006/main">
-  <p:cSld name="Projeto da Interface">
+  <p:cSld>
     <p:spTree>
       <p:nvGrpSpPr>
         <p:cNvPr id="1" name=""/>
@@ -12517,12 +14472,19 @@
             <a:spLocks noGrp="1"/>
           </p:cNvSpPr>
           <p:nvPr>
-            <p:ph type="title" idx="4294967295"/>
-          </p:nvPr>
-        </p:nvSpPr>
-        <p:spPr/>
-        <p:txBody>
-          <a:bodyPr/>
+            <p:ph type="title"/>
+          </p:nvPr>
+        </p:nvSpPr>
+        <p:spPr>
+          <a:xfrm>
+            <a:off x="839416" y="1052736"/>
+            <a:ext cx="3600400" cy="419646"/>
+          </a:xfrm>
+        </p:spPr>
+        <p:txBody>
+          <a:bodyPr wrap="square" anchor="b">
+            <a:noAutofit/>
+          </a:bodyPr>
           <a:lstStyle>
             <a:defPPr lvl="0">
               <a:buSzPct val="45000"/>
@@ -12580,25 +14542,89 @@
               <a:buNone/>
             </a:pPr>
             <a:r>
-              <a:rPr lang="pt-BR"/>
+              <a:rPr lang="pt-BR" sz="3000" dirty="0"/>
               <a:t>Projeto da Interface</a:t>
             </a:r>
           </a:p>
         </p:txBody>
       </p:sp>
-      <p:sp>
-        <p:nvSpPr>
-          <p:cNvPr id="3" name="Espaço Reservado para Conteúdo 2"/>
+      <p:pic>
+        <p:nvPicPr>
+          <p:cNvPr id="2050" name="Picture 2">
+            <a:extLst>
+              <a:ext uri="{FF2B5EF4-FFF2-40B4-BE49-F238E27FC236}">
+                <a16:creationId xmlns:a16="http://schemas.microsoft.com/office/drawing/2014/main" id="{509570C3-CC1F-6017-BC6C-BF95E9F28EF1}"/>
+              </a:ext>
+            </a:extLst>
+          </p:cNvPr>
+          <p:cNvPicPr>
+            <a:picLocks noChangeAspect="1" noChangeArrowheads="1"/>
+          </p:cNvPicPr>
+          <p:nvPr/>
+        </p:nvPicPr>
+        <p:blipFill>
+          <a:blip r:embed="rId3" cstate="print">
+            <a:extLst>
+              <a:ext uri="{28A0092B-C50C-407E-A947-70E740481C1C}">
+                <a14:useLocalDpi xmlns:a14="http://schemas.microsoft.com/office/drawing/2010/main" val="0"/>
+              </a:ext>
+            </a:extLst>
+          </a:blip>
+          <a:stretch>
+            <a:fillRect/>
+          </a:stretch>
+        </p:blipFill>
+        <p:spPr bwMode="auto">
+          <a:xfrm>
+            <a:off x="5447928" y="228644"/>
+            <a:ext cx="5616624" cy="6400712"/>
+          </a:xfrm>
+          <a:prstGeom prst="rect">
+            <a:avLst/>
+          </a:prstGeom>
+          <a:solidFill>
+            <a:srgbClr val="FFFFFF"/>
+          </a:solidFill>
+          <a:extLst>
+            <a:ext uri="{909E8E84-426E-40DD-AFC4-6F175D3DCCD1}">
+              <a14:hiddenFill xmlns:a14="http://schemas.microsoft.com/office/drawing/2010/main">
+                <a:solidFill>
+                  <a:srgbClr val="FFFFFF"/>
+                </a:solidFill>
+              </a14:hiddenFill>
+            </a:ext>
+          </a:extLst>
+        </p:spPr>
+      </p:pic>
+      <p:sp>
+        <p:nvSpPr>
+          <p:cNvPr id="5" name="Espaço Reservado para Conteúdo 2">
+            <a:extLst>
+              <a:ext uri="{FF2B5EF4-FFF2-40B4-BE49-F238E27FC236}">
+                <a16:creationId xmlns:a16="http://schemas.microsoft.com/office/drawing/2014/main" id="{0FFE7121-007B-D178-EA20-0CDCB7C14A03}"/>
+              </a:ext>
+            </a:extLst>
+          </p:cNvPr>
           <p:cNvSpPr txBox="1">
-            <a:spLocks noGrp="1"/>
-          </p:cNvSpPr>
-          <p:nvPr>
-            <p:ph type="body" idx="4294967295"/>
-          </p:nvPr>
-        </p:nvSpPr>
-        <p:spPr/>
-        <p:txBody>
-          <a:bodyPr/>
+            <a:spLocks/>
+          </p:cNvSpPr>
+          <p:nvPr/>
+        </p:nvSpPr>
+        <p:spPr>
+          <a:xfrm>
+            <a:off x="839416" y="2780928"/>
+            <a:ext cx="3600400" cy="4360604"/>
+          </a:xfrm>
+          <a:prstGeom prst="rect">
+            <a:avLst/>
+          </a:prstGeom>
+          <a:noFill/>
+          <a:ln>
+            <a:noFill/>
+          </a:ln>
+        </p:spPr>
+        <p:txBody>
+          <a:bodyPr vert="horz" wrap="square" lIns="45720" tIns="45720" rIns="45720" bIns="45720" anchor="t"/>
           <a:lstStyle>
             <a:defPPr marL="432000" lvl="0" indent="-324000" algn="l" rtl="0" hangingPunct="1">
               <a:lnSpc>
@@ -12630,7 +14656,7 @@
                 <a:cs typeface="Arial" pitchFamily="2"/>
               </a:defRPr>
             </a:defPPr>
-            <a:lvl1pPr marL="432000" lvl="0" indent="-324000" algn="l" rtl="0" hangingPunct="1">
+            <a:lvl1pPr marL="432000" marR="0" lvl="0" indent="-324000" algn="l" rtl="0" hangingPunct="1">
               <a:lnSpc>
                 <a:spcPct val="90000"/>
               </a:lnSpc>
@@ -12640,9 +14666,13 @@
               <a:spcAft>
                 <a:spcPts val="0"/>
               </a:spcAft>
-              <a:buSzPct val="45000"/>
-              <a:buFont typeface="StarSymbol"/>
-              <a:buChar char="●"/>
+              <a:buClr>
+                <a:srgbClr val="1CADE4"/>
+              </a:buClr>
+              <a:buSzPct val="45000"/>
+              <a:buFont typeface="StarSymbol"/>
+              <a:buChar char="●"/>
+              <a:tabLst/>
               <a:defRPr lang="en-US" sz="2200" b="0" i="0" u="none" strike="noStrike" kern="1200" cap="none" spc="0" baseline="0">
                 <a:ln>
                   <a:noFill/>
@@ -12660,7 +14690,7 @@
                 <a:cs typeface="Arial" pitchFamily="2"/>
               </a:defRPr>
             </a:lvl1pPr>
-            <a:lvl2pPr marL="864000" lvl="1" indent="-324000" algn="l" rtl="0" hangingPunct="1">
+            <a:lvl2pPr marL="864000" marR="0" lvl="1" indent="-324000" algn="l" rtl="0" hangingPunct="1">
               <a:lnSpc>
                 <a:spcPct val="90000"/>
               </a:lnSpc>
@@ -12670,9 +14700,13 @@
               <a:spcAft>
                 <a:spcPts val="0"/>
               </a:spcAft>
+              <a:buClr>
+                <a:srgbClr val="1CADE4"/>
+              </a:buClr>
               <a:buSzPct val="75000"/>
               <a:buFont typeface="StarSymbol"/>
               <a:buChar char="–"/>
+              <a:tabLst/>
               <a:defRPr lang="en-US" sz="1400" b="0" i="0" u="none" strike="noStrike" kern="1200" cap="none" spc="0" baseline="0">
                 <a:ln>
                   <a:noFill/>
@@ -12690,7 +14724,7 @@
                 <a:cs typeface="Arial" pitchFamily="2"/>
               </a:defRPr>
             </a:lvl2pPr>
-            <a:lvl3pPr marL="1295999" lvl="2" indent="-288000" algn="l" rtl="0" hangingPunct="1">
+            <a:lvl3pPr marL="1295999" marR="0" lvl="2" indent="-288000" algn="l" rtl="0" hangingPunct="1">
               <a:lnSpc>
                 <a:spcPct val="90000"/>
               </a:lnSpc>
@@ -12700,9 +14734,13 @@
               <a:spcAft>
                 <a:spcPts val="0"/>
               </a:spcAft>
-              <a:buSzPct val="45000"/>
-              <a:buFont typeface="StarSymbol"/>
-              <a:buChar char="●"/>
+              <a:buClr>
+                <a:srgbClr val="1CADE4"/>
+              </a:buClr>
+              <a:buSzPct val="45000"/>
+              <a:buFont typeface="StarSymbol"/>
+              <a:buChar char="●"/>
+              <a:tabLst/>
               <a:defRPr lang="en-US" sz="1400" b="0" i="0" u="none" strike="noStrike" kern="1200" cap="none" spc="0" baseline="0">
                 <a:ln>
                   <a:noFill/>
@@ -12720,7 +14758,7 @@
                 <a:cs typeface="Arial" pitchFamily="2"/>
               </a:defRPr>
             </a:lvl3pPr>
-            <a:lvl4pPr marL="1728000" lvl="3" indent="-216000" algn="l" rtl="0" hangingPunct="1">
+            <a:lvl4pPr marL="1728000" marR="0" lvl="3" indent="-216000" algn="l" rtl="0" hangingPunct="1">
               <a:lnSpc>
                 <a:spcPct val="90000"/>
               </a:lnSpc>
@@ -12730,9 +14768,13 @@
               <a:spcAft>
                 <a:spcPts val="0"/>
               </a:spcAft>
+              <a:buClr>
+                <a:srgbClr val="1CADE4"/>
+              </a:buClr>
               <a:buSzPct val="75000"/>
               <a:buFont typeface="StarSymbol"/>
               <a:buChar char="–"/>
+              <a:tabLst/>
               <a:defRPr lang="en-US" sz="1400" b="0" i="0" u="none" strike="noStrike" kern="1200" cap="none" spc="0" baseline="0">
                 <a:ln>
                   <a:noFill/>
@@ -12750,7 +14792,7 @@
                 <a:cs typeface="Arial" pitchFamily="2"/>
               </a:defRPr>
             </a:lvl4pPr>
-            <a:lvl5pPr marL="2160000" lvl="4" indent="-216000" algn="l" rtl="0" hangingPunct="1">
+            <a:lvl5pPr marL="2160000" marR="0" lvl="4" indent="-216000" algn="l" rtl="0" hangingPunct="1">
               <a:lnSpc>
                 <a:spcPct val="90000"/>
               </a:lnSpc>
@@ -12760,9 +14802,13 @@
               <a:spcAft>
                 <a:spcPts val="0"/>
               </a:spcAft>
-              <a:buSzPct val="45000"/>
-              <a:buFont typeface="StarSymbol"/>
-              <a:buChar char="●"/>
+              <a:buClr>
+                <a:srgbClr val="1CADE4"/>
+              </a:buClr>
+              <a:buSzPct val="45000"/>
+              <a:buFont typeface="StarSymbol"/>
+              <a:buChar char="●"/>
+              <a:tabLst/>
               <a:defRPr lang="en-US" sz="2000" b="0" i="0" u="none" strike="noStrike" kern="1200" cap="none" spc="0" baseline="0">
                 <a:ln>
                   <a:noFill/>
@@ -12902,7 +14948,28 @@
             </a:lvl9pPr>
           </a:lstStyle>
           <a:p>
-            <a:endParaRPr lang="en-US"/>
+            <a:r>
+              <a:rPr lang="pt-BR" dirty="0"/>
+              <a:t>Experiência confortável e responsiva</a:t>
+            </a:r>
+          </a:p>
+          <a:p>
+            <a:r>
+              <a:rPr lang="pt-BR" dirty="0"/>
+              <a:t>Design minimalista e direto</a:t>
+            </a:r>
+          </a:p>
+          <a:p>
+            <a:r>
+              <a:rPr lang="pt-BR" dirty="0"/>
+              <a:t>Navegação intuitiva</a:t>
+            </a:r>
+          </a:p>
+          <a:p>
+            <a:pPr marL="108000" indent="0">
+              <a:buNone/>
+            </a:pPr>
+            <a:endParaRPr lang="pt-BR" dirty="0"/>
           </a:p>
         </p:txBody>
       </p:sp>
@@ -12912,535 +14979,6 @@
     <a:masterClrMapping/>
   </p:clrMapOvr>
   <p:transition/>
-  <p:timing>
-    <p:tnLst>
-      <p:par>
-        <p:cTn id="1" dur="indefinite" restart="never" nodeType="tmRoot"/>
-      </p:par>
-    </p:tnLst>
-  </p:timing>
-</p:sld>
-</file>
-
-<file path=ppt/slides/slide9.xml><?xml version="1.0" encoding="utf-8"?>
-<p:sld xmlns:a="http://schemas.openxmlformats.org/drawingml/2006/main" xmlns:r="http://schemas.openxmlformats.org/officeDocument/2006/relationships" xmlns:p="http://schemas.openxmlformats.org/presentationml/2006/main">
-  <p:cSld name="Metodologia">
-    <p:spTree>
-      <p:nvGrpSpPr>
-        <p:cNvPr id="1" name=""/>
-        <p:cNvGrpSpPr/>
-        <p:nvPr/>
-      </p:nvGrpSpPr>
-      <p:grpSpPr>
-        <a:xfrm>
-          <a:off x="0" y="0"/>
-          <a:ext cx="0" cy="0"/>
-          <a:chOff x="0" y="0"/>
-          <a:chExt cx="0" cy="0"/>
-        </a:xfrm>
-      </p:grpSpPr>
-      <p:sp>
-        <p:nvSpPr>
-          <p:cNvPr id="2" name="Título 1"/>
-          <p:cNvSpPr txBox="1">
-            <a:spLocks noGrp="1"/>
-          </p:cNvSpPr>
-          <p:nvPr>
-            <p:ph type="title" idx="4294967295"/>
-          </p:nvPr>
-        </p:nvSpPr>
-        <p:spPr/>
-        <p:txBody>
-          <a:bodyPr/>
-          <a:lstStyle>
-            <a:defPPr lvl="0">
-              <a:buSzPct val="45000"/>
-              <a:buFont typeface="StarSymbol"/>
-              <a:buNone/>
-            </a:defPPr>
-            <a:lvl1pPr lvl="0">
-              <a:buSzPct val="45000"/>
-              <a:buFont typeface="StarSymbol"/>
-              <a:buChar char="●"/>
-            </a:lvl1pPr>
-            <a:lvl2pPr lvl="1">
-              <a:buSzPct val="45000"/>
-              <a:buFont typeface="StarSymbol"/>
-              <a:buChar char="●"/>
-            </a:lvl2pPr>
-            <a:lvl3pPr lvl="2">
-              <a:buSzPct val="45000"/>
-              <a:buFont typeface="StarSymbol"/>
-              <a:buChar char="●"/>
-            </a:lvl3pPr>
-            <a:lvl4pPr lvl="3">
-              <a:buSzPct val="45000"/>
-              <a:buFont typeface="StarSymbol"/>
-              <a:buChar char="●"/>
-            </a:lvl4pPr>
-            <a:lvl5pPr lvl="4">
-              <a:buSzPct val="45000"/>
-              <a:buFont typeface="StarSymbol"/>
-              <a:buChar char="●"/>
-            </a:lvl5pPr>
-            <a:lvl6pPr lvl="5">
-              <a:buSzPct val="45000"/>
-              <a:buFont typeface="StarSymbol"/>
-              <a:buChar char="●"/>
-            </a:lvl6pPr>
-            <a:lvl7pPr lvl="6">
-              <a:buSzPct val="45000"/>
-              <a:buFont typeface="StarSymbol"/>
-              <a:buChar char="●"/>
-            </a:lvl7pPr>
-            <a:lvl8pPr lvl="7">
-              <a:buSzPct val="45000"/>
-              <a:buFont typeface="StarSymbol"/>
-              <a:buChar char="●"/>
-            </a:lvl8pPr>
-            <a:lvl9pPr lvl="8">
-              <a:buSzPct val="45000"/>
-              <a:buFont typeface="StarSymbol"/>
-              <a:buChar char="●"/>
-            </a:lvl9pPr>
-          </a:lstStyle>
-          <a:p>
-            <a:pPr lvl="0">
-              <a:buNone/>
-            </a:pPr>
-            <a:r>
-              <a:rPr lang="pt-BR" dirty="0"/>
-              <a:t>Metodologia</a:t>
-            </a:r>
-          </a:p>
-        </p:txBody>
-      </p:sp>
-      <p:sp>
-        <p:nvSpPr>
-          <p:cNvPr id="3" name="Espaço Reservado para Conteúdo 2"/>
-          <p:cNvSpPr txBox="1">
-            <a:spLocks noGrp="1"/>
-          </p:cNvSpPr>
-          <p:nvPr>
-            <p:ph type="body" idx="4294967295"/>
-          </p:nvPr>
-        </p:nvSpPr>
-        <p:spPr/>
-        <p:txBody>
-          <a:bodyPr/>
-          <a:lstStyle>
-            <a:defPPr marL="432000" lvl="0" indent="-324000" algn="l" rtl="0" hangingPunct="1">
-              <a:lnSpc>
-                <a:spcPct val="90000"/>
-              </a:lnSpc>
-              <a:spcBef>
-                <a:spcPts val="1417"/>
-              </a:spcBef>
-              <a:spcAft>
-                <a:spcPts val="0"/>
-              </a:spcAft>
-              <a:buSzPct val="45000"/>
-              <a:buFont typeface="StarSymbol"/>
-              <a:buNone/>
-              <a:defRPr lang="en-US" sz="2200" b="0" i="0" u="none" strike="noStrike" kern="1200" cap="none" spc="0" baseline="0">
-                <a:ln>
-                  <a:noFill/>
-                </a:ln>
-                <a:solidFill>
-                  <a:srgbClr val="000000"/>
-                </a:solidFill>
-                <a:highlight>
-                  <a:scrgbClr r="0" g="0" b="0">
-                    <a:alpha val="0"/>
-                  </a:scrgbClr>
-                </a:highlight>
-                <a:latin typeface="Tw Cen MT"/>
-                <a:ea typeface="Microsoft YaHei" pitchFamily="2"/>
-                <a:cs typeface="Arial" pitchFamily="2"/>
-              </a:defRPr>
-            </a:defPPr>
-            <a:lvl1pPr marL="432000" lvl="0" indent="-324000" algn="l" rtl="0" hangingPunct="1">
-              <a:lnSpc>
-                <a:spcPct val="90000"/>
-              </a:lnSpc>
-              <a:spcBef>
-                <a:spcPts val="1417"/>
-              </a:spcBef>
-              <a:spcAft>
-                <a:spcPts val="0"/>
-              </a:spcAft>
-              <a:buSzPct val="45000"/>
-              <a:buFont typeface="StarSymbol"/>
-              <a:buChar char="●"/>
-              <a:defRPr lang="en-US" sz="2200" b="0" i="0" u="none" strike="noStrike" kern="1200" cap="none" spc="0" baseline="0">
-                <a:ln>
-                  <a:noFill/>
-                </a:ln>
-                <a:solidFill>
-                  <a:srgbClr val="000000"/>
-                </a:solidFill>
-                <a:highlight>
-                  <a:scrgbClr r="0" g="0" b="0">
-                    <a:alpha val="0"/>
-                  </a:scrgbClr>
-                </a:highlight>
-                <a:latin typeface="Tw Cen MT"/>
-                <a:ea typeface="Microsoft YaHei" pitchFamily="2"/>
-                <a:cs typeface="Arial" pitchFamily="2"/>
-              </a:defRPr>
-            </a:lvl1pPr>
-            <a:lvl2pPr marL="864000" lvl="1" indent="-324000" algn="l" rtl="0" hangingPunct="1">
-              <a:lnSpc>
-                <a:spcPct val="90000"/>
-              </a:lnSpc>
-              <a:spcBef>
-                <a:spcPts val="1134"/>
-              </a:spcBef>
-              <a:spcAft>
-                <a:spcPts val="0"/>
-              </a:spcAft>
-              <a:buSzPct val="75000"/>
-              <a:buFont typeface="StarSymbol"/>
-              <a:buChar char="–"/>
-              <a:defRPr lang="en-US" sz="1400" b="0" i="0" u="none" strike="noStrike" kern="1200" cap="none" spc="0" baseline="0">
-                <a:ln>
-                  <a:noFill/>
-                </a:ln>
-                <a:solidFill>
-                  <a:srgbClr val="000000"/>
-                </a:solidFill>
-                <a:highlight>
-                  <a:scrgbClr r="0" g="0" b="0">
-                    <a:alpha val="0"/>
-                  </a:scrgbClr>
-                </a:highlight>
-                <a:latin typeface="Tw Cen MT"/>
-                <a:ea typeface="Microsoft YaHei" pitchFamily="2"/>
-                <a:cs typeface="Arial" pitchFamily="2"/>
-              </a:defRPr>
-            </a:lvl2pPr>
-            <a:lvl3pPr marL="1295999" lvl="2" indent="-288000" algn="l" rtl="0" hangingPunct="1">
-              <a:lnSpc>
-                <a:spcPct val="90000"/>
-              </a:lnSpc>
-              <a:spcBef>
-                <a:spcPts val="850"/>
-              </a:spcBef>
-              <a:spcAft>
-                <a:spcPts val="0"/>
-              </a:spcAft>
-              <a:buSzPct val="45000"/>
-              <a:buFont typeface="StarSymbol"/>
-              <a:buChar char="●"/>
-              <a:defRPr lang="en-US" sz="1400" b="0" i="0" u="none" strike="noStrike" kern="1200" cap="none" spc="0" baseline="0">
-                <a:ln>
-                  <a:noFill/>
-                </a:ln>
-                <a:solidFill>
-                  <a:srgbClr val="000000"/>
-                </a:solidFill>
-                <a:highlight>
-                  <a:scrgbClr r="0" g="0" b="0">
-                    <a:alpha val="0"/>
-                  </a:scrgbClr>
-                </a:highlight>
-                <a:latin typeface="Tw Cen MT"/>
-                <a:ea typeface="Microsoft YaHei" pitchFamily="2"/>
-                <a:cs typeface="Arial" pitchFamily="2"/>
-              </a:defRPr>
-            </a:lvl3pPr>
-            <a:lvl4pPr marL="1728000" lvl="3" indent="-216000" algn="l" rtl="0" hangingPunct="1">
-              <a:lnSpc>
-                <a:spcPct val="90000"/>
-              </a:lnSpc>
-              <a:spcBef>
-                <a:spcPts val="567"/>
-              </a:spcBef>
-              <a:spcAft>
-                <a:spcPts val="0"/>
-              </a:spcAft>
-              <a:buSzPct val="75000"/>
-              <a:buFont typeface="StarSymbol"/>
-              <a:buChar char="–"/>
-              <a:defRPr lang="en-US" sz="1400" b="0" i="0" u="none" strike="noStrike" kern="1200" cap="none" spc="0" baseline="0">
-                <a:ln>
-                  <a:noFill/>
-                </a:ln>
-                <a:solidFill>
-                  <a:srgbClr val="000000"/>
-                </a:solidFill>
-                <a:highlight>
-                  <a:scrgbClr r="0" g="0" b="0">
-                    <a:alpha val="0"/>
-                  </a:scrgbClr>
-                </a:highlight>
-                <a:latin typeface="Tw Cen MT"/>
-                <a:ea typeface="Microsoft YaHei" pitchFamily="2"/>
-                <a:cs typeface="Arial" pitchFamily="2"/>
-              </a:defRPr>
-            </a:lvl4pPr>
-            <a:lvl5pPr marL="2160000" lvl="4" indent="-216000" algn="l" rtl="0" hangingPunct="1">
-              <a:lnSpc>
-                <a:spcPct val="90000"/>
-              </a:lnSpc>
-              <a:spcBef>
-                <a:spcPts val="283"/>
-              </a:spcBef>
-              <a:spcAft>
-                <a:spcPts val="0"/>
-              </a:spcAft>
-              <a:buSzPct val="45000"/>
-              <a:buFont typeface="StarSymbol"/>
-              <a:buChar char="●"/>
-              <a:defRPr lang="en-US" sz="2000" b="0" i="0" u="none" strike="noStrike" kern="1200" cap="none" spc="0" baseline="0">
-                <a:ln>
-                  <a:noFill/>
-                </a:ln>
-                <a:solidFill>
-                  <a:srgbClr val="000000"/>
-                </a:solidFill>
-                <a:highlight>
-                  <a:scrgbClr r="0" g="0" b="0">
-                    <a:alpha val="0"/>
-                  </a:scrgbClr>
-                </a:highlight>
-                <a:latin typeface="Tw Cen MT"/>
-                <a:ea typeface="Microsoft YaHei" pitchFamily="2"/>
-                <a:cs typeface="Arial" pitchFamily="2"/>
-              </a:defRPr>
-            </a:lvl5pPr>
-            <a:lvl6pPr marL="2592000" lvl="5" indent="-216000" algn="l" rtl="0" hangingPunct="1">
-              <a:lnSpc>
-                <a:spcPct val="90000"/>
-              </a:lnSpc>
-              <a:spcBef>
-                <a:spcPts val="283"/>
-              </a:spcBef>
-              <a:spcAft>
-                <a:spcPts val="0"/>
-              </a:spcAft>
-              <a:buSzPct val="45000"/>
-              <a:buFont typeface="StarSymbol"/>
-              <a:buChar char="●"/>
-              <a:defRPr lang="en-US" sz="2000" b="0" i="0" u="none" strike="noStrike" kern="1200" cap="none" spc="0" baseline="0">
-                <a:ln>
-                  <a:noFill/>
-                </a:ln>
-                <a:solidFill>
-                  <a:srgbClr val="000000"/>
-                </a:solidFill>
-                <a:highlight>
-                  <a:scrgbClr r="0" g="0" b="0">
-                    <a:alpha val="0"/>
-                  </a:scrgbClr>
-                </a:highlight>
-                <a:latin typeface="Tw Cen MT"/>
-                <a:ea typeface="Microsoft YaHei" pitchFamily="2"/>
-                <a:cs typeface="Arial" pitchFamily="2"/>
-              </a:defRPr>
-            </a:lvl6pPr>
-            <a:lvl7pPr marL="3024000" lvl="6" indent="-216000" algn="l" rtl="0" hangingPunct="1">
-              <a:lnSpc>
-                <a:spcPct val="90000"/>
-              </a:lnSpc>
-              <a:spcBef>
-                <a:spcPts val="283"/>
-              </a:spcBef>
-              <a:spcAft>
-                <a:spcPts val="0"/>
-              </a:spcAft>
-              <a:buSzPct val="45000"/>
-              <a:buFont typeface="StarSymbol"/>
-              <a:buChar char="●"/>
-              <a:defRPr lang="en-US" sz="2000" b="0" i="0" u="none" strike="noStrike" kern="1200" cap="none" spc="0" baseline="0">
-                <a:ln>
-                  <a:noFill/>
-                </a:ln>
-                <a:solidFill>
-                  <a:srgbClr val="000000"/>
-                </a:solidFill>
-                <a:highlight>
-                  <a:scrgbClr r="0" g="0" b="0">
-                    <a:alpha val="0"/>
-                  </a:scrgbClr>
-                </a:highlight>
-                <a:latin typeface="Tw Cen MT"/>
-                <a:ea typeface="Microsoft YaHei" pitchFamily="2"/>
-                <a:cs typeface="Arial" pitchFamily="2"/>
-              </a:defRPr>
-            </a:lvl7pPr>
-            <a:lvl8pPr marL="3456000" lvl="7" indent="-216000" algn="l" rtl="0" hangingPunct="1">
-              <a:lnSpc>
-                <a:spcPct val="90000"/>
-              </a:lnSpc>
-              <a:spcBef>
-                <a:spcPts val="283"/>
-              </a:spcBef>
-              <a:spcAft>
-                <a:spcPts val="0"/>
-              </a:spcAft>
-              <a:buSzPct val="45000"/>
-              <a:buFont typeface="StarSymbol"/>
-              <a:buChar char="●"/>
-              <a:defRPr lang="en-US" sz="2000" b="0" i="0" u="none" strike="noStrike" kern="1200" cap="none" spc="0" baseline="0">
-                <a:ln>
-                  <a:noFill/>
-                </a:ln>
-                <a:solidFill>
-                  <a:srgbClr val="000000"/>
-                </a:solidFill>
-                <a:highlight>
-                  <a:scrgbClr r="0" g="0" b="0">
-                    <a:alpha val="0"/>
-                  </a:scrgbClr>
-                </a:highlight>
-                <a:latin typeface="Tw Cen MT"/>
-                <a:ea typeface="Microsoft YaHei" pitchFamily="2"/>
-                <a:cs typeface="Arial" pitchFamily="2"/>
-              </a:defRPr>
-            </a:lvl8pPr>
-            <a:lvl9pPr marL="3887999" lvl="8" indent="-216000" algn="l" rtl="0" hangingPunct="1">
-              <a:lnSpc>
-                <a:spcPct val="90000"/>
-              </a:lnSpc>
-              <a:spcBef>
-                <a:spcPts val="283"/>
-              </a:spcBef>
-              <a:spcAft>
-                <a:spcPts val="0"/>
-              </a:spcAft>
-              <a:buSzPct val="45000"/>
-              <a:buFont typeface="StarSymbol"/>
-              <a:buChar char="●"/>
-              <a:defRPr lang="en-US" sz="2000" b="0" i="0" u="none" strike="noStrike" kern="1200" cap="none" spc="0" baseline="0">
-                <a:ln>
-                  <a:noFill/>
-                </a:ln>
-                <a:solidFill>
-                  <a:srgbClr val="000000"/>
-                </a:solidFill>
-                <a:highlight>
-                  <a:scrgbClr r="0" g="0" b="0">
-                    <a:alpha val="0"/>
-                  </a:scrgbClr>
-                </a:highlight>
-                <a:latin typeface="Tw Cen MT"/>
-                <a:ea typeface="Microsoft YaHei" pitchFamily="2"/>
-                <a:cs typeface="Arial" pitchFamily="2"/>
-              </a:defRPr>
-            </a:lvl9pPr>
-          </a:lstStyle>
-          <a:p>
-            <a:pPr marL="0" lvl="0" indent="0">
-              <a:spcBef>
-                <a:spcPts val="1199"/>
-              </a:spcBef>
-              <a:spcAft>
-                <a:spcPts val="201"/>
-              </a:spcAft>
-              <a:buSzPct val="100000"/>
-              <a:buFont typeface="Tw Cen MT" pitchFamily="34"/>
-              <a:buChar char=" "/>
-            </a:pPr>
-            <a:r>
-              <a:rPr lang="pt-BR" dirty="0"/>
-              <a:t>Processo de Trabalho (Design </a:t>
-            </a:r>
-            <a:r>
-              <a:rPr lang="pt-BR" dirty="0" err="1"/>
-              <a:t>Thinking</a:t>
-            </a:r>
-            <a:r>
-              <a:rPr lang="pt-BR" dirty="0"/>
-              <a:t> e </a:t>
-            </a:r>
-            <a:r>
-              <a:rPr lang="pt-BR" dirty="0" err="1"/>
-              <a:t>Scrum</a:t>
-            </a:r>
-            <a:r>
-              <a:rPr lang="pt-BR" dirty="0"/>
-              <a:t>)</a:t>
-            </a:r>
-          </a:p>
-          <a:p>
-            <a:pPr marL="0" lvl="0" indent="0">
-              <a:spcBef>
-                <a:spcPts val="1199"/>
-              </a:spcBef>
-              <a:spcAft>
-                <a:spcPts val="201"/>
-              </a:spcAft>
-              <a:buSzPct val="100000"/>
-              <a:buFont typeface="Tw Cen MT" pitchFamily="34"/>
-              <a:buChar char=" "/>
-            </a:pPr>
-            <a:r>
-              <a:rPr lang="pt-BR" dirty="0"/>
-              <a:t>Divisão de Papéis</a:t>
-            </a:r>
-          </a:p>
-          <a:p>
-            <a:pPr marL="0" lvl="0" indent="0">
-              <a:spcBef>
-                <a:spcPts val="1199"/>
-              </a:spcBef>
-              <a:spcAft>
-                <a:spcPts val="201"/>
-              </a:spcAft>
-              <a:buSzPct val="100000"/>
-              <a:buFont typeface="Tw Cen MT" pitchFamily="34"/>
-              <a:buChar char=" "/>
-            </a:pPr>
-            <a:r>
-              <a:rPr lang="pt-BR" dirty="0"/>
-              <a:t>Ferramentas</a:t>
-            </a:r>
-          </a:p>
-          <a:p>
-            <a:pPr marL="0" lvl="0" indent="0">
-              <a:spcBef>
-                <a:spcPts val="1199"/>
-              </a:spcBef>
-              <a:spcAft>
-                <a:spcPts val="201"/>
-              </a:spcAft>
-              <a:buSzPct val="100000"/>
-              <a:buFont typeface="Tw Cen MT" pitchFamily="34"/>
-              <a:buChar char=" "/>
-            </a:pPr>
-            <a:r>
-              <a:rPr lang="pt-BR" dirty="0"/>
-              <a:t>Controle de Versão</a:t>
-            </a:r>
-          </a:p>
-          <a:p>
-            <a:pPr marL="0" lvl="0" indent="0">
-              <a:spcBef>
-                <a:spcPts val="1199"/>
-              </a:spcBef>
-              <a:spcAft>
-                <a:spcPts val="201"/>
-              </a:spcAft>
-              <a:buNone/>
-            </a:pPr>
-            <a:endParaRPr lang="pt-BR" dirty="0"/>
-          </a:p>
-        </p:txBody>
-      </p:sp>
-    </p:spTree>
-  </p:cSld>
-  <p:clrMapOvr>
-    <a:masterClrMapping/>
-  </p:clrMapOvr>
-  <p:transition/>
-  <p:timing>
-    <p:tnLst>
-      <p:par>
-        <p:cTn id="1" dur="indefinite" restart="never" nodeType="tmRoot"/>
-      </p:par>
-    </p:tnLst>
-  </p:timing>
 </p:sld>
 </file>
 
